--- a/PPT/Python21-Threading.pptx
+++ b/PPT/Python21-Threading.pptx
@@ -5,21 +5,24 @@
     <p:sldMasterId id="2147483653" r:id="rId1"/>
   </p:sldMasterIdLst>
   <p:notesMasterIdLst>
-    <p:notesMasterId r:id="rId11"/>
+    <p:notesMasterId r:id="rId14"/>
   </p:notesMasterIdLst>
   <p:handoutMasterIdLst>
-    <p:handoutMasterId r:id="rId12"/>
+    <p:handoutMasterId r:id="rId15"/>
   </p:handoutMasterIdLst>
   <p:sldIdLst>
     <p:sldId id="264" r:id="rId2"/>
-    <p:sldId id="265" r:id="rId3"/>
-    <p:sldId id="266" r:id="rId4"/>
-    <p:sldId id="267" r:id="rId5"/>
-    <p:sldId id="268" r:id="rId6"/>
-    <p:sldId id="270" r:id="rId7"/>
-    <p:sldId id="271" r:id="rId8"/>
-    <p:sldId id="272" r:id="rId9"/>
-    <p:sldId id="269" r:id="rId10"/>
+    <p:sldId id="273" r:id="rId3"/>
+    <p:sldId id="275" r:id="rId4"/>
+    <p:sldId id="274" r:id="rId5"/>
+    <p:sldId id="265" r:id="rId6"/>
+    <p:sldId id="266" r:id="rId7"/>
+    <p:sldId id="267" r:id="rId8"/>
+    <p:sldId id="268" r:id="rId9"/>
+    <p:sldId id="270" r:id="rId10"/>
+    <p:sldId id="271" r:id="rId11"/>
+    <p:sldId id="272" r:id="rId12"/>
+    <p:sldId id="269" r:id="rId13"/>
   </p:sldIdLst>
   <p:sldSz cx="9144000" cy="6858000" type="screen4x3"/>
   <p:notesSz cx="6648450" cy="9782175"/>
@@ -612,35 +615,35 @@
           <a:p>
             <a:pPr lvl="0"/>
             <a:r>
-              <a:rPr lang="fr-FR" noProof="0" smtClean="0"/>
+              <a:rPr lang="fr-FR" noProof="0"/>
               <a:t>Cliquez pour modifier les styles du texte du masque</a:t>
             </a:r>
           </a:p>
           <a:p>
             <a:pPr lvl="1"/>
             <a:r>
-              <a:rPr lang="fr-FR" noProof="0" smtClean="0"/>
+              <a:rPr lang="fr-FR" noProof="0"/>
               <a:t>Deuxième niveau</a:t>
             </a:r>
           </a:p>
           <a:p>
             <a:pPr lvl="2"/>
             <a:r>
-              <a:rPr lang="fr-FR" noProof="0" smtClean="0"/>
+              <a:rPr lang="fr-FR" noProof="0"/>
               <a:t>Troisième niveau</a:t>
             </a:r>
           </a:p>
           <a:p>
             <a:pPr lvl="3"/>
             <a:r>
-              <a:rPr lang="fr-FR" noProof="0" smtClean="0"/>
+              <a:rPr lang="fr-FR" noProof="0"/>
               <a:t>Quatrième niveau</a:t>
             </a:r>
           </a:p>
           <a:p>
             <a:pPr lvl="4"/>
             <a:r>
-              <a:rPr lang="fr-FR" noProof="0" smtClean="0"/>
+              <a:rPr lang="fr-FR" noProof="0"/>
               <a:t>Cinquième niveau</a:t>
             </a:r>
           </a:p>
@@ -928,10 +931,9 @@
           <a:lstStyle/>
           <a:p>
             <a:r>
-              <a:rPr lang="fr-FR" smtClean="0"/>
+              <a:rPr lang="fr-FR"/>
               <a:t>Cliquez pour modifier le style du titre</a:t>
             </a:r>
-            <a:endParaRPr lang="fr-FR"/>
           </a:p>
         </p:txBody>
       </p:sp>
@@ -993,10 +995,9 @@
           </a:lstStyle>
           <a:p>
             <a:r>
-              <a:rPr lang="fr-FR" smtClean="0"/>
+              <a:rPr lang="fr-FR"/>
               <a:t>Cliquez pour modifier le style des sous-titres du masque</a:t>
             </a:r>
-            <a:endParaRPr lang="fr-FR"/>
           </a:p>
         </p:txBody>
       </p:sp>
@@ -1051,10 +1052,9 @@
           <a:lstStyle/>
           <a:p>
             <a:r>
-              <a:rPr lang="fr-FR" smtClean="0"/>
+              <a:rPr lang="fr-FR"/>
               <a:t>Cliquez pour modifier le style du titre</a:t>
             </a:r>
-            <a:endParaRPr lang="fr-FR"/>
           </a:p>
         </p:txBody>
       </p:sp>
@@ -1080,38 +1080,37 @@
           <a:p>
             <a:pPr lvl="0"/>
             <a:r>
-              <a:rPr lang="fr-FR" smtClean="0"/>
+              <a:rPr lang="fr-FR"/>
               <a:t>Cliquez pour modifier les styles du texte du masque</a:t>
             </a:r>
           </a:p>
           <a:p>
             <a:pPr lvl="1"/>
             <a:r>
-              <a:rPr lang="fr-FR" smtClean="0"/>
+              <a:rPr lang="fr-FR"/>
               <a:t>Deuxième niveau</a:t>
             </a:r>
           </a:p>
           <a:p>
             <a:pPr lvl="2"/>
             <a:r>
-              <a:rPr lang="fr-FR" smtClean="0"/>
+              <a:rPr lang="fr-FR"/>
               <a:t>Troisième niveau</a:t>
             </a:r>
           </a:p>
           <a:p>
             <a:pPr lvl="3"/>
             <a:r>
-              <a:rPr lang="fr-FR" smtClean="0"/>
+              <a:rPr lang="fr-FR"/>
               <a:t>Quatrième niveau</a:t>
             </a:r>
           </a:p>
           <a:p>
             <a:pPr lvl="4"/>
             <a:r>
-              <a:rPr lang="fr-FR" smtClean="0"/>
+              <a:rPr lang="fr-FR"/>
               <a:t>Cinquième niveau</a:t>
             </a:r>
-            <a:endParaRPr lang="fr-FR"/>
           </a:p>
         </p:txBody>
       </p:sp>
@@ -1170,10 +1169,9 @@
           </a:lstStyle>
           <a:p>
             <a:r>
-              <a:rPr lang="fr-FR" dirty="0" smtClean="0"/>
+              <a:rPr lang="fr-FR" dirty="0"/>
               <a:t>Cliquez pour modifier le style du titre</a:t>
             </a:r>
-            <a:endParaRPr lang="fr-FR" dirty="0"/>
           </a:p>
         </p:txBody>
       </p:sp>
@@ -1199,38 +1197,37 @@
           <a:p>
             <a:pPr lvl="0"/>
             <a:r>
-              <a:rPr lang="fr-FR" dirty="0" smtClean="0"/>
+              <a:rPr lang="fr-FR" dirty="0"/>
               <a:t>Cliquez pour modifier les styles du texte du masque</a:t>
             </a:r>
           </a:p>
           <a:p>
             <a:pPr lvl="1"/>
             <a:r>
-              <a:rPr lang="fr-FR" dirty="0" smtClean="0"/>
+              <a:rPr lang="fr-FR" dirty="0"/>
               <a:t>Deuxième niveau</a:t>
             </a:r>
           </a:p>
           <a:p>
             <a:pPr lvl="2"/>
             <a:r>
-              <a:rPr lang="fr-FR" dirty="0" smtClean="0"/>
+              <a:rPr lang="fr-FR" dirty="0"/>
               <a:t>Troisième niveau</a:t>
             </a:r>
           </a:p>
           <a:p>
             <a:pPr lvl="3"/>
             <a:r>
-              <a:rPr lang="fr-FR" dirty="0" smtClean="0"/>
+              <a:rPr lang="fr-FR" dirty="0"/>
               <a:t>Quatrième niveau</a:t>
             </a:r>
           </a:p>
           <a:p>
             <a:pPr lvl="4"/>
             <a:r>
-              <a:rPr lang="fr-FR" dirty="0" smtClean="0"/>
+              <a:rPr lang="fr-FR" dirty="0"/>
               <a:t>Cinquième niveau</a:t>
             </a:r>
-            <a:endParaRPr lang="fr-FR" dirty="0"/>
           </a:p>
         </p:txBody>
       </p:sp>
@@ -1280,10 +1277,9 @@
           <a:lstStyle/>
           <a:p>
             <a:r>
-              <a:rPr lang="fr-FR" smtClean="0"/>
+              <a:rPr lang="fr-FR"/>
               <a:t>Cliquez pour modifier le style du titre</a:t>
             </a:r>
-            <a:endParaRPr lang="fr-FR"/>
           </a:p>
         </p:txBody>
       </p:sp>
@@ -1337,38 +1333,37 @@
           <a:p>
             <a:pPr lvl="0"/>
             <a:r>
-              <a:rPr lang="fr-FR" smtClean="0"/>
+              <a:rPr lang="fr-FR"/>
               <a:t>Cliquez pour modifier les styles du texte du masque</a:t>
             </a:r>
           </a:p>
           <a:p>
             <a:pPr lvl="1"/>
             <a:r>
-              <a:rPr lang="fr-FR" smtClean="0"/>
+              <a:rPr lang="fr-FR"/>
               <a:t>Deuxième niveau</a:t>
             </a:r>
           </a:p>
           <a:p>
             <a:pPr lvl="2"/>
             <a:r>
-              <a:rPr lang="fr-FR" smtClean="0"/>
+              <a:rPr lang="fr-FR"/>
               <a:t>Troisième niveau</a:t>
             </a:r>
           </a:p>
           <a:p>
             <a:pPr lvl="3"/>
             <a:r>
-              <a:rPr lang="fr-FR" smtClean="0"/>
+              <a:rPr lang="fr-FR"/>
               <a:t>Quatrième niveau</a:t>
             </a:r>
           </a:p>
           <a:p>
             <a:pPr lvl="4"/>
             <a:r>
-              <a:rPr lang="fr-FR" smtClean="0"/>
+              <a:rPr lang="fr-FR"/>
               <a:t>Cinquième niveau</a:t>
             </a:r>
-            <a:endParaRPr lang="fr-FR"/>
           </a:p>
         </p:txBody>
       </p:sp>
@@ -1422,38 +1417,37 @@
           <a:p>
             <a:pPr lvl="0"/>
             <a:r>
-              <a:rPr lang="fr-FR" smtClean="0"/>
+              <a:rPr lang="fr-FR"/>
               <a:t>Cliquez pour modifier les styles du texte du masque</a:t>
             </a:r>
           </a:p>
           <a:p>
             <a:pPr lvl="1"/>
             <a:r>
-              <a:rPr lang="fr-FR" smtClean="0"/>
+              <a:rPr lang="fr-FR"/>
               <a:t>Deuxième niveau</a:t>
             </a:r>
           </a:p>
           <a:p>
             <a:pPr lvl="2"/>
             <a:r>
-              <a:rPr lang="fr-FR" smtClean="0"/>
+              <a:rPr lang="fr-FR"/>
               <a:t>Troisième niveau</a:t>
             </a:r>
           </a:p>
           <a:p>
             <a:pPr lvl="3"/>
             <a:r>
-              <a:rPr lang="fr-FR" smtClean="0"/>
+              <a:rPr lang="fr-FR"/>
               <a:t>Quatrième niveau</a:t>
             </a:r>
           </a:p>
           <a:p>
             <a:pPr lvl="4"/>
             <a:r>
-              <a:rPr lang="fr-FR" smtClean="0"/>
+              <a:rPr lang="fr-FR"/>
               <a:t>Cinquième niveau</a:t>
             </a:r>
-            <a:endParaRPr lang="fr-FR"/>
           </a:p>
         </p:txBody>
       </p:sp>
@@ -1512,10 +1506,9 @@
           </a:lstStyle>
           <a:p>
             <a:r>
-              <a:rPr lang="fr-FR" smtClean="0"/>
+              <a:rPr lang="fr-FR"/>
               <a:t>Cliquez pour modifier le style du titre</a:t>
             </a:r>
-            <a:endParaRPr lang="fr-FR"/>
           </a:p>
         </p:txBody>
       </p:sp>
@@ -1578,7 +1571,7 @@
           <a:p>
             <a:pPr lvl="0"/>
             <a:r>
-              <a:rPr lang="fr-FR" smtClean="0"/>
+              <a:rPr lang="fr-FR"/>
               <a:t>Cliquez pour modifier les styles du texte du masque</a:t>
             </a:r>
           </a:p>
@@ -1634,38 +1627,37 @@
           <a:p>
             <a:pPr lvl="0"/>
             <a:r>
-              <a:rPr lang="fr-FR" smtClean="0"/>
+              <a:rPr lang="fr-FR"/>
               <a:t>Cliquez pour modifier les styles du texte du masque</a:t>
             </a:r>
           </a:p>
           <a:p>
             <a:pPr lvl="1"/>
             <a:r>
-              <a:rPr lang="fr-FR" smtClean="0"/>
+              <a:rPr lang="fr-FR"/>
               <a:t>Deuxième niveau</a:t>
             </a:r>
           </a:p>
           <a:p>
             <a:pPr lvl="2"/>
             <a:r>
-              <a:rPr lang="fr-FR" smtClean="0"/>
+              <a:rPr lang="fr-FR"/>
               <a:t>Troisième niveau</a:t>
             </a:r>
           </a:p>
           <a:p>
             <a:pPr lvl="3"/>
             <a:r>
-              <a:rPr lang="fr-FR" smtClean="0"/>
+              <a:rPr lang="fr-FR"/>
               <a:t>Quatrième niveau</a:t>
             </a:r>
           </a:p>
           <a:p>
             <a:pPr lvl="4"/>
             <a:r>
-              <a:rPr lang="fr-FR" smtClean="0"/>
+              <a:rPr lang="fr-FR"/>
               <a:t>Cinquième niveau</a:t>
             </a:r>
-            <a:endParaRPr lang="fr-FR"/>
           </a:p>
         </p:txBody>
       </p:sp>
@@ -1728,7 +1720,7 @@
           <a:p>
             <a:pPr lvl="0"/>
             <a:r>
-              <a:rPr lang="fr-FR" smtClean="0"/>
+              <a:rPr lang="fr-FR"/>
               <a:t>Cliquez pour modifier les styles du texte du masque</a:t>
             </a:r>
           </a:p>
@@ -1784,38 +1776,37 @@
           <a:p>
             <a:pPr lvl="0"/>
             <a:r>
-              <a:rPr lang="fr-FR" smtClean="0"/>
+              <a:rPr lang="fr-FR"/>
               <a:t>Cliquez pour modifier les styles du texte du masque</a:t>
             </a:r>
           </a:p>
           <a:p>
             <a:pPr lvl="1"/>
             <a:r>
-              <a:rPr lang="fr-FR" smtClean="0"/>
+              <a:rPr lang="fr-FR"/>
               <a:t>Deuxième niveau</a:t>
             </a:r>
           </a:p>
           <a:p>
             <a:pPr lvl="2"/>
             <a:r>
-              <a:rPr lang="fr-FR" smtClean="0"/>
+              <a:rPr lang="fr-FR"/>
               <a:t>Troisième niveau</a:t>
             </a:r>
           </a:p>
           <a:p>
             <a:pPr lvl="3"/>
             <a:r>
-              <a:rPr lang="fr-FR" smtClean="0"/>
+              <a:rPr lang="fr-FR"/>
               <a:t>Quatrième niveau</a:t>
             </a:r>
           </a:p>
           <a:p>
             <a:pPr lvl="4"/>
             <a:r>
-              <a:rPr lang="fr-FR" smtClean="0"/>
+              <a:rPr lang="fr-FR"/>
               <a:t>Cinquième niveau</a:t>
             </a:r>
-            <a:endParaRPr lang="fr-FR"/>
           </a:p>
         </p:txBody>
       </p:sp>
@@ -1865,10 +1856,9 @@
           <a:lstStyle/>
           <a:p>
             <a:r>
-              <a:rPr lang="fr-FR" smtClean="0"/>
+              <a:rPr lang="fr-FR"/>
               <a:t>Cliquez pour modifier le style du titre</a:t>
             </a:r>
-            <a:endParaRPr lang="fr-FR"/>
           </a:p>
         </p:txBody>
       </p:sp>
@@ -1957,10 +1947,9 @@
           </a:lstStyle>
           <a:p>
             <a:r>
-              <a:rPr lang="fr-FR" smtClean="0"/>
+              <a:rPr lang="fr-FR"/>
               <a:t>Cliquez pour modifier le style du titre</a:t>
             </a:r>
-            <a:endParaRPr lang="fr-FR"/>
           </a:p>
         </p:txBody>
       </p:sp>
@@ -2014,38 +2003,37 @@
           <a:p>
             <a:pPr lvl="0"/>
             <a:r>
-              <a:rPr lang="fr-FR" smtClean="0"/>
+              <a:rPr lang="fr-FR"/>
               <a:t>Cliquez pour modifier les styles du texte du masque</a:t>
             </a:r>
           </a:p>
           <a:p>
             <a:pPr lvl="1"/>
             <a:r>
-              <a:rPr lang="fr-FR" smtClean="0"/>
+              <a:rPr lang="fr-FR"/>
               <a:t>Deuxième niveau</a:t>
             </a:r>
           </a:p>
           <a:p>
             <a:pPr lvl="2"/>
             <a:r>
-              <a:rPr lang="fr-FR" smtClean="0"/>
+              <a:rPr lang="fr-FR"/>
               <a:t>Troisième niveau</a:t>
             </a:r>
           </a:p>
           <a:p>
             <a:pPr lvl="3"/>
             <a:r>
-              <a:rPr lang="fr-FR" smtClean="0"/>
+              <a:rPr lang="fr-FR"/>
               <a:t>Quatrième niveau</a:t>
             </a:r>
           </a:p>
           <a:p>
             <a:pPr lvl="4"/>
             <a:r>
-              <a:rPr lang="fr-FR" smtClean="0"/>
+              <a:rPr lang="fr-FR"/>
               <a:t>Cinquième niveau</a:t>
             </a:r>
-            <a:endParaRPr lang="fr-FR"/>
           </a:p>
         </p:txBody>
       </p:sp>
@@ -2108,7 +2096,7 @@
           <a:p>
             <a:pPr lvl="0"/>
             <a:r>
-              <a:rPr lang="fr-FR" smtClean="0"/>
+              <a:rPr lang="fr-FR"/>
               <a:t>Cliquez pour modifier les styles du texte du masque</a:t>
             </a:r>
           </a:p>
@@ -2169,10 +2157,9 @@
           </a:lstStyle>
           <a:p>
             <a:r>
-              <a:rPr lang="fr-FR" smtClean="0"/>
+              <a:rPr lang="fr-FR"/>
               <a:t>Cliquez pour modifier le style du titre</a:t>
             </a:r>
-            <a:endParaRPr lang="fr-FR"/>
           </a:p>
         </p:txBody>
       </p:sp>
@@ -2234,7 +2221,7 @@
           </a:lstStyle>
           <a:p>
             <a:pPr lvl="0"/>
-            <a:endParaRPr lang="fr-FR" noProof="0" smtClean="0"/>
+            <a:endParaRPr lang="fr-FR" noProof="0"/>
           </a:p>
         </p:txBody>
       </p:sp>
@@ -2297,7 +2284,7 @@
           <a:p>
             <a:pPr lvl="0"/>
             <a:r>
-              <a:rPr lang="fr-FR" smtClean="0"/>
+              <a:rPr lang="fr-FR"/>
               <a:t>Cliquez pour modifier les styles du texte du masque</a:t>
             </a:r>
           </a:p>
@@ -2349,10 +2336,9 @@
           <a:lstStyle/>
           <a:p>
             <a:r>
-              <a:rPr lang="fr-FR" smtClean="0"/>
+              <a:rPr lang="fr-FR"/>
               <a:t>Cliquez pour modifier le style du titre</a:t>
             </a:r>
-            <a:endParaRPr lang="fr-FR"/>
           </a:p>
         </p:txBody>
       </p:sp>
@@ -2373,38 +2359,37 @@
           <a:p>
             <a:pPr lvl="0"/>
             <a:r>
-              <a:rPr lang="fr-FR" smtClean="0"/>
+              <a:rPr lang="fr-FR"/>
               <a:t>Cliquez pour modifier les styles du texte du masque</a:t>
             </a:r>
           </a:p>
           <a:p>
             <a:pPr lvl="1"/>
             <a:r>
-              <a:rPr lang="fr-FR" smtClean="0"/>
+              <a:rPr lang="fr-FR"/>
               <a:t>Deuxième niveau</a:t>
             </a:r>
           </a:p>
           <a:p>
             <a:pPr lvl="2"/>
             <a:r>
-              <a:rPr lang="fr-FR" smtClean="0"/>
+              <a:rPr lang="fr-FR"/>
               <a:t>Troisième niveau</a:t>
             </a:r>
           </a:p>
           <a:p>
             <a:pPr lvl="3"/>
             <a:r>
-              <a:rPr lang="fr-FR" smtClean="0"/>
+              <a:rPr lang="fr-FR"/>
               <a:t>Quatrième niveau</a:t>
             </a:r>
           </a:p>
           <a:p>
             <a:pPr lvl="4"/>
             <a:r>
-              <a:rPr lang="fr-FR" smtClean="0"/>
+              <a:rPr lang="fr-FR"/>
               <a:t>Cinquième niveau</a:t>
             </a:r>
-            <a:endParaRPr lang="fr-FR"/>
           </a:p>
         </p:txBody>
       </p:sp>
@@ -2585,7 +2570,7 @@
             <a:pPr eaLnBrk="1" hangingPunct="1">
               <a:defRPr/>
             </a:pPr>
-            <a:endParaRPr lang="fr-FR" altLang="fr-FR" smtClean="0"/>
+            <a:endParaRPr lang="fr-FR" altLang="fr-FR"/>
           </a:p>
         </p:txBody>
       </p:sp>
@@ -2739,7 +2724,7 @@
               <a:defRPr/>
             </a:pPr>
             <a:r>
-              <a:rPr lang="fr-FR" sz="1200" dirty="0" smtClean="0"/>
+              <a:rPr lang="fr-FR" sz="1200" dirty="0"/>
               <a:t>Page </a:t>
             </a:r>
             <a:fld id="{E218E9B1-FD08-4C80-902E-210BA2967D0D}" type="slidenum">
@@ -2752,7 +2737,7 @@
               </a:pPr>
               <a:t>‹N°›</a:t>
             </a:fld>
-            <a:endParaRPr lang="fr-FR" dirty="0" smtClean="0">
+            <a:endParaRPr lang="fr-FR" dirty="0">
               <a:latin typeface="Times New Roman" pitchFamily="18" charset="0"/>
             </a:endParaRPr>
           </a:p>
@@ -2908,10 +2893,10 @@
               <a:defRPr/>
             </a:pPr>
             <a:r>
-              <a:rPr lang="fr-FR" sz="1600" dirty="0" smtClean="0"/>
+              <a:rPr lang="fr-FR" sz="1600" dirty="0"/>
               <a:t>Python</a:t>
             </a:r>
-            <a:endParaRPr lang="fr-FR" dirty="0" smtClean="0">
+            <a:endParaRPr lang="fr-FR" dirty="0">
               <a:latin typeface="Times New Roman" pitchFamily="18" charset="0"/>
             </a:endParaRPr>
           </a:p>
@@ -2969,7 +2954,7 @@
           <a:p>
             <a:pPr lvl="0"/>
             <a:r>
-              <a:rPr lang="fr-FR" altLang="fr-FR" smtClean="0"/>
+              <a:rPr lang="fr-FR" altLang="fr-FR"/>
               <a:t>Cliquez pour modifier le style du titre du masque</a:t>
             </a:r>
           </a:p>
@@ -3027,35 +3012,35 @@
           <a:p>
             <a:pPr lvl="0"/>
             <a:r>
-              <a:rPr lang="fr-FR" altLang="fr-FR" smtClean="0"/>
+              <a:rPr lang="fr-FR" altLang="fr-FR"/>
               <a:t>Cliquez pour modifier les styles du texte du masque</a:t>
             </a:r>
           </a:p>
           <a:p>
             <a:pPr lvl="1"/>
             <a:r>
-              <a:rPr lang="fr-FR" altLang="fr-FR" smtClean="0"/>
+              <a:rPr lang="fr-FR" altLang="fr-FR"/>
               <a:t>Deuxième niveau</a:t>
             </a:r>
           </a:p>
           <a:p>
             <a:pPr lvl="2"/>
             <a:r>
-              <a:rPr lang="fr-FR" altLang="fr-FR" smtClean="0"/>
+              <a:rPr lang="fr-FR" altLang="fr-FR"/>
               <a:t>Troisième niveau</a:t>
             </a:r>
           </a:p>
           <a:p>
             <a:pPr lvl="3"/>
             <a:r>
-              <a:rPr lang="fr-FR" altLang="fr-FR" smtClean="0"/>
+              <a:rPr lang="fr-FR" altLang="fr-FR"/>
               <a:t>Quatrième niveau</a:t>
             </a:r>
           </a:p>
           <a:p>
             <a:pPr lvl="4"/>
             <a:r>
-              <a:rPr lang="fr-FR" altLang="fr-FR" smtClean="0"/>
+              <a:rPr lang="fr-FR" altLang="fr-FR"/>
               <a:t>Cinquième niveau</a:t>
             </a:r>
           </a:p>
@@ -3211,10 +3196,10 @@
               <a:defRPr/>
             </a:pPr>
             <a:r>
-              <a:rPr lang="fr-FR" sz="1200" smtClean="0"/>
+              <a:rPr lang="fr-FR" sz="1200"/>
               <a:t>© Cyril Vincent Conseil</a:t>
             </a:r>
-            <a:endParaRPr lang="fr-FR" smtClean="0">
+            <a:endParaRPr lang="fr-FR">
               <a:latin typeface="Times New Roman" pitchFamily="18" charset="0"/>
             </a:endParaRPr>
           </a:p>
@@ -3696,15 +3681,15 @@
           <a:p>
             <a:pPr eaLnBrk="1" hangingPunct="1"/>
             <a:r>
-              <a:rPr lang="fr-FR" altLang="fr-FR" smtClean="0"/>
+              <a:rPr lang="fr-FR" altLang="fr-FR"/>
               <a:t>Chapitre 21</a:t>
             </a:r>
-            <a:endParaRPr lang="fr-FR" altLang="fr-FR" dirty="0" smtClean="0"/>
+            <a:endParaRPr lang="fr-FR" altLang="fr-FR" dirty="0"/>
           </a:p>
           <a:p>
             <a:pPr eaLnBrk="1" hangingPunct="1"/>
             <a:r>
-              <a:rPr lang="fr-FR" altLang="fr-FR" dirty="0" smtClean="0"/>
+              <a:rPr lang="fr-FR" altLang="fr-FR" dirty="0"/>
               <a:t>Threading</a:t>
             </a:r>
           </a:p>
@@ -3756,17 +3741,10 @@
   <p:clrMapOvr>
     <a:masterClrMapping/>
   </p:clrMapOvr>
-  <p:timing>
-    <p:tnLst>
-      <p:par>
-        <p:cTn id="1" dur="indefinite" restart="never" nodeType="tmRoot"/>
-      </p:par>
-    </p:tnLst>
-  </p:timing>
 </p:sld>
 </file>
 
-<file path=ppt/slides/slide2.xml><?xml version="1.0" encoding="utf-8"?>
+<file path=ppt/slides/slide10.xml><?xml version="1.0" encoding="utf-8"?>
 <p:sld xmlns:a="http://schemas.openxmlformats.org/drawingml/2006/main" xmlns:r="http://schemas.openxmlformats.org/officeDocument/2006/relationships" xmlns:p="http://schemas.openxmlformats.org/presentationml/2006/main">
   <p:cSld>
     <p:spTree>
@@ -3799,8 +3777,16 @@
           <a:lstStyle/>
           <a:p>
             <a:r>
-              <a:rPr lang="fr-FR" dirty="0" err="1" smtClean="0"/>
-              <a:t>Multi-thread</a:t>
+              <a:rPr lang="fr-FR" dirty="0" err="1"/>
+              <a:t>Async</a:t>
+            </a:r>
+            <a:r>
+              <a:rPr lang="fr-FR" dirty="0"/>
+              <a:t> et </a:t>
+            </a:r>
+            <a:r>
+              <a:rPr lang="fr-FR" dirty="0" err="1"/>
+              <a:t>await</a:t>
             </a:r>
             <a:endParaRPr lang="fr-FR" dirty="0"/>
           </a:p>
@@ -3821,41 +3807,7 @@
           <a:bodyPr/>
           <a:lstStyle/>
           <a:p>
-            <a:r>
-              <a:rPr lang="fr-FR" dirty="0" smtClean="0"/>
-              <a:t>Les threads permettent de programmer en parallèle</a:t>
-            </a:r>
-          </a:p>
-          <a:p>
-            <a:r>
-              <a:rPr lang="fr-FR" dirty="0" smtClean="0"/>
-              <a:t>Très utile quand il y a des algorithmes qui utilisent de grosses ressources</a:t>
-            </a:r>
-          </a:p>
-          <a:p>
-            <a:r>
-              <a:rPr lang="fr-FR" dirty="0" smtClean="0"/>
-              <a:t>Considérons un programme très lent</a:t>
-            </a:r>
-          </a:p>
-          <a:p>
-            <a:pPr lvl="1"/>
-            <a:r>
-              <a:rPr lang="fr-FR" dirty="0" err="1"/>
-              <a:t>t</a:t>
-            </a:r>
-            <a:r>
-              <a:rPr lang="fr-FR" dirty="0" err="1" smtClean="0"/>
-              <a:t>ime.sleep</a:t>
-            </a:r>
-            <a:r>
-              <a:rPr lang="fr-FR" dirty="0" smtClean="0"/>
-              <a:t>() effectue une pause</a:t>
-            </a:r>
-          </a:p>
-          <a:p>
-            <a:pPr lvl="1"/>
-            <a:endParaRPr lang="fr-FR" dirty="0"/>
+            <a:endParaRPr lang="fr-FR"/>
           </a:p>
         </p:txBody>
       </p:sp>
@@ -3875,8 +3827,8 @@
         </p:blipFill>
         <p:spPr>
           <a:xfrm>
-            <a:off x="2411760" y="3861049"/>
-            <a:ext cx="3973964" cy="2592288"/>
+            <a:off x="1195680" y="1156209"/>
+            <a:ext cx="7133744" cy="5436257"/>
           </a:xfrm>
           <a:prstGeom prst="rect">
             <a:avLst/>
@@ -3886,7 +3838,7 @@
     </p:spTree>
     <p:extLst>
       <p:ext uri="{BB962C8B-B14F-4D97-AF65-F5344CB8AC3E}">
-        <p14:creationId xmlns:p14="http://schemas.microsoft.com/office/powerpoint/2010/main" val="1944501722"/>
+        <p14:creationId xmlns:p14="http://schemas.microsoft.com/office/powerpoint/2010/main" val="841109094"/>
       </p:ext>
     </p:extLst>
   </p:cSld>
@@ -3896,7 +3848,7 @@
 </p:sld>
 </file>
 
-<file path=ppt/slides/slide3.xml><?xml version="1.0" encoding="utf-8"?>
+<file path=ppt/slides/slide11.xml><?xml version="1.0" encoding="utf-8"?>
 <p:sld xmlns:a="http://schemas.openxmlformats.org/drawingml/2006/main" xmlns:r="http://schemas.openxmlformats.org/officeDocument/2006/relationships" xmlns:p="http://schemas.openxmlformats.org/presentationml/2006/main">
   <p:cSld>
     <p:spTree>
@@ -3929,8 +3881,16 @@
           <a:lstStyle/>
           <a:p>
             <a:r>
-              <a:rPr lang="fr-FR" dirty="0" smtClean="0"/>
-              <a:t>Thread</a:t>
+              <a:rPr lang="fr-FR" dirty="0" err="1"/>
+              <a:t>Async</a:t>
+            </a:r>
+            <a:r>
+              <a:rPr lang="fr-FR" dirty="0"/>
+              <a:t> </a:t>
+            </a:r>
+            <a:r>
+              <a:rPr lang="fr-FR" dirty="0" err="1"/>
+              <a:t>with</a:t>
             </a:r>
             <a:endParaRPr lang="fr-FR" dirty="0"/>
           </a:p>
@@ -3952,46 +3912,25 @@
           <a:lstStyle/>
           <a:p>
             <a:r>
-              <a:rPr lang="fr-FR" dirty="0" smtClean="0"/>
-              <a:t>Le module Thread permet de programmer en parallèle</a:t>
-            </a:r>
-          </a:p>
-          <a:p>
-            <a:pPr lvl="1"/>
-            <a:r>
               <a:rPr lang="fr-FR" dirty="0"/>
-              <a:t>t</a:t>
-            </a:r>
-            <a:r>
-              <a:rPr lang="fr-FR" dirty="0" smtClean="0"/>
-              <a:t>hread.__</a:t>
-            </a:r>
-            <a:r>
-              <a:rPr lang="fr-FR" dirty="0" err="1" smtClean="0"/>
-              <a:t>init</a:t>
-            </a:r>
-            <a:r>
-              <a:rPr lang="fr-FR" dirty="0" smtClean="0"/>
-              <a:t>__ initialise la thread</a:t>
-            </a:r>
-          </a:p>
-          <a:p>
-            <a:pPr lvl="1"/>
+              <a:t>Utilisation de </a:t>
+            </a:r>
             <a:r>
               <a:rPr lang="fr-FR" dirty="0" err="1"/>
-              <a:t>r</a:t>
-            </a:r>
-            <a:r>
-              <a:rPr lang="fr-FR" dirty="0" err="1" smtClean="0"/>
-              <a:t>un</a:t>
-            </a:r>
-            <a:r>
-              <a:rPr lang="fr-FR" dirty="0" smtClean="0"/>
-              <a:t> démarre la thread</a:t>
-            </a:r>
-          </a:p>
-          <a:p>
-            <a:endParaRPr lang="fr-FR" dirty="0"/>
+              <a:t>async</a:t>
+            </a:r>
+            <a:r>
+              <a:rPr lang="fr-FR" dirty="0"/>
+              <a:t> avec un </a:t>
+            </a:r>
+            <a:r>
+              <a:rPr lang="fr-FR" dirty="0" err="1"/>
+              <a:t>context</a:t>
+            </a:r>
+            <a:r>
+              <a:rPr lang="fr-FR" dirty="0"/>
+              <a:t> manager</a:t>
+            </a:r>
           </a:p>
         </p:txBody>
       </p:sp>
@@ -4011,8 +3950,8 @@
         </p:blipFill>
         <p:spPr>
           <a:xfrm>
-            <a:off x="1187624" y="3281486"/>
-            <a:ext cx="6120680" cy="3171850"/>
+            <a:off x="1187624" y="2166168"/>
+            <a:ext cx="6858397" cy="4071144"/>
           </a:xfrm>
           <a:prstGeom prst="rect">
             <a:avLst/>
@@ -4022,7 +3961,7 @@
     </p:spTree>
     <p:extLst>
       <p:ext uri="{BB962C8B-B14F-4D97-AF65-F5344CB8AC3E}">
-        <p14:creationId xmlns:p14="http://schemas.microsoft.com/office/powerpoint/2010/main" val="19581239"/>
+        <p14:creationId xmlns:p14="http://schemas.microsoft.com/office/powerpoint/2010/main" val="1463648995"/>
       </p:ext>
     </p:extLst>
   </p:cSld>
@@ -4032,7 +3971,7 @@
 </p:sld>
 </file>
 
-<file path=ppt/slides/slide4.xml><?xml version="1.0" encoding="utf-8"?>
+<file path=ppt/slides/slide12.xml><?xml version="1.0" encoding="utf-8"?>
 <p:sld xmlns:a="http://schemas.openxmlformats.org/drawingml/2006/main" xmlns:r="http://schemas.openxmlformats.org/officeDocument/2006/relationships" xmlns:p="http://schemas.openxmlformats.org/presentationml/2006/main">
   <p:cSld>
     <p:spTree>
@@ -4065,10 +4004,9 @@
           <a:lstStyle/>
           <a:p>
             <a:r>
-              <a:rPr lang="fr-FR" dirty="0" err="1" smtClean="0"/>
-              <a:t>Multi-thread</a:t>
-            </a:r>
-            <a:endParaRPr lang="fr-FR" dirty="0"/>
+              <a:rPr lang="fr-FR" dirty="0"/>
+              <a:t>Queue</a:t>
+            </a:r>
           </a:p>
         </p:txBody>
       </p:sp>
@@ -4088,30 +4026,647 @@
           <a:lstStyle/>
           <a:p>
             <a:r>
-              <a:rPr lang="fr-FR" dirty="0" err="1" smtClean="0"/>
-              <a:t>Thread.start</a:t>
-            </a:r>
-            <a:r>
-              <a:rPr lang="fr-FR" dirty="0" smtClean="0"/>
-              <a:t>() démarre une thread</a:t>
-            </a:r>
-          </a:p>
-          <a:p>
-            <a:r>
-              <a:rPr lang="fr-FR" dirty="0" err="1" smtClean="0"/>
-              <a:t>Thread.join</a:t>
-            </a:r>
-            <a:r>
-              <a:rPr lang="fr-FR" dirty="0" smtClean="0"/>
-              <a:t>() attends la fin d’une thread()</a:t>
-            </a:r>
+              <a:rPr lang="fr-FR" dirty="0"/>
+              <a:t>Permet de créer un file d’attente de thread</a:t>
+            </a:r>
+          </a:p>
+          <a:p>
+            <a:r>
+              <a:rPr lang="fr-FR"/>
+              <a:t>Voir q_sample.py</a:t>
+            </a:r>
+            <a:endParaRPr lang="fr-FR" dirty="0"/>
+          </a:p>
+        </p:txBody>
+      </p:sp>
+    </p:spTree>
+    <p:extLst>
+      <p:ext uri="{BB962C8B-B14F-4D97-AF65-F5344CB8AC3E}">
+        <p14:creationId xmlns:p14="http://schemas.microsoft.com/office/powerpoint/2010/main" val="956050653"/>
+      </p:ext>
+    </p:extLst>
+  </p:cSld>
+  <p:clrMapOvr>
+    <a:masterClrMapping/>
+  </p:clrMapOvr>
+</p:sld>
+</file>
+
+<file path=ppt/slides/slide2.xml><?xml version="1.0" encoding="utf-8"?>
+<p:sld xmlns:a="http://schemas.openxmlformats.org/drawingml/2006/main" xmlns:r="http://schemas.openxmlformats.org/officeDocument/2006/relationships" xmlns:p="http://schemas.openxmlformats.org/presentationml/2006/main">
+  <p:cSld>
+    <p:spTree>
+      <p:nvGrpSpPr>
+        <p:cNvPr id="1" name=""/>
+        <p:cNvGrpSpPr/>
+        <p:nvPr/>
+      </p:nvGrpSpPr>
+      <p:grpSpPr>
+        <a:xfrm>
+          <a:off x="0" y="0"/>
+          <a:ext cx="0" cy="0"/>
+          <a:chOff x="0" y="0"/>
+          <a:chExt cx="0" cy="0"/>
+        </a:xfrm>
+      </p:grpSpPr>
+      <p:sp>
+        <p:nvSpPr>
+          <p:cNvPr id="2" name="Titre 1">
+            <a:extLst>
+              <a:ext uri="{FF2B5EF4-FFF2-40B4-BE49-F238E27FC236}">
+                <a16:creationId xmlns:a16="http://schemas.microsoft.com/office/drawing/2014/main" id="{8C009F35-1AA2-4206-8F19-7C2A13E5A9EB}"/>
+              </a:ext>
+            </a:extLst>
+          </p:cNvPr>
+          <p:cNvSpPr>
+            <a:spLocks noGrp="1"/>
+          </p:cNvSpPr>
+          <p:nvPr>
+            <p:ph type="title"/>
+          </p:nvPr>
+        </p:nvSpPr>
+        <p:spPr/>
+        <p:txBody>
+          <a:bodyPr/>
+          <a:lstStyle/>
+          <a:p>
+            <a:r>
+              <a:rPr lang="fr-FR" dirty="0" err="1"/>
+              <a:t>async</a:t>
+            </a:r>
+            <a:r>
+              <a:rPr lang="fr-FR" dirty="0"/>
+              <a:t> / </a:t>
+            </a:r>
+            <a:r>
+              <a:rPr lang="fr-FR" dirty="0" err="1"/>
+              <a:t>await</a:t>
+            </a:r>
+            <a:endParaRPr lang="fr-FR" dirty="0"/>
+          </a:p>
+        </p:txBody>
+      </p:sp>
+      <p:sp>
+        <p:nvSpPr>
+          <p:cNvPr id="3" name="Espace réservé du contenu 2">
+            <a:extLst>
+              <a:ext uri="{FF2B5EF4-FFF2-40B4-BE49-F238E27FC236}">
+                <a16:creationId xmlns:a16="http://schemas.microsoft.com/office/drawing/2014/main" id="{9AB45FC8-FB39-4EFD-9E2A-15EF83610D58}"/>
+              </a:ext>
+            </a:extLst>
+          </p:cNvPr>
+          <p:cNvSpPr>
+            <a:spLocks noGrp="1"/>
+          </p:cNvSpPr>
+          <p:nvPr>
+            <p:ph idx="1"/>
+          </p:nvPr>
+        </p:nvSpPr>
+        <p:spPr/>
+        <p:txBody>
+          <a:bodyPr/>
+          <a:lstStyle/>
+          <a:p>
+            <a:r>
+              <a:rPr lang="fr-FR" dirty="0" err="1"/>
+              <a:t>asyncio</a:t>
+            </a:r>
+            <a:r>
+              <a:rPr lang="fr-FR" dirty="0"/>
+              <a:t> est une bibliothèque permettant de faire de la programmation asynchrone en utilisant la syntaxe </a:t>
+            </a:r>
+            <a:r>
+              <a:rPr lang="fr-FR" dirty="0" err="1"/>
+              <a:t>async</a:t>
+            </a:r>
+            <a:r>
+              <a:rPr lang="fr-FR" dirty="0"/>
+              <a:t>/</a:t>
+            </a:r>
+            <a:r>
+              <a:rPr lang="fr-FR" dirty="0" err="1"/>
+              <a:t>await</a:t>
+            </a:r>
+            <a:endParaRPr lang="fr-FR" dirty="0"/>
+          </a:p>
+          <a:p>
+            <a:pPr lvl="1"/>
+            <a:r>
+              <a:rPr lang="fr-FR" dirty="0"/>
+              <a:t>Coroutines</a:t>
+            </a:r>
+          </a:p>
+          <a:p>
+            <a:pPr lvl="1"/>
+            <a:r>
+              <a:rPr lang="fr-FR" dirty="0"/>
+              <a:t>Code asynchrone</a:t>
+            </a:r>
+          </a:p>
+          <a:p>
+            <a:endParaRPr lang="fr-FR" dirty="0"/>
+          </a:p>
+          <a:p>
+            <a:pPr marL="400050" lvl="1" indent="0">
+              <a:buNone/>
+            </a:pPr>
+            <a:r>
+              <a:rPr lang="fr-FR" sz="1800" dirty="0">
+                <a:latin typeface="Courier New" panose="02070309020205020404" pitchFamily="49" charset="0"/>
+                <a:cs typeface="Courier New" panose="02070309020205020404" pitchFamily="49" charset="0"/>
+              </a:rPr>
+              <a:t>import </a:t>
+            </a:r>
+            <a:r>
+              <a:rPr lang="fr-FR" sz="1800" dirty="0" err="1">
+                <a:latin typeface="Courier New" panose="02070309020205020404" pitchFamily="49" charset="0"/>
+                <a:cs typeface="Courier New" panose="02070309020205020404" pitchFamily="49" charset="0"/>
+              </a:rPr>
+              <a:t>asyncio</a:t>
+            </a:r>
+            <a:endParaRPr lang="fr-FR" sz="1800" dirty="0">
+              <a:latin typeface="Courier New" panose="02070309020205020404" pitchFamily="49" charset="0"/>
+              <a:cs typeface="Courier New" panose="02070309020205020404" pitchFamily="49" charset="0"/>
+            </a:endParaRPr>
+          </a:p>
+          <a:p>
+            <a:pPr marL="400050" lvl="1" indent="0">
+              <a:buNone/>
+            </a:pPr>
+            <a:r>
+              <a:rPr lang="fr-FR" sz="1800" dirty="0" err="1">
+                <a:latin typeface="Courier New" panose="02070309020205020404" pitchFamily="49" charset="0"/>
+                <a:cs typeface="Courier New" panose="02070309020205020404" pitchFamily="49" charset="0"/>
+              </a:rPr>
+              <a:t>async</a:t>
+            </a:r>
+            <a:r>
+              <a:rPr lang="fr-FR" sz="1800" dirty="0">
+                <a:latin typeface="Courier New" panose="02070309020205020404" pitchFamily="49" charset="0"/>
+                <a:cs typeface="Courier New" panose="02070309020205020404" pitchFamily="49" charset="0"/>
+              </a:rPr>
+              <a:t> </a:t>
+            </a:r>
+            <a:r>
+              <a:rPr lang="fr-FR" sz="1800" dirty="0" err="1">
+                <a:latin typeface="Courier New" panose="02070309020205020404" pitchFamily="49" charset="0"/>
+                <a:cs typeface="Courier New" panose="02070309020205020404" pitchFamily="49" charset="0"/>
+              </a:rPr>
+              <a:t>def</a:t>
+            </a:r>
+            <a:r>
+              <a:rPr lang="fr-FR" sz="1800" dirty="0">
+                <a:latin typeface="Courier New" panose="02070309020205020404" pitchFamily="49" charset="0"/>
+                <a:cs typeface="Courier New" panose="02070309020205020404" pitchFamily="49" charset="0"/>
+              </a:rPr>
+              <a:t> main():</a:t>
+            </a:r>
+          </a:p>
+          <a:p>
+            <a:pPr marL="400050" lvl="1" indent="0">
+              <a:buNone/>
+            </a:pPr>
+            <a:r>
+              <a:rPr lang="fr-FR" sz="1800" dirty="0">
+                <a:latin typeface="Courier New" panose="02070309020205020404" pitchFamily="49" charset="0"/>
+                <a:cs typeface="Courier New" panose="02070309020205020404" pitchFamily="49" charset="0"/>
+              </a:rPr>
+              <a:t>    </a:t>
+            </a:r>
+            <a:r>
+              <a:rPr lang="fr-FR" sz="1800" dirty="0" err="1">
+                <a:latin typeface="Courier New" panose="02070309020205020404" pitchFamily="49" charset="0"/>
+                <a:cs typeface="Courier New" panose="02070309020205020404" pitchFamily="49" charset="0"/>
+              </a:rPr>
+              <a:t>print</a:t>
+            </a:r>
+            <a:r>
+              <a:rPr lang="fr-FR" sz="1800" dirty="0">
+                <a:latin typeface="Courier New" panose="02070309020205020404" pitchFamily="49" charset="0"/>
+                <a:cs typeface="Courier New" panose="02070309020205020404" pitchFamily="49" charset="0"/>
+              </a:rPr>
+              <a:t>('hello')</a:t>
+            </a:r>
+          </a:p>
+          <a:p>
+            <a:pPr marL="400050" lvl="1" indent="0">
+              <a:buNone/>
+            </a:pPr>
+            <a:r>
+              <a:rPr lang="fr-FR" sz="1800" dirty="0">
+                <a:latin typeface="Courier New" panose="02070309020205020404" pitchFamily="49" charset="0"/>
+                <a:cs typeface="Courier New" panose="02070309020205020404" pitchFamily="49" charset="0"/>
+              </a:rPr>
+              <a:t>    </a:t>
+            </a:r>
+            <a:r>
+              <a:rPr lang="fr-FR" sz="1800" dirty="0" err="1">
+                <a:latin typeface="Courier New" panose="02070309020205020404" pitchFamily="49" charset="0"/>
+                <a:cs typeface="Courier New" panose="02070309020205020404" pitchFamily="49" charset="0"/>
+              </a:rPr>
+              <a:t>await</a:t>
+            </a:r>
+            <a:r>
+              <a:rPr lang="fr-FR" sz="1800" dirty="0">
+                <a:latin typeface="Courier New" panose="02070309020205020404" pitchFamily="49" charset="0"/>
+                <a:cs typeface="Courier New" panose="02070309020205020404" pitchFamily="49" charset="0"/>
+              </a:rPr>
+              <a:t> </a:t>
+            </a:r>
+            <a:r>
+              <a:rPr lang="fr-FR" sz="1800" dirty="0" err="1">
+                <a:latin typeface="Courier New" panose="02070309020205020404" pitchFamily="49" charset="0"/>
+                <a:cs typeface="Courier New" panose="02070309020205020404" pitchFamily="49" charset="0"/>
+              </a:rPr>
+              <a:t>asyncio.sleep</a:t>
+            </a:r>
+            <a:r>
+              <a:rPr lang="fr-FR" sz="1800" dirty="0">
+                <a:latin typeface="Courier New" panose="02070309020205020404" pitchFamily="49" charset="0"/>
+                <a:cs typeface="Courier New" panose="02070309020205020404" pitchFamily="49" charset="0"/>
+              </a:rPr>
+              <a:t>(1)</a:t>
+            </a:r>
+          </a:p>
+          <a:p>
+            <a:pPr marL="400050" lvl="1" indent="0">
+              <a:buNone/>
+            </a:pPr>
+            <a:r>
+              <a:rPr lang="fr-FR" sz="1800" dirty="0">
+                <a:latin typeface="Courier New" panose="02070309020205020404" pitchFamily="49" charset="0"/>
+                <a:cs typeface="Courier New" panose="02070309020205020404" pitchFamily="49" charset="0"/>
+              </a:rPr>
+              <a:t>    </a:t>
+            </a:r>
+            <a:r>
+              <a:rPr lang="fr-FR" sz="1800" dirty="0" err="1">
+                <a:latin typeface="Courier New" panose="02070309020205020404" pitchFamily="49" charset="0"/>
+                <a:cs typeface="Courier New" panose="02070309020205020404" pitchFamily="49" charset="0"/>
+              </a:rPr>
+              <a:t>print</a:t>
+            </a:r>
+            <a:r>
+              <a:rPr lang="fr-FR" sz="1800" dirty="0">
+                <a:latin typeface="Courier New" panose="02070309020205020404" pitchFamily="49" charset="0"/>
+                <a:cs typeface="Courier New" panose="02070309020205020404" pitchFamily="49" charset="0"/>
+              </a:rPr>
+              <a:t>('world')</a:t>
+            </a:r>
+          </a:p>
+          <a:p>
+            <a:pPr marL="400050" lvl="1" indent="0">
+              <a:buNone/>
+            </a:pPr>
+            <a:r>
+              <a:rPr lang="fr-FR" sz="1800" dirty="0" err="1">
+                <a:latin typeface="Courier New" panose="02070309020205020404" pitchFamily="49" charset="0"/>
+                <a:cs typeface="Courier New" panose="02070309020205020404" pitchFamily="49" charset="0"/>
+              </a:rPr>
+              <a:t>asyncio.run</a:t>
+            </a:r>
+            <a:r>
+              <a:rPr lang="fr-FR" sz="1800" dirty="0">
+                <a:latin typeface="Courier New" panose="02070309020205020404" pitchFamily="49" charset="0"/>
+                <a:cs typeface="Courier New" panose="02070309020205020404" pitchFamily="49" charset="0"/>
+              </a:rPr>
+              <a:t>(main())</a:t>
+            </a:r>
+          </a:p>
+          <a:p>
+            <a:pPr marL="400050" lvl="1" indent="0">
+              <a:buNone/>
+            </a:pPr>
+            <a:endParaRPr lang="fr-FR" sz="1800" dirty="0">
+              <a:latin typeface="Courier New" panose="02070309020205020404" pitchFamily="49" charset="0"/>
+              <a:cs typeface="Courier New" panose="02070309020205020404" pitchFamily="49" charset="0"/>
+            </a:endParaRPr>
+          </a:p>
+        </p:txBody>
+      </p:sp>
+    </p:spTree>
+    <p:extLst>
+      <p:ext uri="{BB962C8B-B14F-4D97-AF65-F5344CB8AC3E}">
+        <p14:creationId xmlns:p14="http://schemas.microsoft.com/office/powerpoint/2010/main" val="161093280"/>
+      </p:ext>
+    </p:extLst>
+  </p:cSld>
+  <p:clrMapOvr>
+    <a:masterClrMapping/>
+  </p:clrMapOvr>
+</p:sld>
+</file>
+
+<file path=ppt/slides/slide3.xml><?xml version="1.0" encoding="utf-8"?>
+<p:sld xmlns:a="http://schemas.openxmlformats.org/drawingml/2006/main" xmlns:r="http://schemas.openxmlformats.org/officeDocument/2006/relationships" xmlns:p="http://schemas.openxmlformats.org/presentationml/2006/main">
+  <p:cSld>
+    <p:spTree>
+      <p:nvGrpSpPr>
+        <p:cNvPr id="1" name=""/>
+        <p:cNvGrpSpPr/>
+        <p:nvPr/>
+      </p:nvGrpSpPr>
+      <p:grpSpPr>
+        <a:xfrm>
+          <a:off x="0" y="0"/>
+          <a:ext cx="0" cy="0"/>
+          <a:chOff x="0" y="0"/>
+          <a:chExt cx="0" cy="0"/>
+        </a:xfrm>
+      </p:grpSpPr>
+      <p:sp>
+        <p:nvSpPr>
+          <p:cNvPr id="2" name="Titre 1">
+            <a:extLst>
+              <a:ext uri="{FF2B5EF4-FFF2-40B4-BE49-F238E27FC236}">
+                <a16:creationId xmlns:a16="http://schemas.microsoft.com/office/drawing/2014/main" id="{FFD51B03-F740-45BC-A966-6D7A3472A782}"/>
+              </a:ext>
+            </a:extLst>
+          </p:cNvPr>
+          <p:cNvSpPr>
+            <a:spLocks noGrp="1"/>
+          </p:cNvSpPr>
+          <p:nvPr>
+            <p:ph type="title"/>
+          </p:nvPr>
+        </p:nvSpPr>
+        <p:spPr/>
+        <p:txBody>
+          <a:bodyPr/>
+          <a:lstStyle/>
+          <a:p>
+            <a:r>
+              <a:rPr lang="fr-FR" dirty="0"/>
+              <a:t>Coroutines</a:t>
+            </a:r>
+          </a:p>
+        </p:txBody>
+      </p:sp>
+      <p:sp>
+        <p:nvSpPr>
+          <p:cNvPr id="3" name="Espace réservé du contenu 2">
+            <a:extLst>
+              <a:ext uri="{FF2B5EF4-FFF2-40B4-BE49-F238E27FC236}">
+                <a16:creationId xmlns:a16="http://schemas.microsoft.com/office/drawing/2014/main" id="{3AB7B443-D042-4513-AB98-59CB5E351CA1}"/>
+              </a:ext>
+            </a:extLst>
+          </p:cNvPr>
+          <p:cNvSpPr>
+            <a:spLocks noGrp="1"/>
+          </p:cNvSpPr>
+          <p:nvPr>
+            <p:ph idx="1"/>
+          </p:nvPr>
+        </p:nvSpPr>
+        <p:spPr/>
+        <p:txBody>
+          <a:bodyPr/>
+          <a:lstStyle/>
+          <a:p>
+            <a:r>
+              <a:rPr lang="fr-FR" sz="2400" dirty="0"/>
+              <a:t>Appeler une coroutine ne la planifie pas pour exécution</a:t>
+            </a:r>
+          </a:p>
+          <a:p>
+            <a:pPr marL="457200" lvl="1" indent="0">
+              <a:buNone/>
+            </a:pPr>
+            <a:r>
+              <a:rPr lang="en-US" sz="1800" dirty="0">
+                <a:latin typeface="Courier New" panose="02070309020205020404" pitchFamily="49" charset="0"/>
+                <a:cs typeface="Courier New" panose="02070309020205020404" pitchFamily="49" charset="0"/>
+              </a:rPr>
+              <a:t>main()</a:t>
+            </a:r>
+          </a:p>
+          <a:p>
+            <a:pPr marL="457200" lvl="1" indent="0">
+              <a:buNone/>
+            </a:pPr>
+            <a:r>
+              <a:rPr lang="en-US" sz="1800" dirty="0">
+                <a:latin typeface="Courier New" panose="02070309020205020404" pitchFamily="49" charset="0"/>
+                <a:cs typeface="Courier New" panose="02070309020205020404" pitchFamily="49" charset="0"/>
+              </a:rPr>
+              <a:t>&lt;coroutine object main at 0x1053bb7c8&gt;</a:t>
+            </a:r>
+          </a:p>
+          <a:p>
+            <a:pPr marL="457200" lvl="1" indent="0">
+              <a:buNone/>
+            </a:pPr>
+            <a:endParaRPr lang="en-US" sz="1800" dirty="0">
+              <a:latin typeface="Courier New" panose="02070309020205020404" pitchFamily="49" charset="0"/>
+              <a:cs typeface="Courier New" panose="02070309020205020404" pitchFamily="49" charset="0"/>
+            </a:endParaRPr>
+          </a:p>
+          <a:p>
+            <a:r>
+              <a:rPr lang="fr-FR" sz="2200" dirty="0"/>
+              <a:t>S'appel avec </a:t>
+            </a:r>
+            <a:r>
+              <a:rPr lang="fr-FR" sz="2200" dirty="0" err="1"/>
+              <a:t>asyncio.run</a:t>
+            </a:r>
+            <a:r>
+              <a:rPr lang="fr-FR" sz="2200" dirty="0"/>
+              <a:t>()</a:t>
+            </a:r>
+          </a:p>
+          <a:p>
+            <a:pPr marL="457200" lvl="1" indent="0">
+              <a:buNone/>
+            </a:pPr>
+            <a:endParaRPr lang="fr-FR" sz="1800" dirty="0">
+              <a:latin typeface="Courier New" panose="02070309020205020404" pitchFamily="49" charset="0"/>
+              <a:cs typeface="Courier New" panose="02070309020205020404" pitchFamily="49" charset="0"/>
+            </a:endParaRPr>
+          </a:p>
+          <a:p>
+            <a:pPr marL="400050" lvl="1" indent="0">
+              <a:buNone/>
+            </a:pPr>
+            <a:endParaRPr lang="fr-FR" sz="1800" dirty="0">
+              <a:latin typeface="Courier New" panose="02070309020205020404" pitchFamily="49" charset="0"/>
+              <a:cs typeface="Courier New" panose="02070309020205020404" pitchFamily="49" charset="0"/>
+            </a:endParaRPr>
+          </a:p>
+          <a:p>
+            <a:pPr marL="400050" lvl="1" indent="0">
+              <a:buNone/>
+            </a:pPr>
+            <a:r>
+              <a:rPr lang="fr-FR" sz="1800" dirty="0">
+                <a:latin typeface="Courier New" panose="02070309020205020404" pitchFamily="49" charset="0"/>
+                <a:cs typeface="Courier New" panose="02070309020205020404" pitchFamily="49" charset="0"/>
+              </a:rPr>
+              <a:t>	</a:t>
+            </a:r>
+          </a:p>
+          <a:p>
+            <a:endParaRPr lang="fr-FR" dirty="0"/>
+          </a:p>
+        </p:txBody>
+      </p:sp>
+    </p:spTree>
+    <p:extLst>
+      <p:ext uri="{BB962C8B-B14F-4D97-AF65-F5344CB8AC3E}">
+        <p14:creationId xmlns:p14="http://schemas.microsoft.com/office/powerpoint/2010/main" val="3536065137"/>
+      </p:ext>
+    </p:extLst>
+  </p:cSld>
+  <p:clrMapOvr>
+    <a:masterClrMapping/>
+  </p:clrMapOvr>
+</p:sld>
+</file>
+
+<file path=ppt/slides/slide4.xml><?xml version="1.0" encoding="utf-8"?>
+<p:sld xmlns:a="http://schemas.openxmlformats.org/drawingml/2006/main" xmlns:r="http://schemas.openxmlformats.org/officeDocument/2006/relationships" xmlns:p="http://schemas.openxmlformats.org/presentationml/2006/main">
+  <p:cSld>
+    <p:spTree>
+      <p:nvGrpSpPr>
+        <p:cNvPr id="1" name=""/>
+        <p:cNvGrpSpPr/>
+        <p:nvPr/>
+      </p:nvGrpSpPr>
+      <p:grpSpPr>
+        <a:xfrm>
+          <a:off x="0" y="0"/>
+          <a:ext cx="0" cy="0"/>
+          <a:chOff x="0" y="0"/>
+          <a:chExt cx="0" cy="0"/>
+        </a:xfrm>
+      </p:grpSpPr>
+      <p:sp>
+        <p:nvSpPr>
+          <p:cNvPr id="2" name="Titre 1">
+            <a:extLst>
+              <a:ext uri="{FF2B5EF4-FFF2-40B4-BE49-F238E27FC236}">
+                <a16:creationId xmlns:a16="http://schemas.microsoft.com/office/drawing/2014/main" id="{1C2A9A5C-A404-4408-A390-3615E55F0F70}"/>
+              </a:ext>
+            </a:extLst>
+          </p:cNvPr>
+          <p:cNvSpPr>
+            <a:spLocks noGrp="1"/>
+          </p:cNvSpPr>
+          <p:nvPr>
+            <p:ph type="title"/>
+          </p:nvPr>
+        </p:nvSpPr>
+        <p:spPr/>
+        <p:txBody>
+          <a:bodyPr/>
+          <a:lstStyle/>
+          <a:p>
+            <a:r>
+              <a:rPr lang="fr-FR" dirty="0"/>
+              <a:t>Appels en cascade</a:t>
+            </a:r>
+          </a:p>
+        </p:txBody>
+      </p:sp>
+      <p:sp>
+        <p:nvSpPr>
+          <p:cNvPr id="3" name="Espace réservé du contenu 2">
+            <a:extLst>
+              <a:ext uri="{FF2B5EF4-FFF2-40B4-BE49-F238E27FC236}">
+                <a16:creationId xmlns:a16="http://schemas.microsoft.com/office/drawing/2014/main" id="{ACFFD4A2-81FC-4AC3-8973-8C6706520733}"/>
+              </a:ext>
+            </a:extLst>
+          </p:cNvPr>
+          <p:cNvSpPr>
+            <a:spLocks noGrp="1"/>
+          </p:cNvSpPr>
+          <p:nvPr>
+            <p:ph idx="1"/>
+          </p:nvPr>
+        </p:nvSpPr>
+        <p:spPr/>
+        <p:txBody>
+          <a:bodyPr/>
+          <a:lstStyle/>
+          <a:p>
+            <a:r>
+              <a:rPr lang="fr-FR" dirty="0" err="1"/>
+              <a:t>Async</a:t>
+            </a:r>
+            <a:r>
+              <a:rPr lang="fr-FR" dirty="0"/>
+              <a:t> / </a:t>
+            </a:r>
+            <a:r>
+              <a:rPr lang="fr-FR" dirty="0" err="1"/>
+              <a:t>await</a:t>
+            </a:r>
+            <a:r>
+              <a:rPr lang="fr-FR" dirty="0"/>
+              <a:t> en cascade</a:t>
+            </a:r>
+          </a:p>
+          <a:p>
+            <a:endParaRPr lang="fr-FR" dirty="0"/>
+          </a:p>
+          <a:p>
+            <a:endParaRPr lang="fr-FR" dirty="0"/>
+          </a:p>
+          <a:p>
+            <a:endParaRPr lang="fr-FR" dirty="0"/>
+          </a:p>
+          <a:p>
+            <a:endParaRPr lang="fr-FR" dirty="0"/>
+          </a:p>
+          <a:p>
+            <a:endParaRPr lang="fr-FR" dirty="0"/>
+          </a:p>
+          <a:p>
+            <a:endParaRPr lang="fr-FR" dirty="0"/>
+          </a:p>
+          <a:p>
+            <a:r>
+              <a:rPr lang="fr-FR" dirty="0"/>
+              <a:t>Compatible liste en intention et générateur</a:t>
+            </a:r>
+          </a:p>
+          <a:p>
+            <a:pPr lvl="1"/>
+            <a:r>
+              <a:rPr lang="fr-FR" dirty="0"/>
+              <a:t>[i </a:t>
+            </a:r>
+            <a:r>
+              <a:rPr lang="fr-FR" dirty="0" err="1"/>
+              <a:t>async</a:t>
+            </a:r>
+            <a:r>
+              <a:rPr lang="fr-FR" dirty="0"/>
+              <a:t> for i in </a:t>
+            </a:r>
+            <a:r>
+              <a:rPr lang="fr-FR"/>
+              <a:t>iterator];</a:t>
+            </a:r>
+            <a:endParaRPr lang="fr-FR" dirty="0"/>
+          </a:p>
+          <a:p>
+            <a:endParaRPr lang="fr-FR" dirty="0"/>
+          </a:p>
+          <a:p>
             <a:endParaRPr lang="fr-FR" dirty="0"/>
           </a:p>
         </p:txBody>
       </p:sp>
       <p:pic>
         <p:nvPicPr>
-          <p:cNvPr id="4" name="Image 3"/>
+          <p:cNvPr id="4" name="Image 3">
+            <a:extLst>
+              <a:ext uri="{FF2B5EF4-FFF2-40B4-BE49-F238E27FC236}">
+                <a16:creationId xmlns:a16="http://schemas.microsoft.com/office/drawing/2014/main" id="{17CAFB8E-70DB-4593-8E14-141AFDA0584B}"/>
+              </a:ext>
+            </a:extLst>
+          </p:cNvPr>
           <p:cNvPicPr>
             <a:picLocks noChangeAspect="1"/>
           </p:cNvPicPr>
@@ -4125,18 +4680,242 @@
         </p:blipFill>
         <p:spPr>
           <a:xfrm>
-            <a:off x="1619672" y="2466206"/>
-            <a:ext cx="5087544" cy="2979018"/>
+            <a:off x="2195736" y="2132856"/>
+            <a:ext cx="4023709" cy="2857748"/>
           </a:xfrm>
           <a:prstGeom prst="rect">
             <a:avLst/>
           </a:prstGeom>
         </p:spPr>
       </p:pic>
+      <p:sp>
+        <p:nvSpPr>
+          <p:cNvPr id="5" name="Rectangle 1">
+            <a:extLst>
+              <a:ext uri="{FF2B5EF4-FFF2-40B4-BE49-F238E27FC236}">
+                <a16:creationId xmlns:a16="http://schemas.microsoft.com/office/drawing/2014/main" id="{339BEF08-ACD8-4290-B149-E35A45F47707}"/>
+              </a:ext>
+            </a:extLst>
+          </p:cNvPr>
+          <p:cNvSpPr>
+            <a:spLocks noChangeArrowheads="1"/>
+          </p:cNvSpPr>
+          <p:nvPr/>
+        </p:nvSpPr>
+        <p:spPr bwMode="auto">
+          <a:xfrm>
+            <a:off x="0" y="0"/>
+            <a:ext cx="9144000" cy="457200"/>
+          </a:xfrm>
+          <a:prstGeom prst="rect">
+            <a:avLst/>
+          </a:prstGeom>
+          <a:solidFill>
+            <a:srgbClr val="F9F9F9"/>
+          </a:solidFill>
+          <a:ln>
+            <a:noFill/>
+          </a:ln>
+          <a:effectLst/>
+          <a:extLst>
+            <a:ext uri="{91240B29-F687-4F45-9708-019B960494DF}">
+              <a14:hiddenLine xmlns:a14="http://schemas.microsoft.com/office/drawing/2010/main" w="9525">
+                <a:solidFill>
+                  <a:schemeClr val="tx1"/>
+                </a:solidFill>
+                <a:miter lim="800000"/>
+                <a:headEnd/>
+                <a:tailEnd/>
+              </a14:hiddenLine>
+            </a:ext>
+            <a:ext uri="{AF507438-7753-43E0-B8FC-AC1667EBCBE1}">
+              <a14:hiddenEffects xmlns:a14="http://schemas.microsoft.com/office/drawing/2010/main">
+                <a:effectLst>
+                  <a:outerShdw dist="35921" dir="2700000" algn="ctr" rotWithShape="0">
+                    <a:schemeClr val="bg2"/>
+                  </a:outerShdw>
+                </a:effectLst>
+              </a14:hiddenEffects>
+            </a:ext>
+          </a:extLst>
+        </p:spPr>
+        <p:txBody>
+          <a:bodyPr vert="horz" wrap="none" lIns="91440" tIns="45720" rIns="91440" bIns="45720" numCol="1" anchor="ctr" anchorCtr="0" compatLnSpc="1">
+            <a:prstTxWarp prst="textNoShape">
+              <a:avLst/>
+            </a:prstTxWarp>
+            <a:spAutoFit/>
+          </a:bodyPr>
+          <a:lstStyle>
+            <a:lvl1pPr eaLnBrk="0" hangingPunct="0">
+              <a:defRPr>
+                <a:solidFill>
+                  <a:schemeClr val="tx1"/>
+                </a:solidFill>
+                <a:latin typeface="Arial" panose="020B0604020202020204" pitchFamily="34" charset="0"/>
+              </a:defRPr>
+            </a:lvl1pPr>
+            <a:lvl2pPr eaLnBrk="0" hangingPunct="0">
+              <a:defRPr>
+                <a:solidFill>
+                  <a:schemeClr val="tx1"/>
+                </a:solidFill>
+                <a:latin typeface="Arial" panose="020B0604020202020204" pitchFamily="34" charset="0"/>
+              </a:defRPr>
+            </a:lvl2pPr>
+            <a:lvl3pPr eaLnBrk="0" hangingPunct="0">
+              <a:defRPr>
+                <a:solidFill>
+                  <a:schemeClr val="tx1"/>
+                </a:solidFill>
+                <a:latin typeface="Arial" panose="020B0604020202020204" pitchFamily="34" charset="0"/>
+              </a:defRPr>
+            </a:lvl3pPr>
+            <a:lvl4pPr eaLnBrk="0" hangingPunct="0">
+              <a:defRPr>
+                <a:solidFill>
+                  <a:schemeClr val="tx1"/>
+                </a:solidFill>
+                <a:latin typeface="Arial" panose="020B0604020202020204" pitchFamily="34" charset="0"/>
+              </a:defRPr>
+            </a:lvl4pPr>
+            <a:lvl5pPr eaLnBrk="0" hangingPunct="0">
+              <a:defRPr>
+                <a:solidFill>
+                  <a:schemeClr val="tx1"/>
+                </a:solidFill>
+                <a:latin typeface="Arial" panose="020B0604020202020204" pitchFamily="34" charset="0"/>
+              </a:defRPr>
+            </a:lvl5pPr>
+            <a:lvl6pPr eaLnBrk="0" fontAlgn="base" hangingPunct="0">
+              <a:spcBef>
+                <a:spcPct val="0"/>
+              </a:spcBef>
+              <a:spcAft>
+                <a:spcPct val="0"/>
+              </a:spcAft>
+              <a:defRPr>
+                <a:solidFill>
+                  <a:schemeClr val="tx1"/>
+                </a:solidFill>
+                <a:latin typeface="Arial" panose="020B0604020202020204" pitchFamily="34" charset="0"/>
+              </a:defRPr>
+            </a:lvl6pPr>
+            <a:lvl7pPr eaLnBrk="0" fontAlgn="base" hangingPunct="0">
+              <a:spcBef>
+                <a:spcPct val="0"/>
+              </a:spcBef>
+              <a:spcAft>
+                <a:spcPct val="0"/>
+              </a:spcAft>
+              <a:defRPr>
+                <a:solidFill>
+                  <a:schemeClr val="tx1"/>
+                </a:solidFill>
+                <a:latin typeface="Arial" panose="020B0604020202020204" pitchFamily="34" charset="0"/>
+              </a:defRPr>
+            </a:lvl7pPr>
+            <a:lvl8pPr eaLnBrk="0" fontAlgn="base" hangingPunct="0">
+              <a:spcBef>
+                <a:spcPct val="0"/>
+              </a:spcBef>
+              <a:spcAft>
+                <a:spcPct val="0"/>
+              </a:spcAft>
+              <a:defRPr>
+                <a:solidFill>
+                  <a:schemeClr val="tx1"/>
+                </a:solidFill>
+                <a:latin typeface="Arial" panose="020B0604020202020204" pitchFamily="34" charset="0"/>
+              </a:defRPr>
+            </a:lvl8pPr>
+            <a:lvl9pPr eaLnBrk="0" fontAlgn="base" hangingPunct="0">
+              <a:spcBef>
+                <a:spcPct val="0"/>
+              </a:spcBef>
+              <a:spcAft>
+                <a:spcPct val="0"/>
+              </a:spcAft>
+              <a:defRPr>
+                <a:solidFill>
+                  <a:schemeClr val="tx1"/>
+                </a:solidFill>
+                <a:latin typeface="Arial" panose="020B0604020202020204" pitchFamily="34" charset="0"/>
+              </a:defRPr>
+            </a:lvl9pPr>
+          </a:lstStyle>
+          <a:p>
+            <a:pPr marL="0" marR="0" lvl="0" indent="0" algn="l" defTabSz="914400" rtl="0" eaLnBrk="0" fontAlgn="base" latinLnBrk="0" hangingPunct="0">
+              <a:lnSpc>
+                <a:spcPct val="100000"/>
+              </a:lnSpc>
+              <a:spcBef>
+                <a:spcPct val="0"/>
+              </a:spcBef>
+              <a:spcAft>
+                <a:spcPct val="0"/>
+              </a:spcAft>
+              <a:buClrTx/>
+              <a:buSzTx/>
+              <a:buFontTx/>
+              <a:buNone/>
+              <a:tabLst/>
+            </a:pPr>
+            <a:r>
+              <a:rPr kumimoji="0" lang="fr-FR" altLang="fr-FR" sz="1000" b="0" i="0" u="none" strike="noStrike" cap="none" normalizeH="0" baseline="0">
+                <a:ln>
+                  <a:noFill/>
+                </a:ln>
+                <a:solidFill>
+                  <a:srgbClr val="444444"/>
+                </a:solidFill>
+                <a:effectLst/>
+                <a:latin typeface="Arial Unicode MS"/>
+              </a:rPr>
+              <a:t>[i async for i in agen()]</a:t>
+            </a:r>
+            <a:r>
+              <a:rPr kumimoji="0" lang="fr-FR" altLang="fr-FR" sz="1100" b="0" i="0" u="none" strike="noStrike" cap="none" normalizeH="0" baseline="0">
+                <a:ln>
+                  <a:noFill/>
+                </a:ln>
+                <a:solidFill>
+                  <a:srgbClr val="444444"/>
+                </a:solidFill>
+                <a:effectLst/>
+                <a:latin typeface="SourceSansProRegular"/>
+              </a:rPr>
+              <a:t>;</a:t>
+            </a:r>
+            <a:r>
+              <a:rPr kumimoji="0" lang="fr-FR" altLang="fr-FR" sz="600" b="0" i="0" u="none" strike="noStrike" cap="none" normalizeH="0" baseline="0">
+                <a:ln>
+                  <a:noFill/>
+                </a:ln>
+                <a:solidFill>
+                  <a:schemeClr val="tx1"/>
+                </a:solidFill>
+                <a:effectLst/>
+              </a:rPr>
+              <a:t> </a:t>
+            </a:r>
+            <a:endParaRPr kumimoji="0" lang="fr-FR" altLang="fr-FR" sz="1800" b="0" i="0" u="none" strike="noStrike" cap="none" normalizeH="0" baseline="0">
+              <a:ln>
+                <a:noFill/>
+              </a:ln>
+              <a:solidFill>
+                <a:schemeClr val="tx1"/>
+              </a:solidFill>
+              <a:effectLst/>
+              <a:latin typeface="Arial" panose="020B0604020202020204" pitchFamily="34" charset="0"/>
+            </a:endParaRPr>
+          </a:p>
+        </p:txBody>
+      </p:sp>
     </p:spTree>
     <p:extLst>
       <p:ext uri="{BB962C8B-B14F-4D97-AF65-F5344CB8AC3E}">
-        <p14:creationId xmlns:p14="http://schemas.microsoft.com/office/powerpoint/2010/main" val="4254419118"/>
+        <p14:creationId xmlns:p14="http://schemas.microsoft.com/office/powerpoint/2010/main" val="456631450"/>
       </p:ext>
     </p:extLst>
   </p:cSld>
@@ -4179,8 +4958,8 @@
           <a:lstStyle/>
           <a:p>
             <a:r>
-              <a:rPr lang="fr-FR" dirty="0" smtClean="0"/>
-              <a:t>Sémaphore</a:t>
+              <a:rPr lang="fr-FR" dirty="0" err="1"/>
+              <a:t>Multi-thread</a:t>
             </a:r>
             <a:endParaRPr lang="fr-FR" dirty="0"/>
           </a:p>
@@ -4196,29 +4975,41 @@
             <p:ph idx="1"/>
           </p:nvPr>
         </p:nvSpPr>
-        <p:spPr>
-          <a:xfrm>
-            <a:off x="179512" y="1412776"/>
-            <a:ext cx="4104457" cy="5040560"/>
-          </a:xfrm>
-        </p:spPr>
+        <p:spPr/>
         <p:txBody>
           <a:bodyPr/>
           <a:lstStyle/>
           <a:p>
             <a:r>
-              <a:rPr lang="fr-FR" dirty="0" smtClean="0"/>
-              <a:t>En cas d’accès concurrent à une ressource un verrou peut être posé pour autoriser une seule thread à accéder à la région concurrente</a:t>
-            </a:r>
-          </a:p>
-          <a:p>
-            <a:r>
-              <a:rPr lang="fr-FR" smtClean="0"/>
-              <a:t>Classe RLock</a:t>
-            </a:r>
-            <a:endParaRPr lang="fr-FR" dirty="0" smtClean="0"/>
-          </a:p>
-          <a:p>
+              <a:rPr lang="fr-FR" dirty="0"/>
+              <a:t>Les threads permettent de programmer en parallèle</a:t>
+            </a:r>
+          </a:p>
+          <a:p>
+            <a:r>
+              <a:rPr lang="fr-FR" dirty="0"/>
+              <a:t>Très utile quand il y a des algorithmes qui utilisent de grosses ressources</a:t>
+            </a:r>
+          </a:p>
+          <a:p>
+            <a:r>
+              <a:rPr lang="fr-FR" dirty="0"/>
+              <a:t>Considérons un programme très lent</a:t>
+            </a:r>
+          </a:p>
+          <a:p>
+            <a:pPr lvl="1"/>
+            <a:r>
+              <a:rPr lang="fr-FR" dirty="0" err="1"/>
+              <a:t>time.sleep</a:t>
+            </a:r>
+            <a:r>
+              <a:rPr lang="fr-FR" dirty="0"/>
+              <a:t>() effectue une pause</a:t>
+            </a:r>
+          </a:p>
+          <a:p>
+            <a:pPr lvl="1"/>
             <a:endParaRPr lang="fr-FR" dirty="0"/>
           </a:p>
         </p:txBody>
@@ -4239,8 +5030,8 @@
         </p:blipFill>
         <p:spPr>
           <a:xfrm>
-            <a:off x="4283968" y="1080782"/>
-            <a:ext cx="5688631" cy="6762190"/>
+            <a:off x="2411760" y="3861049"/>
+            <a:ext cx="3973964" cy="2592288"/>
           </a:xfrm>
           <a:prstGeom prst="rect">
             <a:avLst/>
@@ -4250,7 +5041,7 @@
     </p:spTree>
     <p:extLst>
       <p:ext uri="{BB962C8B-B14F-4D97-AF65-F5344CB8AC3E}">
-        <p14:creationId xmlns:p14="http://schemas.microsoft.com/office/powerpoint/2010/main" val="3782317268"/>
+        <p14:creationId xmlns:p14="http://schemas.microsoft.com/office/powerpoint/2010/main" val="1944501722"/>
       </p:ext>
     </p:extLst>
   </p:cSld>
@@ -4293,18 +5084,9 @@
           <a:lstStyle/>
           <a:p>
             <a:r>
-              <a:rPr lang="fr-FR" dirty="0" err="1" smtClean="0"/>
-              <a:t>Await</a:t>
-            </a:r>
-            <a:r>
-              <a:rPr lang="fr-FR" dirty="0" smtClean="0"/>
-              <a:t> et </a:t>
-            </a:r>
-            <a:r>
-              <a:rPr lang="fr-FR" dirty="0" err="1" smtClean="0"/>
-              <a:t>Async</a:t>
-            </a:r>
-            <a:endParaRPr lang="fr-FR" dirty="0"/>
+              <a:rPr lang="fr-FR" dirty="0"/>
+              <a:t>Thread</a:t>
+            </a:r>
           </a:p>
         </p:txBody>
       </p:sp>
@@ -4324,91 +5106,37 @@
           <a:lstStyle/>
           <a:p>
             <a:r>
-              <a:rPr lang="fr-FR" dirty="0" smtClean="0"/>
-              <a:t>Vocabulaire simplifié pour de la programmation asynchrone</a:t>
+              <a:rPr lang="fr-FR" dirty="0"/>
+              <a:t>Le module Thread permet de programmer en parallèle</a:t>
             </a:r>
           </a:p>
           <a:p>
             <a:pPr lvl="1"/>
             <a:r>
-              <a:rPr lang="fr-FR" smtClean="0"/>
-              <a:t>Python </a:t>
-            </a:r>
-            <a:r>
-              <a:rPr lang="fr-FR" smtClean="0"/>
-              <a:t>3.5</a:t>
-            </a:r>
-            <a:endParaRPr lang="fr-FR" dirty="0" smtClean="0"/>
-          </a:p>
-          <a:p>
-            <a:r>
-              <a:rPr lang="fr-FR" dirty="0" err="1" smtClean="0"/>
-              <a:t>Async</a:t>
-            </a:r>
-            <a:endParaRPr lang="fr-FR" dirty="0" smtClean="0"/>
+              <a:rPr lang="fr-FR" dirty="0"/>
+              <a:t>thread.__</a:t>
+            </a:r>
+            <a:r>
+              <a:rPr lang="fr-FR" dirty="0" err="1"/>
+              <a:t>init</a:t>
+            </a:r>
+            <a:r>
+              <a:rPr lang="fr-FR" dirty="0"/>
+              <a:t>__ initialise la thread</a:t>
+            </a:r>
           </a:p>
           <a:p>
             <a:pPr lvl="1"/>
             <a:r>
-              <a:rPr lang="fr-FR" dirty="0" smtClean="0"/>
-              <a:t>Permet de spécifier une fonction asynchrone</a:t>
-            </a:r>
-          </a:p>
-          <a:p>
-            <a:pPr lvl="1"/>
-            <a:endParaRPr lang="fr-FR" dirty="0" smtClean="0"/>
-          </a:p>
-          <a:p>
-            <a:endParaRPr lang="fr-FR" dirty="0" smtClean="0"/>
-          </a:p>
-          <a:p>
-            <a:r>
-              <a:rPr lang="fr-FR" dirty="0" err="1" smtClean="0"/>
-              <a:t>Await</a:t>
-            </a:r>
-            <a:endParaRPr lang="fr-FR" dirty="0"/>
-          </a:p>
-          <a:p>
-            <a:pPr lvl="1"/>
-            <a:r>
-              <a:rPr lang="fr-FR" dirty="0" smtClean="0"/>
-              <a:t>Permet de suspendre l’exécution tant que l’appel </a:t>
-            </a:r>
-            <a:r>
               <a:rPr lang="fr-FR" dirty="0" err="1"/>
-              <a:t>a</a:t>
-            </a:r>
-            <a:r>
-              <a:rPr lang="fr-FR" dirty="0" err="1" smtClean="0"/>
-              <a:t>sync</a:t>
-            </a:r>
-            <a:r>
-              <a:rPr lang="fr-FR" dirty="0" smtClean="0"/>
-              <a:t> n’est pas terminé</a:t>
-            </a:r>
-          </a:p>
-          <a:p>
-            <a:pPr lvl="1"/>
-            <a:r>
-              <a:rPr lang="fr-FR" dirty="0" err="1"/>
-              <a:t>a</a:t>
-            </a:r>
-            <a:r>
-              <a:rPr lang="fr-FR" dirty="0" err="1" smtClean="0"/>
-              <a:t>wait</a:t>
-            </a:r>
-            <a:r>
-              <a:rPr lang="fr-FR" dirty="0" smtClean="0"/>
-              <a:t> </a:t>
-            </a:r>
-            <a:r>
-              <a:rPr lang="fr-FR" dirty="0" err="1" smtClean="0"/>
-              <a:t>coro</a:t>
-            </a:r>
-            <a:r>
-              <a:rPr lang="fr-FR" dirty="0" smtClean="0"/>
-              <a:t>()</a:t>
-            </a:r>
+              <a:t>run</a:t>
+            </a:r>
+            <a:r>
+              <a:rPr lang="fr-FR" dirty="0"/>
+              <a:t> démarre la thread</a:t>
+            </a:r>
+          </a:p>
+          <a:p>
             <a:endParaRPr lang="fr-FR" dirty="0"/>
           </a:p>
         </p:txBody>
@@ -4429,8 +5157,8 @@
         </p:blipFill>
         <p:spPr>
           <a:xfrm>
-            <a:off x="2555776" y="3933056"/>
-            <a:ext cx="2972245" cy="720080"/>
+            <a:off x="1187624" y="3281486"/>
+            <a:ext cx="6120680" cy="3171850"/>
           </a:xfrm>
           <a:prstGeom prst="rect">
             <a:avLst/>
@@ -4440,7 +5168,7 @@
     </p:spTree>
     <p:extLst>
       <p:ext uri="{BB962C8B-B14F-4D97-AF65-F5344CB8AC3E}">
-        <p14:creationId xmlns:p14="http://schemas.microsoft.com/office/powerpoint/2010/main" val="2480226118"/>
+        <p14:creationId xmlns:p14="http://schemas.microsoft.com/office/powerpoint/2010/main" val="19581239"/>
       </p:ext>
     </p:extLst>
   </p:cSld>
@@ -4483,16 +5211,8 @@
           <a:lstStyle/>
           <a:p>
             <a:r>
-              <a:rPr lang="fr-FR" dirty="0" err="1" smtClean="0"/>
-              <a:t>Async</a:t>
-            </a:r>
-            <a:r>
-              <a:rPr lang="fr-FR" dirty="0" smtClean="0"/>
-              <a:t> et </a:t>
-            </a:r>
-            <a:r>
-              <a:rPr lang="fr-FR" dirty="0" err="1" smtClean="0"/>
-              <a:t>await</a:t>
+              <a:rPr lang="fr-FR" dirty="0" err="1"/>
+              <a:t>Multi-thread</a:t>
             </a:r>
             <a:endParaRPr lang="fr-FR" dirty="0"/>
           </a:p>
@@ -4513,7 +5233,24 @@
           <a:bodyPr/>
           <a:lstStyle/>
           <a:p>
-            <a:endParaRPr lang="fr-FR"/>
+            <a:r>
+              <a:rPr lang="fr-FR" dirty="0" err="1"/>
+              <a:t>Thread.start</a:t>
+            </a:r>
+            <a:r>
+              <a:rPr lang="fr-FR" dirty="0"/>
+              <a:t>() démarre une thread</a:t>
+            </a:r>
+          </a:p>
+          <a:p>
+            <a:r>
+              <a:rPr lang="fr-FR" dirty="0" err="1"/>
+              <a:t>Thread.join</a:t>
+            </a:r>
+            <a:r>
+              <a:rPr lang="fr-FR" dirty="0"/>
+              <a:t>() attends la fin d’une thread()</a:t>
+            </a:r>
           </a:p>
         </p:txBody>
       </p:sp>
@@ -4533,8 +5270,8 @@
         </p:blipFill>
         <p:spPr>
           <a:xfrm>
-            <a:off x="1195680" y="1156209"/>
-            <a:ext cx="7133744" cy="5436257"/>
+            <a:off x="1619672" y="2466206"/>
+            <a:ext cx="5087544" cy="2979018"/>
           </a:xfrm>
           <a:prstGeom prst="rect">
             <a:avLst/>
@@ -4544,7 +5281,7 @@
     </p:spTree>
     <p:extLst>
       <p:ext uri="{BB962C8B-B14F-4D97-AF65-F5344CB8AC3E}">
-        <p14:creationId xmlns:p14="http://schemas.microsoft.com/office/powerpoint/2010/main" val="841109094"/>
+        <p14:creationId xmlns:p14="http://schemas.microsoft.com/office/powerpoint/2010/main" val="4254419118"/>
       </p:ext>
     </p:extLst>
   </p:cSld>
@@ -4587,18 +5324,9 @@
           <a:lstStyle/>
           <a:p>
             <a:r>
-              <a:rPr lang="fr-FR" dirty="0" err="1" smtClean="0"/>
-              <a:t>Async</a:t>
-            </a:r>
-            <a:r>
-              <a:rPr lang="fr-FR" dirty="0" smtClean="0"/>
-              <a:t> </a:t>
-            </a:r>
-            <a:r>
-              <a:rPr lang="fr-FR" dirty="0" err="1" smtClean="0"/>
-              <a:t>with</a:t>
-            </a:r>
-            <a:endParaRPr lang="fr-FR" dirty="0"/>
+              <a:rPr lang="fr-FR" dirty="0"/>
+              <a:t>Sémaphore</a:t>
+            </a:r>
           </a:p>
         </p:txBody>
       </p:sp>
@@ -4612,31 +5340,29 @@
             <p:ph idx="1"/>
           </p:nvPr>
         </p:nvSpPr>
-        <p:spPr/>
+        <p:spPr>
+          <a:xfrm>
+            <a:off x="179512" y="1412776"/>
+            <a:ext cx="4104457" cy="5040560"/>
+          </a:xfrm>
+        </p:spPr>
         <p:txBody>
           <a:bodyPr/>
           <a:lstStyle/>
           <a:p>
             <a:r>
-              <a:rPr lang="fr-FR" dirty="0" smtClean="0"/>
-              <a:t>Utilisation de </a:t>
-            </a:r>
-            <a:r>
-              <a:rPr lang="fr-FR" dirty="0" err="1" smtClean="0"/>
-              <a:t>async</a:t>
-            </a:r>
-            <a:r>
-              <a:rPr lang="fr-FR" dirty="0" smtClean="0"/>
-              <a:t> avec un </a:t>
-            </a:r>
-            <a:r>
-              <a:rPr lang="fr-FR" dirty="0" err="1" smtClean="0"/>
-              <a:t>context</a:t>
-            </a:r>
-            <a:r>
-              <a:rPr lang="fr-FR" dirty="0" smtClean="0"/>
-              <a:t> manager</a:t>
-            </a:r>
+              <a:rPr lang="fr-FR" dirty="0"/>
+              <a:t>En cas d’accès concurrent à une ressource un verrou peut être posé pour autoriser une seule thread à accéder à la région concurrente</a:t>
+            </a:r>
+          </a:p>
+          <a:p>
+            <a:r>
+              <a:rPr lang="fr-FR"/>
+              <a:t>Classe RLock</a:t>
+            </a:r>
+            <a:endParaRPr lang="fr-FR" dirty="0"/>
+          </a:p>
+          <a:p>
             <a:endParaRPr lang="fr-FR" dirty="0"/>
           </a:p>
         </p:txBody>
@@ -4657,8 +5383,8 @@
         </p:blipFill>
         <p:spPr>
           <a:xfrm>
-            <a:off x="1187624" y="2166168"/>
-            <a:ext cx="6858397" cy="4071144"/>
+            <a:off x="4283968" y="1080782"/>
+            <a:ext cx="5688631" cy="6762190"/>
           </a:xfrm>
           <a:prstGeom prst="rect">
             <a:avLst/>
@@ -4668,7 +5394,7 @@
     </p:spTree>
     <p:extLst>
       <p:ext uri="{BB962C8B-B14F-4D97-AF65-F5344CB8AC3E}">
-        <p14:creationId xmlns:p14="http://schemas.microsoft.com/office/powerpoint/2010/main" val="1463648995"/>
+        <p14:creationId xmlns:p14="http://schemas.microsoft.com/office/powerpoint/2010/main" val="3782317268"/>
       </p:ext>
     </p:extLst>
   </p:cSld>
@@ -4711,8 +5437,16 @@
           <a:lstStyle/>
           <a:p>
             <a:r>
-              <a:rPr lang="fr-FR" dirty="0" smtClean="0"/>
-              <a:t>Queue</a:t>
+              <a:rPr lang="fr-FR" dirty="0" err="1"/>
+              <a:t>Await</a:t>
+            </a:r>
+            <a:r>
+              <a:rPr lang="fr-FR" dirty="0"/>
+              <a:t> et </a:t>
+            </a:r>
+            <a:r>
+              <a:rPr lang="fr-FR" dirty="0" err="1"/>
+              <a:t>Async</a:t>
             </a:r>
             <a:endParaRPr lang="fr-FR" dirty="0"/>
           </a:p>
@@ -4734,23 +5468,110 @@
           <a:lstStyle/>
           <a:p>
             <a:r>
-              <a:rPr lang="fr-FR" dirty="0" smtClean="0"/>
-              <a:t>Permet de créer un file d’attente de thread</a:t>
-            </a:r>
-          </a:p>
-          <a:p>
-            <a:r>
-              <a:rPr lang="fr-FR" smtClean="0"/>
-              <a:t>Voir q_sample.py</a:t>
+              <a:rPr lang="fr-FR" dirty="0"/>
+              <a:t>Vocabulaire simplifié pour de la programmation asynchrone</a:t>
+            </a:r>
+          </a:p>
+          <a:p>
+            <a:pPr lvl="1"/>
+            <a:r>
+              <a:rPr lang="fr-FR"/>
+              <a:t>Python 3.5</a:t>
             </a:r>
             <a:endParaRPr lang="fr-FR" dirty="0"/>
+          </a:p>
+          <a:p>
+            <a:r>
+              <a:rPr lang="fr-FR" dirty="0" err="1"/>
+              <a:t>Async</a:t>
+            </a:r>
+            <a:endParaRPr lang="fr-FR" dirty="0"/>
+          </a:p>
+          <a:p>
+            <a:pPr lvl="1"/>
+            <a:r>
+              <a:rPr lang="fr-FR" dirty="0"/>
+              <a:t>Permet de spécifier une fonction asynchrone</a:t>
+            </a:r>
+          </a:p>
+          <a:p>
+            <a:pPr lvl="1"/>
+            <a:endParaRPr lang="fr-FR" dirty="0"/>
+          </a:p>
+          <a:p>
+            <a:endParaRPr lang="fr-FR" dirty="0"/>
+          </a:p>
+          <a:p>
+            <a:r>
+              <a:rPr lang="fr-FR" dirty="0" err="1"/>
+              <a:t>Await</a:t>
+            </a:r>
+            <a:endParaRPr lang="fr-FR" dirty="0"/>
+          </a:p>
+          <a:p>
+            <a:pPr lvl="1"/>
+            <a:r>
+              <a:rPr lang="fr-FR" dirty="0"/>
+              <a:t>Permet de suspendre l’exécution tant que l’appel </a:t>
+            </a:r>
+            <a:r>
+              <a:rPr lang="fr-FR" dirty="0" err="1"/>
+              <a:t>async</a:t>
+            </a:r>
+            <a:r>
+              <a:rPr lang="fr-FR" dirty="0"/>
+              <a:t> n’est pas terminé</a:t>
+            </a:r>
+          </a:p>
+          <a:p>
+            <a:pPr lvl="1"/>
+            <a:r>
+              <a:rPr lang="fr-FR" dirty="0" err="1"/>
+              <a:t>await</a:t>
+            </a:r>
+            <a:r>
+              <a:rPr lang="fr-FR" dirty="0"/>
+              <a:t> </a:t>
+            </a:r>
+            <a:r>
+              <a:rPr lang="fr-FR" dirty="0" err="1"/>
+              <a:t>coro</a:t>
+            </a:r>
+            <a:r>
+              <a:rPr lang="fr-FR" dirty="0"/>
+              <a:t>()</a:t>
+            </a:r>
           </a:p>
         </p:txBody>
       </p:sp>
+      <p:pic>
+        <p:nvPicPr>
+          <p:cNvPr id="4" name="Image 3"/>
+          <p:cNvPicPr>
+            <a:picLocks noChangeAspect="1"/>
+          </p:cNvPicPr>
+          <p:nvPr/>
+        </p:nvPicPr>
+        <p:blipFill>
+          <a:blip r:embed="rId2"/>
+          <a:stretch>
+            <a:fillRect/>
+          </a:stretch>
+        </p:blipFill>
+        <p:spPr>
+          <a:xfrm>
+            <a:off x="2555776" y="3933056"/>
+            <a:ext cx="2972245" cy="720080"/>
+          </a:xfrm>
+          <a:prstGeom prst="rect">
+            <a:avLst/>
+          </a:prstGeom>
+        </p:spPr>
+      </p:pic>
     </p:spTree>
     <p:extLst>
       <p:ext uri="{BB962C8B-B14F-4D97-AF65-F5344CB8AC3E}">
-        <p14:creationId xmlns:p14="http://schemas.microsoft.com/office/powerpoint/2010/main" val="956050653"/>
+        <p14:creationId xmlns:p14="http://schemas.microsoft.com/office/powerpoint/2010/main" val="2480226118"/>
       </p:ext>
     </p:extLst>
   </p:cSld>

--- a/PPT/Python21-Threading.pptx
+++ b/PPT/Python21-Threading.pptx
@@ -5,24 +5,25 @@
     <p:sldMasterId id="2147483653" r:id="rId1"/>
   </p:sldMasterIdLst>
   <p:notesMasterIdLst>
-    <p:notesMasterId r:id="rId14"/>
+    <p:notesMasterId r:id="rId15"/>
   </p:notesMasterIdLst>
   <p:handoutMasterIdLst>
-    <p:handoutMasterId r:id="rId15"/>
+    <p:handoutMasterId r:id="rId16"/>
   </p:handoutMasterIdLst>
   <p:sldIdLst>
     <p:sldId id="264" r:id="rId2"/>
     <p:sldId id="273" r:id="rId3"/>
     <p:sldId id="275" r:id="rId4"/>
     <p:sldId id="274" r:id="rId5"/>
-    <p:sldId id="265" r:id="rId6"/>
-    <p:sldId id="266" r:id="rId7"/>
-    <p:sldId id="267" r:id="rId8"/>
-    <p:sldId id="268" r:id="rId9"/>
-    <p:sldId id="270" r:id="rId10"/>
-    <p:sldId id="271" r:id="rId11"/>
-    <p:sldId id="272" r:id="rId12"/>
-    <p:sldId id="269" r:id="rId13"/>
+    <p:sldId id="276" r:id="rId6"/>
+    <p:sldId id="265" r:id="rId7"/>
+    <p:sldId id="266" r:id="rId8"/>
+    <p:sldId id="267" r:id="rId9"/>
+    <p:sldId id="268" r:id="rId10"/>
+    <p:sldId id="270" r:id="rId11"/>
+    <p:sldId id="271" r:id="rId12"/>
+    <p:sldId id="272" r:id="rId13"/>
+    <p:sldId id="269" r:id="rId14"/>
   </p:sldIdLst>
   <p:sldSz cx="9144000" cy="6858000" type="screen4x3"/>
   <p:notesSz cx="6648450" cy="9782175"/>
@@ -3778,7 +3779,7 @@
           <a:p>
             <a:r>
               <a:rPr lang="fr-FR" dirty="0" err="1"/>
-              <a:t>Async</a:t>
+              <a:t>Await</a:t>
             </a:r>
             <a:r>
               <a:rPr lang="fr-FR" dirty="0"/>
@@ -3786,7 +3787,7 @@
             </a:r>
             <a:r>
               <a:rPr lang="fr-FR" dirty="0" err="1"/>
-              <a:t>await</a:t>
+              <a:t>Async</a:t>
             </a:r>
             <a:endParaRPr lang="fr-FR" dirty="0"/>
           </a:p>
@@ -3807,7 +3808,80 @@
           <a:bodyPr/>
           <a:lstStyle/>
           <a:p>
-            <a:endParaRPr lang="fr-FR"/>
+            <a:r>
+              <a:rPr lang="fr-FR" dirty="0"/>
+              <a:t>Vocabulaire simplifié pour de la programmation asynchrone</a:t>
+            </a:r>
+          </a:p>
+          <a:p>
+            <a:pPr lvl="1"/>
+            <a:r>
+              <a:rPr lang="fr-FR"/>
+              <a:t>Python 3.5</a:t>
+            </a:r>
+            <a:endParaRPr lang="fr-FR" dirty="0"/>
+          </a:p>
+          <a:p>
+            <a:r>
+              <a:rPr lang="fr-FR" dirty="0" err="1"/>
+              <a:t>Async</a:t>
+            </a:r>
+            <a:endParaRPr lang="fr-FR" dirty="0"/>
+          </a:p>
+          <a:p>
+            <a:pPr lvl="1"/>
+            <a:r>
+              <a:rPr lang="fr-FR" dirty="0"/>
+              <a:t>Permet de spécifier une fonction asynchrone</a:t>
+            </a:r>
+          </a:p>
+          <a:p>
+            <a:pPr lvl="1"/>
+            <a:endParaRPr lang="fr-FR" dirty="0"/>
+          </a:p>
+          <a:p>
+            <a:endParaRPr lang="fr-FR" dirty="0"/>
+          </a:p>
+          <a:p>
+            <a:r>
+              <a:rPr lang="fr-FR" dirty="0" err="1"/>
+              <a:t>Await</a:t>
+            </a:r>
+            <a:endParaRPr lang="fr-FR" dirty="0"/>
+          </a:p>
+          <a:p>
+            <a:pPr lvl="1"/>
+            <a:r>
+              <a:rPr lang="fr-FR" dirty="0"/>
+              <a:t>Permet de suspendre l’exécution tant que l’appel </a:t>
+            </a:r>
+            <a:r>
+              <a:rPr lang="fr-FR" dirty="0" err="1"/>
+              <a:t>async</a:t>
+            </a:r>
+            <a:r>
+              <a:rPr lang="fr-FR" dirty="0"/>
+              <a:t> n’est pas terminé</a:t>
+            </a:r>
+          </a:p>
+          <a:p>
+            <a:pPr lvl="1"/>
+            <a:r>
+              <a:rPr lang="fr-FR" dirty="0" err="1"/>
+              <a:t>await</a:t>
+            </a:r>
+            <a:r>
+              <a:rPr lang="fr-FR" dirty="0"/>
+              <a:t> </a:t>
+            </a:r>
+            <a:r>
+              <a:rPr lang="fr-FR" dirty="0" err="1"/>
+              <a:t>coro</a:t>
+            </a:r>
+            <a:r>
+              <a:rPr lang="fr-FR" dirty="0"/>
+              <a:t>()</a:t>
+            </a:r>
           </a:p>
         </p:txBody>
       </p:sp>
@@ -3827,8 +3901,8 @@
         </p:blipFill>
         <p:spPr>
           <a:xfrm>
-            <a:off x="1195680" y="1156209"/>
-            <a:ext cx="7133744" cy="5436257"/>
+            <a:off x="2555776" y="3933056"/>
+            <a:ext cx="2972245" cy="720080"/>
           </a:xfrm>
           <a:prstGeom prst="rect">
             <a:avLst/>
@@ -3838,7 +3912,7 @@
     </p:spTree>
     <p:extLst>
       <p:ext uri="{BB962C8B-B14F-4D97-AF65-F5344CB8AC3E}">
-        <p14:creationId xmlns:p14="http://schemas.microsoft.com/office/powerpoint/2010/main" val="841109094"/>
+        <p14:creationId xmlns:p14="http://schemas.microsoft.com/office/powerpoint/2010/main" val="2480226118"/>
       </p:ext>
     </p:extLst>
   </p:cSld>
@@ -3886,6 +3960,110 @@
             </a:r>
             <a:r>
               <a:rPr lang="fr-FR" dirty="0"/>
+              <a:t> et </a:t>
+            </a:r>
+            <a:r>
+              <a:rPr lang="fr-FR" dirty="0" err="1"/>
+              <a:t>await</a:t>
+            </a:r>
+            <a:endParaRPr lang="fr-FR" dirty="0"/>
+          </a:p>
+        </p:txBody>
+      </p:sp>
+      <p:sp>
+        <p:nvSpPr>
+          <p:cNvPr id="3" name="Espace réservé du contenu 2"/>
+          <p:cNvSpPr>
+            <a:spLocks noGrp="1"/>
+          </p:cNvSpPr>
+          <p:nvPr>
+            <p:ph idx="1"/>
+          </p:nvPr>
+        </p:nvSpPr>
+        <p:spPr/>
+        <p:txBody>
+          <a:bodyPr/>
+          <a:lstStyle/>
+          <a:p>
+            <a:endParaRPr lang="fr-FR"/>
+          </a:p>
+        </p:txBody>
+      </p:sp>
+      <p:pic>
+        <p:nvPicPr>
+          <p:cNvPr id="4" name="Image 3"/>
+          <p:cNvPicPr>
+            <a:picLocks noChangeAspect="1"/>
+          </p:cNvPicPr>
+          <p:nvPr/>
+        </p:nvPicPr>
+        <p:blipFill>
+          <a:blip r:embed="rId2"/>
+          <a:stretch>
+            <a:fillRect/>
+          </a:stretch>
+        </p:blipFill>
+        <p:spPr>
+          <a:xfrm>
+            <a:off x="1195680" y="1156209"/>
+            <a:ext cx="7133744" cy="5436257"/>
+          </a:xfrm>
+          <a:prstGeom prst="rect">
+            <a:avLst/>
+          </a:prstGeom>
+        </p:spPr>
+      </p:pic>
+    </p:spTree>
+    <p:extLst>
+      <p:ext uri="{BB962C8B-B14F-4D97-AF65-F5344CB8AC3E}">
+        <p14:creationId xmlns:p14="http://schemas.microsoft.com/office/powerpoint/2010/main" val="841109094"/>
+      </p:ext>
+    </p:extLst>
+  </p:cSld>
+  <p:clrMapOvr>
+    <a:masterClrMapping/>
+  </p:clrMapOvr>
+</p:sld>
+</file>
+
+<file path=ppt/slides/slide12.xml><?xml version="1.0" encoding="utf-8"?>
+<p:sld xmlns:a="http://schemas.openxmlformats.org/drawingml/2006/main" xmlns:r="http://schemas.openxmlformats.org/officeDocument/2006/relationships" xmlns:p="http://schemas.openxmlformats.org/presentationml/2006/main">
+  <p:cSld>
+    <p:spTree>
+      <p:nvGrpSpPr>
+        <p:cNvPr id="1" name=""/>
+        <p:cNvGrpSpPr/>
+        <p:nvPr/>
+      </p:nvGrpSpPr>
+      <p:grpSpPr>
+        <a:xfrm>
+          <a:off x="0" y="0"/>
+          <a:ext cx="0" cy="0"/>
+          <a:chOff x="0" y="0"/>
+          <a:chExt cx="0" cy="0"/>
+        </a:xfrm>
+      </p:grpSpPr>
+      <p:sp>
+        <p:nvSpPr>
+          <p:cNvPr id="2" name="Titre 1"/>
+          <p:cNvSpPr>
+            <a:spLocks noGrp="1"/>
+          </p:cNvSpPr>
+          <p:nvPr>
+            <p:ph type="title"/>
+          </p:nvPr>
+        </p:nvSpPr>
+        <p:spPr/>
+        <p:txBody>
+          <a:bodyPr/>
+          <a:lstStyle/>
+          <a:p>
+            <a:r>
+              <a:rPr lang="fr-FR" dirty="0" err="1"/>
+              <a:t>Async</a:t>
+            </a:r>
+            <a:r>
+              <a:rPr lang="fr-FR" dirty="0"/>
               <a:t> </a:t>
             </a:r>
             <a:r>
@@ -3971,7 +4149,7 @@
 </p:sld>
 </file>
 
-<file path=ppt/slides/slide12.xml><?xml version="1.0" encoding="utf-8"?>
+<file path=ppt/slides/slide13.xml><?xml version="1.0" encoding="utf-8"?>
 <p:sld xmlns:a="http://schemas.openxmlformats.org/drawingml/2006/main" xmlns:r="http://schemas.openxmlformats.org/officeDocument/2006/relationships" xmlns:p="http://schemas.openxmlformats.org/presentationml/2006/main">
   <p:cSld>
     <p:spTree>
@@ -4584,7 +4762,12 @@
             <p:ph idx="1"/>
           </p:nvPr>
         </p:nvSpPr>
-        <p:spPr/>
+        <p:spPr>
+          <a:xfrm>
+            <a:off x="179513" y="1412776"/>
+            <a:ext cx="4824536" cy="5040560"/>
+          </a:xfrm>
+        </p:spPr>
         <p:txBody>
           <a:bodyPr/>
           <a:lstStyle/>
@@ -4603,26 +4786,8 @@
             </a:r>
             <a:r>
               <a:rPr lang="fr-FR" dirty="0"/>
-              <a:t> en cascade</a:t>
-            </a:r>
-          </a:p>
-          <a:p>
-            <a:endParaRPr lang="fr-FR" dirty="0"/>
-          </a:p>
-          <a:p>
-            <a:endParaRPr lang="fr-FR" dirty="0"/>
-          </a:p>
-          <a:p>
-            <a:endParaRPr lang="fr-FR" dirty="0"/>
-          </a:p>
-          <a:p>
-            <a:endParaRPr lang="fr-FR" dirty="0"/>
-          </a:p>
-          <a:p>
-            <a:endParaRPr lang="fr-FR" dirty="0"/>
-          </a:p>
-          <a:p>
-            <a:endParaRPr lang="fr-FR" dirty="0"/>
+              <a:t> en cascade synchrone</a:t>
+            </a:r>
           </a:p>
           <a:p>
             <a:r>
@@ -4645,10 +4810,13 @@
               <a:t> for i in </a:t>
             </a:r>
             <a:r>
-              <a:rPr lang="fr-FR"/>
-              <a:t>iterator];</a:t>
-            </a:r>
-            <a:endParaRPr lang="fr-FR" dirty="0"/>
+              <a:rPr lang="fr-FR" dirty="0" err="1"/>
+              <a:t>iterator</a:t>
+            </a:r>
+            <a:r>
+              <a:rPr lang="fr-FR" dirty="0"/>
+              <a:t>];</a:t>
+            </a:r>
           </a:p>
           <a:p>
             <a:endParaRPr lang="fr-FR" dirty="0"/>
@@ -4658,36 +4826,6 @@
           </a:p>
         </p:txBody>
       </p:sp>
-      <p:pic>
-        <p:nvPicPr>
-          <p:cNvPr id="4" name="Image 3">
-            <a:extLst>
-              <a:ext uri="{FF2B5EF4-FFF2-40B4-BE49-F238E27FC236}">
-                <a16:creationId xmlns:a16="http://schemas.microsoft.com/office/drawing/2014/main" id="{17CAFB8E-70DB-4593-8E14-141AFDA0584B}"/>
-              </a:ext>
-            </a:extLst>
-          </p:cNvPr>
-          <p:cNvPicPr>
-            <a:picLocks noChangeAspect="1"/>
-          </p:cNvPicPr>
-          <p:nvPr/>
-        </p:nvPicPr>
-        <p:blipFill>
-          <a:blip r:embed="rId2"/>
-          <a:stretch>
-            <a:fillRect/>
-          </a:stretch>
-        </p:blipFill>
-        <p:spPr>
-          <a:xfrm>
-            <a:off x="2195736" y="2132856"/>
-            <a:ext cx="4023709" cy="2857748"/>
-          </a:xfrm>
-          <a:prstGeom prst="rect">
-            <a:avLst/>
-          </a:prstGeom>
-        </p:spPr>
-      </p:pic>
       <p:sp>
         <p:nvSpPr>
           <p:cNvPr id="5" name="Rectangle 1">
@@ -4912,6 +5050,66 @@
           </a:p>
         </p:txBody>
       </p:sp>
+      <p:pic>
+        <p:nvPicPr>
+          <p:cNvPr id="6" name="Image 5">
+            <a:extLst>
+              <a:ext uri="{FF2B5EF4-FFF2-40B4-BE49-F238E27FC236}">
+                <a16:creationId xmlns:a16="http://schemas.microsoft.com/office/drawing/2014/main" id="{F140D4F3-E575-479F-A7E5-AC6D23E3FE72}"/>
+              </a:ext>
+            </a:extLst>
+          </p:cNvPr>
+          <p:cNvPicPr>
+            <a:picLocks noChangeAspect="1"/>
+          </p:cNvPicPr>
+          <p:nvPr/>
+        </p:nvPicPr>
+        <p:blipFill>
+          <a:blip r:embed="rId2"/>
+          <a:stretch>
+            <a:fillRect/>
+          </a:stretch>
+        </p:blipFill>
+        <p:spPr>
+          <a:xfrm>
+            <a:off x="5220072" y="1628800"/>
+            <a:ext cx="2895600" cy="3524250"/>
+          </a:xfrm>
+          <a:prstGeom prst="rect">
+            <a:avLst/>
+          </a:prstGeom>
+        </p:spPr>
+      </p:pic>
+      <p:pic>
+        <p:nvPicPr>
+          <p:cNvPr id="7" name="Image 6">
+            <a:extLst>
+              <a:ext uri="{FF2B5EF4-FFF2-40B4-BE49-F238E27FC236}">
+                <a16:creationId xmlns:a16="http://schemas.microsoft.com/office/drawing/2014/main" id="{94C5C25A-55F8-495B-9C4F-3D0719B5A26F}"/>
+              </a:ext>
+            </a:extLst>
+          </p:cNvPr>
+          <p:cNvPicPr>
+            <a:picLocks noChangeAspect="1"/>
+          </p:cNvPicPr>
+          <p:nvPr/>
+        </p:nvPicPr>
+        <p:blipFill>
+          <a:blip r:embed="rId3"/>
+          <a:stretch>
+            <a:fillRect/>
+          </a:stretch>
+        </p:blipFill>
+        <p:spPr>
+          <a:xfrm>
+            <a:off x="5220072" y="5430378"/>
+            <a:ext cx="2733675" cy="390525"/>
+          </a:xfrm>
+          <a:prstGeom prst="rect">
+            <a:avLst/>
+          </a:prstGeom>
+        </p:spPr>
+      </p:pic>
     </p:spTree>
     <p:extLst>
       <p:ext uri="{BB962C8B-B14F-4D97-AF65-F5344CB8AC3E}">
@@ -4944,7 +5142,13 @@
       </p:grpSpPr>
       <p:sp>
         <p:nvSpPr>
-          <p:cNvPr id="2" name="Titre 1"/>
+          <p:cNvPr id="2" name="Titre 1">
+            <a:extLst>
+              <a:ext uri="{FF2B5EF4-FFF2-40B4-BE49-F238E27FC236}">
+                <a16:creationId xmlns:a16="http://schemas.microsoft.com/office/drawing/2014/main" id="{1AC85383-55F9-4A13-A97D-33AA8B5F954B}"/>
+              </a:ext>
+            </a:extLst>
+          </p:cNvPr>
           <p:cNvSpPr>
             <a:spLocks noGrp="1"/>
           </p:cNvSpPr>
@@ -4958,16 +5162,21 @@
           <a:lstStyle/>
           <a:p>
             <a:r>
-              <a:rPr lang="fr-FR" dirty="0" err="1"/>
-              <a:t>Multi-thread</a:t>
-            </a:r>
-            <a:endParaRPr lang="fr-FR" dirty="0"/>
+              <a:rPr lang="fr-FR" dirty="0"/>
+              <a:t>Appels en cascade asynchrone</a:t>
+            </a:r>
           </a:p>
         </p:txBody>
       </p:sp>
       <p:sp>
         <p:nvSpPr>
-          <p:cNvPr id="3" name="Espace réservé du contenu 2"/>
+          <p:cNvPr id="3" name="Espace réservé du contenu 2">
+            <a:extLst>
+              <a:ext uri="{FF2B5EF4-FFF2-40B4-BE49-F238E27FC236}">
+                <a16:creationId xmlns:a16="http://schemas.microsoft.com/office/drawing/2014/main" id="{A56A44F0-77E4-4883-9EEE-1A8100EDCF9B}"/>
+              </a:ext>
+            </a:extLst>
+          </p:cNvPr>
           <p:cNvSpPr>
             <a:spLocks noGrp="1"/>
           </p:cNvSpPr>
@@ -4982,41 +5191,20 @@
           <a:p>
             <a:r>
               <a:rPr lang="fr-FR" dirty="0"/>
-              <a:t>Les threads permettent de programmer en parallèle</a:t>
-            </a:r>
-          </a:p>
-          <a:p>
-            <a:r>
-              <a:rPr lang="fr-FR" dirty="0"/>
-              <a:t>Très utile quand il y a des algorithmes qui utilisent de grosses ressources</a:t>
-            </a:r>
-          </a:p>
-          <a:p>
-            <a:r>
-              <a:rPr lang="fr-FR" dirty="0"/>
-              <a:t>Considérons un programme très lent</a:t>
-            </a:r>
-          </a:p>
-          <a:p>
-            <a:pPr lvl="1"/>
-            <a:r>
-              <a:rPr lang="fr-FR" dirty="0" err="1"/>
-              <a:t>time.sleep</a:t>
-            </a:r>
-            <a:r>
-              <a:rPr lang="fr-FR" dirty="0"/>
-              <a:t>() effectue une pause</a:t>
-            </a:r>
-          </a:p>
-          <a:p>
-            <a:pPr lvl="1"/>
-            <a:endParaRPr lang="fr-FR" dirty="0"/>
+              <a:t>Création de tâche</a:t>
+            </a:r>
           </a:p>
         </p:txBody>
       </p:sp>
       <p:pic>
         <p:nvPicPr>
-          <p:cNvPr id="4" name="Image 3"/>
+          <p:cNvPr id="4" name="Image 3">
+            <a:extLst>
+              <a:ext uri="{FF2B5EF4-FFF2-40B4-BE49-F238E27FC236}">
+                <a16:creationId xmlns:a16="http://schemas.microsoft.com/office/drawing/2014/main" id="{75C46125-52ED-49AC-A666-BBE0B0855A23}"/>
+              </a:ext>
+            </a:extLst>
+          </p:cNvPr>
           <p:cNvPicPr>
             <a:picLocks noChangeAspect="1"/>
           </p:cNvPicPr>
@@ -5030,8 +5218,8 @@
         </p:blipFill>
         <p:spPr>
           <a:xfrm>
-            <a:off x="2411760" y="3861049"/>
-            <a:ext cx="3973964" cy="2592288"/>
+            <a:off x="3707904" y="1156209"/>
+            <a:ext cx="4562475" cy="5095875"/>
           </a:xfrm>
           <a:prstGeom prst="rect">
             <a:avLst/>
@@ -5041,7 +5229,7 @@
     </p:spTree>
     <p:extLst>
       <p:ext uri="{BB962C8B-B14F-4D97-AF65-F5344CB8AC3E}">
-        <p14:creationId xmlns:p14="http://schemas.microsoft.com/office/powerpoint/2010/main" val="1944501722"/>
+        <p14:creationId xmlns:p14="http://schemas.microsoft.com/office/powerpoint/2010/main" val="3715965511"/>
       </p:ext>
     </p:extLst>
   </p:cSld>
@@ -5084,9 +5272,10 @@
           <a:lstStyle/>
           <a:p>
             <a:r>
-              <a:rPr lang="fr-FR" dirty="0"/>
-              <a:t>Thread</a:t>
-            </a:r>
+              <a:rPr lang="fr-FR" dirty="0" err="1"/>
+              <a:t>Multi-thread</a:t>
+            </a:r>
+            <a:endParaRPr lang="fr-FR" dirty="0"/>
           </a:p>
         </p:txBody>
       </p:sp>
@@ -5107,36 +5296,34 @@
           <a:p>
             <a:r>
               <a:rPr lang="fr-FR" dirty="0"/>
-              <a:t>Le module Thread permet de programmer en parallèle</a:t>
+              <a:t>Les threads permettent de programmer en parallèle</a:t>
+            </a:r>
+          </a:p>
+          <a:p>
+            <a:r>
+              <a:rPr lang="fr-FR" dirty="0"/>
+              <a:t>Très utile quand il y a des algorithmes qui utilisent de grosses ressources</a:t>
+            </a:r>
+          </a:p>
+          <a:p>
+            <a:r>
+              <a:rPr lang="fr-FR" dirty="0"/>
+              <a:t>Considérons un programme très lent</a:t>
             </a:r>
           </a:p>
           <a:p>
             <a:pPr lvl="1"/>
             <a:r>
+              <a:rPr lang="fr-FR" dirty="0" err="1"/>
+              <a:t>time.sleep</a:t>
+            </a:r>
+            <a:r>
               <a:rPr lang="fr-FR" dirty="0"/>
-              <a:t>thread.__</a:t>
-            </a:r>
-            <a:r>
-              <a:rPr lang="fr-FR" dirty="0" err="1"/>
-              <a:t>init</a:t>
-            </a:r>
-            <a:r>
-              <a:rPr lang="fr-FR" dirty="0"/>
-              <a:t>__ initialise la thread</a:t>
+              <a:t>() effectue une pause</a:t>
             </a:r>
           </a:p>
           <a:p>
             <a:pPr lvl="1"/>
-            <a:r>
-              <a:rPr lang="fr-FR" dirty="0" err="1"/>
-              <a:t>run</a:t>
-            </a:r>
-            <a:r>
-              <a:rPr lang="fr-FR" dirty="0"/>
-              <a:t> démarre la thread</a:t>
-            </a:r>
-          </a:p>
-          <a:p>
             <a:endParaRPr lang="fr-FR" dirty="0"/>
           </a:p>
         </p:txBody>
@@ -5157,8 +5344,8 @@
         </p:blipFill>
         <p:spPr>
           <a:xfrm>
-            <a:off x="1187624" y="3281486"/>
-            <a:ext cx="6120680" cy="3171850"/>
+            <a:off x="2411760" y="3861049"/>
+            <a:ext cx="3973964" cy="2592288"/>
           </a:xfrm>
           <a:prstGeom prst="rect">
             <a:avLst/>
@@ -5168,7 +5355,7 @@
     </p:spTree>
     <p:extLst>
       <p:ext uri="{BB962C8B-B14F-4D97-AF65-F5344CB8AC3E}">
-        <p14:creationId xmlns:p14="http://schemas.microsoft.com/office/powerpoint/2010/main" val="19581239"/>
+        <p14:creationId xmlns:p14="http://schemas.microsoft.com/office/powerpoint/2010/main" val="1944501722"/>
       </p:ext>
     </p:extLst>
   </p:cSld>
@@ -5211,10 +5398,9 @@
           <a:lstStyle/>
           <a:p>
             <a:r>
-              <a:rPr lang="fr-FR" dirty="0" err="1"/>
-              <a:t>Multi-thread</a:t>
-            </a:r>
-            <a:endParaRPr lang="fr-FR" dirty="0"/>
+              <a:rPr lang="fr-FR" dirty="0"/>
+              <a:t>Thread</a:t>
+            </a:r>
           </a:p>
         </p:txBody>
       </p:sp>
@@ -5234,23 +5420,38 @@
           <a:lstStyle/>
           <a:p>
             <a:r>
+              <a:rPr lang="fr-FR" dirty="0"/>
+              <a:t>Le module Thread permet de programmer en parallèle</a:t>
+            </a:r>
+          </a:p>
+          <a:p>
+            <a:pPr lvl="1"/>
+            <a:r>
+              <a:rPr lang="fr-FR" dirty="0"/>
+              <a:t>thread.__</a:t>
+            </a:r>
+            <a:r>
               <a:rPr lang="fr-FR" dirty="0" err="1"/>
-              <a:t>Thread.start</a:t>
+              <a:t>init</a:t>
             </a:r>
             <a:r>
               <a:rPr lang="fr-FR" dirty="0"/>
-              <a:t>() démarre une thread</a:t>
-            </a:r>
-          </a:p>
-          <a:p>
+              <a:t>__ initialise la thread</a:t>
+            </a:r>
+          </a:p>
+          <a:p>
+            <a:pPr lvl="1"/>
             <a:r>
               <a:rPr lang="fr-FR" dirty="0" err="1"/>
-              <a:t>Thread.join</a:t>
+              <a:t>run</a:t>
             </a:r>
             <a:r>
               <a:rPr lang="fr-FR" dirty="0"/>
-              <a:t>() attends la fin d’une thread()</a:t>
-            </a:r>
+              <a:t> démarre la thread</a:t>
+            </a:r>
+          </a:p>
+          <a:p>
+            <a:endParaRPr lang="fr-FR" dirty="0"/>
           </a:p>
         </p:txBody>
       </p:sp>
@@ -5270,8 +5471,8 @@
         </p:blipFill>
         <p:spPr>
           <a:xfrm>
-            <a:off x="1619672" y="2466206"/>
-            <a:ext cx="5087544" cy="2979018"/>
+            <a:off x="1187624" y="3281486"/>
+            <a:ext cx="6120680" cy="3171850"/>
           </a:xfrm>
           <a:prstGeom prst="rect">
             <a:avLst/>
@@ -5281,7 +5482,7 @@
     </p:spTree>
     <p:extLst>
       <p:ext uri="{BB962C8B-B14F-4D97-AF65-F5344CB8AC3E}">
-        <p14:creationId xmlns:p14="http://schemas.microsoft.com/office/powerpoint/2010/main" val="4254419118"/>
+        <p14:creationId xmlns:p14="http://schemas.microsoft.com/office/powerpoint/2010/main" val="19581239"/>
       </p:ext>
     </p:extLst>
   </p:cSld>
@@ -5324,9 +5525,10 @@
           <a:lstStyle/>
           <a:p>
             <a:r>
-              <a:rPr lang="fr-FR" dirty="0"/>
-              <a:t>Sémaphore</a:t>
-            </a:r>
+              <a:rPr lang="fr-FR" dirty="0" err="1"/>
+              <a:t>Multi-thread</a:t>
+            </a:r>
+            <a:endParaRPr lang="fr-FR" dirty="0"/>
           </a:p>
         </p:txBody>
       </p:sp>
@@ -5340,30 +5542,29 @@
             <p:ph idx="1"/>
           </p:nvPr>
         </p:nvSpPr>
-        <p:spPr>
-          <a:xfrm>
-            <a:off x="179512" y="1412776"/>
-            <a:ext cx="4104457" cy="5040560"/>
-          </a:xfrm>
-        </p:spPr>
+        <p:spPr/>
         <p:txBody>
           <a:bodyPr/>
           <a:lstStyle/>
           <a:p>
             <a:r>
+              <a:rPr lang="fr-FR" dirty="0" err="1"/>
+              <a:t>Thread.start</a:t>
+            </a:r>
+            <a:r>
               <a:rPr lang="fr-FR" dirty="0"/>
-              <a:t>En cas d’accès concurrent à une ressource un verrou peut être posé pour autoriser une seule thread à accéder à la région concurrente</a:t>
-            </a:r>
-          </a:p>
-          <a:p>
-            <a:r>
-              <a:rPr lang="fr-FR"/>
-              <a:t>Classe RLock</a:t>
-            </a:r>
-            <a:endParaRPr lang="fr-FR" dirty="0"/>
-          </a:p>
-          <a:p>
-            <a:endParaRPr lang="fr-FR" dirty="0"/>
+              <a:t>() démarre une thread</a:t>
+            </a:r>
+          </a:p>
+          <a:p>
+            <a:r>
+              <a:rPr lang="fr-FR" dirty="0" err="1"/>
+              <a:t>Thread.join</a:t>
+            </a:r>
+            <a:r>
+              <a:rPr lang="fr-FR" dirty="0"/>
+              <a:t>() attends la fin d’une thread()</a:t>
+            </a:r>
           </a:p>
         </p:txBody>
       </p:sp>
@@ -5383,8 +5584,8 @@
         </p:blipFill>
         <p:spPr>
           <a:xfrm>
-            <a:off x="4283968" y="1080782"/>
-            <a:ext cx="5688631" cy="6762190"/>
+            <a:off x="1619672" y="2466206"/>
+            <a:ext cx="5087544" cy="2979018"/>
           </a:xfrm>
           <a:prstGeom prst="rect">
             <a:avLst/>
@@ -5394,7 +5595,7 @@
     </p:spTree>
     <p:extLst>
       <p:ext uri="{BB962C8B-B14F-4D97-AF65-F5344CB8AC3E}">
-        <p14:creationId xmlns:p14="http://schemas.microsoft.com/office/powerpoint/2010/main" val="3782317268"/>
+        <p14:creationId xmlns:p14="http://schemas.microsoft.com/office/powerpoint/2010/main" val="4254419118"/>
       </p:ext>
     </p:extLst>
   </p:cSld>
@@ -5437,18 +5638,9 @@
           <a:lstStyle/>
           <a:p>
             <a:r>
-              <a:rPr lang="fr-FR" dirty="0" err="1"/>
-              <a:t>Await</a:t>
-            </a:r>
-            <a:r>
               <a:rPr lang="fr-FR" dirty="0"/>
-              <a:t> et </a:t>
-            </a:r>
-            <a:r>
-              <a:rPr lang="fr-FR" dirty="0" err="1"/>
-              <a:t>Async</a:t>
-            </a:r>
-            <a:endParaRPr lang="fr-FR" dirty="0"/>
+              <a:t>Sémaphore</a:t>
+            </a:r>
           </a:p>
         </p:txBody>
       </p:sp>
@@ -5462,85 +5654,30 @@
             <p:ph idx="1"/>
           </p:nvPr>
         </p:nvSpPr>
-        <p:spPr/>
+        <p:spPr>
+          <a:xfrm>
+            <a:off x="179512" y="1412776"/>
+            <a:ext cx="4104457" cy="5040560"/>
+          </a:xfrm>
+        </p:spPr>
         <p:txBody>
           <a:bodyPr/>
           <a:lstStyle/>
           <a:p>
             <a:r>
               <a:rPr lang="fr-FR" dirty="0"/>
-              <a:t>Vocabulaire simplifié pour de la programmation asynchrone</a:t>
-            </a:r>
-          </a:p>
-          <a:p>
-            <a:pPr lvl="1"/>
+              <a:t>En cas d’accès concurrent à une ressource un verrou peut être posé pour autoriser une seule thread à accéder à la région concurrente</a:t>
+            </a:r>
+          </a:p>
+          <a:p>
             <a:r>
               <a:rPr lang="fr-FR"/>
-              <a:t>Python 3.5</a:t>
+              <a:t>Classe RLock</a:t>
             </a:r>
             <a:endParaRPr lang="fr-FR" dirty="0"/>
           </a:p>
           <a:p>
-            <a:r>
-              <a:rPr lang="fr-FR" dirty="0" err="1"/>
-              <a:t>Async</a:t>
-            </a:r>
             <a:endParaRPr lang="fr-FR" dirty="0"/>
-          </a:p>
-          <a:p>
-            <a:pPr lvl="1"/>
-            <a:r>
-              <a:rPr lang="fr-FR" dirty="0"/>
-              <a:t>Permet de spécifier une fonction asynchrone</a:t>
-            </a:r>
-          </a:p>
-          <a:p>
-            <a:pPr lvl="1"/>
-            <a:endParaRPr lang="fr-FR" dirty="0"/>
-          </a:p>
-          <a:p>
-            <a:endParaRPr lang="fr-FR" dirty="0"/>
-          </a:p>
-          <a:p>
-            <a:r>
-              <a:rPr lang="fr-FR" dirty="0" err="1"/>
-              <a:t>Await</a:t>
-            </a:r>
-            <a:endParaRPr lang="fr-FR" dirty="0"/>
-          </a:p>
-          <a:p>
-            <a:pPr lvl="1"/>
-            <a:r>
-              <a:rPr lang="fr-FR" dirty="0"/>
-              <a:t>Permet de suspendre l’exécution tant que l’appel </a:t>
-            </a:r>
-            <a:r>
-              <a:rPr lang="fr-FR" dirty="0" err="1"/>
-              <a:t>async</a:t>
-            </a:r>
-            <a:r>
-              <a:rPr lang="fr-FR" dirty="0"/>
-              <a:t> n’est pas terminé</a:t>
-            </a:r>
-          </a:p>
-          <a:p>
-            <a:pPr lvl="1"/>
-            <a:r>
-              <a:rPr lang="fr-FR" dirty="0" err="1"/>
-              <a:t>await</a:t>
-            </a:r>
-            <a:r>
-              <a:rPr lang="fr-FR" dirty="0"/>
-              <a:t> </a:t>
-            </a:r>
-            <a:r>
-              <a:rPr lang="fr-FR" dirty="0" err="1"/>
-              <a:t>coro</a:t>
-            </a:r>
-            <a:r>
-              <a:rPr lang="fr-FR" dirty="0"/>
-              <a:t>()</a:t>
-            </a:r>
           </a:p>
         </p:txBody>
       </p:sp>
@@ -5560,8 +5697,8 @@
         </p:blipFill>
         <p:spPr>
           <a:xfrm>
-            <a:off x="2555776" y="3933056"/>
-            <a:ext cx="2972245" cy="720080"/>
+            <a:off x="4283968" y="1080782"/>
+            <a:ext cx="5688631" cy="6762190"/>
           </a:xfrm>
           <a:prstGeom prst="rect">
             <a:avLst/>
@@ -5571,7 +5708,7 @@
     </p:spTree>
     <p:extLst>
       <p:ext uri="{BB962C8B-B14F-4D97-AF65-F5344CB8AC3E}">
-        <p14:creationId xmlns:p14="http://schemas.microsoft.com/office/powerpoint/2010/main" val="2480226118"/>
+        <p14:creationId xmlns:p14="http://schemas.microsoft.com/office/powerpoint/2010/main" val="3782317268"/>
       </p:ext>
     </p:extLst>
   </p:cSld>

--- a/PPT/Python21-Threading.pptx
+++ b/PPT/Python21-Threading.pptx
@@ -5,25 +5,24 @@
     <p:sldMasterId id="2147483653" r:id="rId1"/>
   </p:sldMasterIdLst>
   <p:notesMasterIdLst>
-    <p:notesMasterId r:id="rId15"/>
+    <p:notesMasterId r:id="rId14"/>
   </p:notesMasterIdLst>
   <p:handoutMasterIdLst>
-    <p:handoutMasterId r:id="rId16"/>
+    <p:handoutMasterId r:id="rId15"/>
   </p:handoutMasterIdLst>
   <p:sldIdLst>
     <p:sldId id="264" r:id="rId2"/>
-    <p:sldId id="273" r:id="rId3"/>
-    <p:sldId id="275" r:id="rId4"/>
-    <p:sldId id="274" r:id="rId5"/>
-    <p:sldId id="276" r:id="rId6"/>
-    <p:sldId id="265" r:id="rId7"/>
-    <p:sldId id="266" r:id="rId8"/>
-    <p:sldId id="267" r:id="rId9"/>
-    <p:sldId id="268" r:id="rId10"/>
-    <p:sldId id="270" r:id="rId11"/>
-    <p:sldId id="271" r:id="rId12"/>
+    <p:sldId id="265" r:id="rId3"/>
+    <p:sldId id="266" r:id="rId4"/>
+    <p:sldId id="267" r:id="rId5"/>
+    <p:sldId id="268" r:id="rId6"/>
+    <p:sldId id="270" r:id="rId7"/>
+    <p:sldId id="271" r:id="rId8"/>
+    <p:sldId id="273" r:id="rId9"/>
+    <p:sldId id="275" r:id="rId10"/>
+    <p:sldId id="274" r:id="rId11"/>
+    <p:sldId id="276" r:id="rId12"/>
     <p:sldId id="272" r:id="rId13"/>
-    <p:sldId id="269" r:id="rId14"/>
   </p:sldIdLst>
   <p:sldSz cx="9144000" cy="6858000" type="screen4x3"/>
   <p:notesSz cx="6648450" cy="9782175"/>
@@ -3764,962 +3763,6 @@
       </p:grpSpPr>
       <p:sp>
         <p:nvSpPr>
-          <p:cNvPr id="2" name="Titre 1"/>
-          <p:cNvSpPr>
-            <a:spLocks noGrp="1"/>
-          </p:cNvSpPr>
-          <p:nvPr>
-            <p:ph type="title"/>
-          </p:nvPr>
-        </p:nvSpPr>
-        <p:spPr/>
-        <p:txBody>
-          <a:bodyPr/>
-          <a:lstStyle/>
-          <a:p>
-            <a:r>
-              <a:rPr lang="fr-FR" dirty="0" err="1"/>
-              <a:t>Await</a:t>
-            </a:r>
-            <a:r>
-              <a:rPr lang="fr-FR" dirty="0"/>
-              <a:t> et </a:t>
-            </a:r>
-            <a:r>
-              <a:rPr lang="fr-FR" dirty="0" err="1"/>
-              <a:t>Async</a:t>
-            </a:r>
-            <a:endParaRPr lang="fr-FR" dirty="0"/>
-          </a:p>
-        </p:txBody>
-      </p:sp>
-      <p:sp>
-        <p:nvSpPr>
-          <p:cNvPr id="3" name="Espace réservé du contenu 2"/>
-          <p:cNvSpPr>
-            <a:spLocks noGrp="1"/>
-          </p:cNvSpPr>
-          <p:nvPr>
-            <p:ph idx="1"/>
-          </p:nvPr>
-        </p:nvSpPr>
-        <p:spPr/>
-        <p:txBody>
-          <a:bodyPr/>
-          <a:lstStyle/>
-          <a:p>
-            <a:r>
-              <a:rPr lang="fr-FR" dirty="0"/>
-              <a:t>Vocabulaire simplifié pour de la programmation asynchrone</a:t>
-            </a:r>
-          </a:p>
-          <a:p>
-            <a:pPr lvl="1"/>
-            <a:r>
-              <a:rPr lang="fr-FR"/>
-              <a:t>Python 3.5</a:t>
-            </a:r>
-            <a:endParaRPr lang="fr-FR" dirty="0"/>
-          </a:p>
-          <a:p>
-            <a:r>
-              <a:rPr lang="fr-FR" dirty="0" err="1"/>
-              <a:t>Async</a:t>
-            </a:r>
-            <a:endParaRPr lang="fr-FR" dirty="0"/>
-          </a:p>
-          <a:p>
-            <a:pPr lvl="1"/>
-            <a:r>
-              <a:rPr lang="fr-FR" dirty="0"/>
-              <a:t>Permet de spécifier une fonction asynchrone</a:t>
-            </a:r>
-          </a:p>
-          <a:p>
-            <a:pPr lvl="1"/>
-            <a:endParaRPr lang="fr-FR" dirty="0"/>
-          </a:p>
-          <a:p>
-            <a:endParaRPr lang="fr-FR" dirty="0"/>
-          </a:p>
-          <a:p>
-            <a:r>
-              <a:rPr lang="fr-FR" dirty="0" err="1"/>
-              <a:t>Await</a:t>
-            </a:r>
-            <a:endParaRPr lang="fr-FR" dirty="0"/>
-          </a:p>
-          <a:p>
-            <a:pPr lvl="1"/>
-            <a:r>
-              <a:rPr lang="fr-FR" dirty="0"/>
-              <a:t>Permet de suspendre l’exécution tant que l’appel </a:t>
-            </a:r>
-            <a:r>
-              <a:rPr lang="fr-FR" dirty="0" err="1"/>
-              <a:t>async</a:t>
-            </a:r>
-            <a:r>
-              <a:rPr lang="fr-FR" dirty="0"/>
-              <a:t> n’est pas terminé</a:t>
-            </a:r>
-          </a:p>
-          <a:p>
-            <a:pPr lvl="1"/>
-            <a:r>
-              <a:rPr lang="fr-FR" dirty="0" err="1"/>
-              <a:t>await</a:t>
-            </a:r>
-            <a:r>
-              <a:rPr lang="fr-FR" dirty="0"/>
-              <a:t> </a:t>
-            </a:r>
-            <a:r>
-              <a:rPr lang="fr-FR" dirty="0" err="1"/>
-              <a:t>coro</a:t>
-            </a:r>
-            <a:r>
-              <a:rPr lang="fr-FR" dirty="0"/>
-              <a:t>()</a:t>
-            </a:r>
-          </a:p>
-        </p:txBody>
-      </p:sp>
-      <p:pic>
-        <p:nvPicPr>
-          <p:cNvPr id="4" name="Image 3"/>
-          <p:cNvPicPr>
-            <a:picLocks noChangeAspect="1"/>
-          </p:cNvPicPr>
-          <p:nvPr/>
-        </p:nvPicPr>
-        <p:blipFill>
-          <a:blip r:embed="rId2"/>
-          <a:stretch>
-            <a:fillRect/>
-          </a:stretch>
-        </p:blipFill>
-        <p:spPr>
-          <a:xfrm>
-            <a:off x="2555776" y="3933056"/>
-            <a:ext cx="2972245" cy="720080"/>
-          </a:xfrm>
-          <a:prstGeom prst="rect">
-            <a:avLst/>
-          </a:prstGeom>
-        </p:spPr>
-      </p:pic>
-    </p:spTree>
-    <p:extLst>
-      <p:ext uri="{BB962C8B-B14F-4D97-AF65-F5344CB8AC3E}">
-        <p14:creationId xmlns:p14="http://schemas.microsoft.com/office/powerpoint/2010/main" val="2480226118"/>
-      </p:ext>
-    </p:extLst>
-  </p:cSld>
-  <p:clrMapOvr>
-    <a:masterClrMapping/>
-  </p:clrMapOvr>
-</p:sld>
-</file>
-
-<file path=ppt/slides/slide11.xml><?xml version="1.0" encoding="utf-8"?>
-<p:sld xmlns:a="http://schemas.openxmlformats.org/drawingml/2006/main" xmlns:r="http://schemas.openxmlformats.org/officeDocument/2006/relationships" xmlns:p="http://schemas.openxmlformats.org/presentationml/2006/main">
-  <p:cSld>
-    <p:spTree>
-      <p:nvGrpSpPr>
-        <p:cNvPr id="1" name=""/>
-        <p:cNvGrpSpPr/>
-        <p:nvPr/>
-      </p:nvGrpSpPr>
-      <p:grpSpPr>
-        <a:xfrm>
-          <a:off x="0" y="0"/>
-          <a:ext cx="0" cy="0"/>
-          <a:chOff x="0" y="0"/>
-          <a:chExt cx="0" cy="0"/>
-        </a:xfrm>
-      </p:grpSpPr>
-      <p:sp>
-        <p:nvSpPr>
-          <p:cNvPr id="2" name="Titre 1"/>
-          <p:cNvSpPr>
-            <a:spLocks noGrp="1"/>
-          </p:cNvSpPr>
-          <p:nvPr>
-            <p:ph type="title"/>
-          </p:nvPr>
-        </p:nvSpPr>
-        <p:spPr/>
-        <p:txBody>
-          <a:bodyPr/>
-          <a:lstStyle/>
-          <a:p>
-            <a:r>
-              <a:rPr lang="fr-FR" dirty="0" err="1"/>
-              <a:t>Async</a:t>
-            </a:r>
-            <a:r>
-              <a:rPr lang="fr-FR" dirty="0"/>
-              <a:t> et </a:t>
-            </a:r>
-            <a:r>
-              <a:rPr lang="fr-FR" dirty="0" err="1"/>
-              <a:t>await</a:t>
-            </a:r>
-            <a:endParaRPr lang="fr-FR" dirty="0"/>
-          </a:p>
-        </p:txBody>
-      </p:sp>
-      <p:sp>
-        <p:nvSpPr>
-          <p:cNvPr id="3" name="Espace réservé du contenu 2"/>
-          <p:cNvSpPr>
-            <a:spLocks noGrp="1"/>
-          </p:cNvSpPr>
-          <p:nvPr>
-            <p:ph idx="1"/>
-          </p:nvPr>
-        </p:nvSpPr>
-        <p:spPr/>
-        <p:txBody>
-          <a:bodyPr/>
-          <a:lstStyle/>
-          <a:p>
-            <a:endParaRPr lang="fr-FR"/>
-          </a:p>
-        </p:txBody>
-      </p:sp>
-      <p:pic>
-        <p:nvPicPr>
-          <p:cNvPr id="4" name="Image 3"/>
-          <p:cNvPicPr>
-            <a:picLocks noChangeAspect="1"/>
-          </p:cNvPicPr>
-          <p:nvPr/>
-        </p:nvPicPr>
-        <p:blipFill>
-          <a:blip r:embed="rId2"/>
-          <a:stretch>
-            <a:fillRect/>
-          </a:stretch>
-        </p:blipFill>
-        <p:spPr>
-          <a:xfrm>
-            <a:off x="1195680" y="1156209"/>
-            <a:ext cx="7133744" cy="5436257"/>
-          </a:xfrm>
-          <a:prstGeom prst="rect">
-            <a:avLst/>
-          </a:prstGeom>
-        </p:spPr>
-      </p:pic>
-    </p:spTree>
-    <p:extLst>
-      <p:ext uri="{BB962C8B-B14F-4D97-AF65-F5344CB8AC3E}">
-        <p14:creationId xmlns:p14="http://schemas.microsoft.com/office/powerpoint/2010/main" val="841109094"/>
-      </p:ext>
-    </p:extLst>
-  </p:cSld>
-  <p:clrMapOvr>
-    <a:masterClrMapping/>
-  </p:clrMapOvr>
-</p:sld>
-</file>
-
-<file path=ppt/slides/slide12.xml><?xml version="1.0" encoding="utf-8"?>
-<p:sld xmlns:a="http://schemas.openxmlformats.org/drawingml/2006/main" xmlns:r="http://schemas.openxmlformats.org/officeDocument/2006/relationships" xmlns:p="http://schemas.openxmlformats.org/presentationml/2006/main">
-  <p:cSld>
-    <p:spTree>
-      <p:nvGrpSpPr>
-        <p:cNvPr id="1" name=""/>
-        <p:cNvGrpSpPr/>
-        <p:nvPr/>
-      </p:nvGrpSpPr>
-      <p:grpSpPr>
-        <a:xfrm>
-          <a:off x="0" y="0"/>
-          <a:ext cx="0" cy="0"/>
-          <a:chOff x="0" y="0"/>
-          <a:chExt cx="0" cy="0"/>
-        </a:xfrm>
-      </p:grpSpPr>
-      <p:sp>
-        <p:nvSpPr>
-          <p:cNvPr id="2" name="Titre 1"/>
-          <p:cNvSpPr>
-            <a:spLocks noGrp="1"/>
-          </p:cNvSpPr>
-          <p:nvPr>
-            <p:ph type="title"/>
-          </p:nvPr>
-        </p:nvSpPr>
-        <p:spPr/>
-        <p:txBody>
-          <a:bodyPr/>
-          <a:lstStyle/>
-          <a:p>
-            <a:r>
-              <a:rPr lang="fr-FR" dirty="0" err="1"/>
-              <a:t>Async</a:t>
-            </a:r>
-            <a:r>
-              <a:rPr lang="fr-FR" dirty="0"/>
-              <a:t> </a:t>
-            </a:r>
-            <a:r>
-              <a:rPr lang="fr-FR" dirty="0" err="1"/>
-              <a:t>with</a:t>
-            </a:r>
-            <a:endParaRPr lang="fr-FR" dirty="0"/>
-          </a:p>
-        </p:txBody>
-      </p:sp>
-      <p:sp>
-        <p:nvSpPr>
-          <p:cNvPr id="3" name="Espace réservé du contenu 2"/>
-          <p:cNvSpPr>
-            <a:spLocks noGrp="1"/>
-          </p:cNvSpPr>
-          <p:nvPr>
-            <p:ph idx="1"/>
-          </p:nvPr>
-        </p:nvSpPr>
-        <p:spPr/>
-        <p:txBody>
-          <a:bodyPr/>
-          <a:lstStyle/>
-          <a:p>
-            <a:r>
-              <a:rPr lang="fr-FR" dirty="0"/>
-              <a:t>Utilisation de </a:t>
-            </a:r>
-            <a:r>
-              <a:rPr lang="fr-FR" dirty="0" err="1"/>
-              <a:t>async</a:t>
-            </a:r>
-            <a:r>
-              <a:rPr lang="fr-FR" dirty="0"/>
-              <a:t> avec un </a:t>
-            </a:r>
-            <a:r>
-              <a:rPr lang="fr-FR" dirty="0" err="1"/>
-              <a:t>context</a:t>
-            </a:r>
-            <a:r>
-              <a:rPr lang="fr-FR" dirty="0"/>
-              <a:t> manager</a:t>
-            </a:r>
-          </a:p>
-        </p:txBody>
-      </p:sp>
-      <p:pic>
-        <p:nvPicPr>
-          <p:cNvPr id="4" name="Image 3"/>
-          <p:cNvPicPr>
-            <a:picLocks noChangeAspect="1"/>
-          </p:cNvPicPr>
-          <p:nvPr/>
-        </p:nvPicPr>
-        <p:blipFill>
-          <a:blip r:embed="rId2"/>
-          <a:stretch>
-            <a:fillRect/>
-          </a:stretch>
-        </p:blipFill>
-        <p:spPr>
-          <a:xfrm>
-            <a:off x="1187624" y="2166168"/>
-            <a:ext cx="6858397" cy="4071144"/>
-          </a:xfrm>
-          <a:prstGeom prst="rect">
-            <a:avLst/>
-          </a:prstGeom>
-        </p:spPr>
-      </p:pic>
-    </p:spTree>
-    <p:extLst>
-      <p:ext uri="{BB962C8B-B14F-4D97-AF65-F5344CB8AC3E}">
-        <p14:creationId xmlns:p14="http://schemas.microsoft.com/office/powerpoint/2010/main" val="1463648995"/>
-      </p:ext>
-    </p:extLst>
-  </p:cSld>
-  <p:clrMapOvr>
-    <a:masterClrMapping/>
-  </p:clrMapOvr>
-</p:sld>
-</file>
-
-<file path=ppt/slides/slide13.xml><?xml version="1.0" encoding="utf-8"?>
-<p:sld xmlns:a="http://schemas.openxmlformats.org/drawingml/2006/main" xmlns:r="http://schemas.openxmlformats.org/officeDocument/2006/relationships" xmlns:p="http://schemas.openxmlformats.org/presentationml/2006/main">
-  <p:cSld>
-    <p:spTree>
-      <p:nvGrpSpPr>
-        <p:cNvPr id="1" name=""/>
-        <p:cNvGrpSpPr/>
-        <p:nvPr/>
-      </p:nvGrpSpPr>
-      <p:grpSpPr>
-        <a:xfrm>
-          <a:off x="0" y="0"/>
-          <a:ext cx="0" cy="0"/>
-          <a:chOff x="0" y="0"/>
-          <a:chExt cx="0" cy="0"/>
-        </a:xfrm>
-      </p:grpSpPr>
-      <p:sp>
-        <p:nvSpPr>
-          <p:cNvPr id="2" name="Titre 1"/>
-          <p:cNvSpPr>
-            <a:spLocks noGrp="1"/>
-          </p:cNvSpPr>
-          <p:nvPr>
-            <p:ph type="title"/>
-          </p:nvPr>
-        </p:nvSpPr>
-        <p:spPr/>
-        <p:txBody>
-          <a:bodyPr/>
-          <a:lstStyle/>
-          <a:p>
-            <a:r>
-              <a:rPr lang="fr-FR" dirty="0"/>
-              <a:t>Queue</a:t>
-            </a:r>
-          </a:p>
-        </p:txBody>
-      </p:sp>
-      <p:sp>
-        <p:nvSpPr>
-          <p:cNvPr id="3" name="Espace réservé du contenu 2"/>
-          <p:cNvSpPr>
-            <a:spLocks noGrp="1"/>
-          </p:cNvSpPr>
-          <p:nvPr>
-            <p:ph idx="1"/>
-          </p:nvPr>
-        </p:nvSpPr>
-        <p:spPr/>
-        <p:txBody>
-          <a:bodyPr/>
-          <a:lstStyle/>
-          <a:p>
-            <a:r>
-              <a:rPr lang="fr-FR" dirty="0"/>
-              <a:t>Permet de créer un file d’attente de thread</a:t>
-            </a:r>
-          </a:p>
-          <a:p>
-            <a:r>
-              <a:rPr lang="fr-FR"/>
-              <a:t>Voir q_sample.py</a:t>
-            </a:r>
-            <a:endParaRPr lang="fr-FR" dirty="0"/>
-          </a:p>
-        </p:txBody>
-      </p:sp>
-    </p:spTree>
-    <p:extLst>
-      <p:ext uri="{BB962C8B-B14F-4D97-AF65-F5344CB8AC3E}">
-        <p14:creationId xmlns:p14="http://schemas.microsoft.com/office/powerpoint/2010/main" val="956050653"/>
-      </p:ext>
-    </p:extLst>
-  </p:cSld>
-  <p:clrMapOvr>
-    <a:masterClrMapping/>
-  </p:clrMapOvr>
-</p:sld>
-</file>
-
-<file path=ppt/slides/slide2.xml><?xml version="1.0" encoding="utf-8"?>
-<p:sld xmlns:a="http://schemas.openxmlformats.org/drawingml/2006/main" xmlns:r="http://schemas.openxmlformats.org/officeDocument/2006/relationships" xmlns:p="http://schemas.openxmlformats.org/presentationml/2006/main">
-  <p:cSld>
-    <p:spTree>
-      <p:nvGrpSpPr>
-        <p:cNvPr id="1" name=""/>
-        <p:cNvGrpSpPr/>
-        <p:nvPr/>
-      </p:nvGrpSpPr>
-      <p:grpSpPr>
-        <a:xfrm>
-          <a:off x="0" y="0"/>
-          <a:ext cx="0" cy="0"/>
-          <a:chOff x="0" y="0"/>
-          <a:chExt cx="0" cy="0"/>
-        </a:xfrm>
-      </p:grpSpPr>
-      <p:sp>
-        <p:nvSpPr>
-          <p:cNvPr id="2" name="Titre 1">
-            <a:extLst>
-              <a:ext uri="{FF2B5EF4-FFF2-40B4-BE49-F238E27FC236}">
-                <a16:creationId xmlns:a16="http://schemas.microsoft.com/office/drawing/2014/main" id="{8C009F35-1AA2-4206-8F19-7C2A13E5A9EB}"/>
-              </a:ext>
-            </a:extLst>
-          </p:cNvPr>
-          <p:cNvSpPr>
-            <a:spLocks noGrp="1"/>
-          </p:cNvSpPr>
-          <p:nvPr>
-            <p:ph type="title"/>
-          </p:nvPr>
-        </p:nvSpPr>
-        <p:spPr/>
-        <p:txBody>
-          <a:bodyPr/>
-          <a:lstStyle/>
-          <a:p>
-            <a:r>
-              <a:rPr lang="fr-FR" dirty="0" err="1"/>
-              <a:t>async</a:t>
-            </a:r>
-            <a:r>
-              <a:rPr lang="fr-FR" dirty="0"/>
-              <a:t> / </a:t>
-            </a:r>
-            <a:r>
-              <a:rPr lang="fr-FR" dirty="0" err="1"/>
-              <a:t>await</a:t>
-            </a:r>
-            <a:endParaRPr lang="fr-FR" dirty="0"/>
-          </a:p>
-        </p:txBody>
-      </p:sp>
-      <p:sp>
-        <p:nvSpPr>
-          <p:cNvPr id="3" name="Espace réservé du contenu 2">
-            <a:extLst>
-              <a:ext uri="{FF2B5EF4-FFF2-40B4-BE49-F238E27FC236}">
-                <a16:creationId xmlns:a16="http://schemas.microsoft.com/office/drawing/2014/main" id="{9AB45FC8-FB39-4EFD-9E2A-15EF83610D58}"/>
-              </a:ext>
-            </a:extLst>
-          </p:cNvPr>
-          <p:cNvSpPr>
-            <a:spLocks noGrp="1"/>
-          </p:cNvSpPr>
-          <p:nvPr>
-            <p:ph idx="1"/>
-          </p:nvPr>
-        </p:nvSpPr>
-        <p:spPr/>
-        <p:txBody>
-          <a:bodyPr/>
-          <a:lstStyle/>
-          <a:p>
-            <a:r>
-              <a:rPr lang="fr-FR" dirty="0" err="1"/>
-              <a:t>asyncio</a:t>
-            </a:r>
-            <a:r>
-              <a:rPr lang="fr-FR" dirty="0"/>
-              <a:t> est une bibliothèque permettant de faire de la programmation asynchrone en utilisant la syntaxe </a:t>
-            </a:r>
-            <a:r>
-              <a:rPr lang="fr-FR" dirty="0" err="1"/>
-              <a:t>async</a:t>
-            </a:r>
-            <a:r>
-              <a:rPr lang="fr-FR" dirty="0"/>
-              <a:t>/</a:t>
-            </a:r>
-            <a:r>
-              <a:rPr lang="fr-FR" dirty="0" err="1"/>
-              <a:t>await</a:t>
-            </a:r>
-            <a:endParaRPr lang="fr-FR" dirty="0"/>
-          </a:p>
-          <a:p>
-            <a:pPr lvl="1"/>
-            <a:r>
-              <a:rPr lang="fr-FR" dirty="0"/>
-              <a:t>Coroutines</a:t>
-            </a:r>
-          </a:p>
-          <a:p>
-            <a:pPr lvl="1"/>
-            <a:r>
-              <a:rPr lang="fr-FR" dirty="0"/>
-              <a:t>Code asynchrone</a:t>
-            </a:r>
-          </a:p>
-          <a:p>
-            <a:endParaRPr lang="fr-FR" dirty="0"/>
-          </a:p>
-          <a:p>
-            <a:pPr marL="400050" lvl="1" indent="0">
-              <a:buNone/>
-            </a:pPr>
-            <a:r>
-              <a:rPr lang="fr-FR" sz="1800" dirty="0">
-                <a:latin typeface="Courier New" panose="02070309020205020404" pitchFamily="49" charset="0"/>
-                <a:cs typeface="Courier New" panose="02070309020205020404" pitchFamily="49" charset="0"/>
-              </a:rPr>
-              <a:t>import </a:t>
-            </a:r>
-            <a:r>
-              <a:rPr lang="fr-FR" sz="1800" dirty="0" err="1">
-                <a:latin typeface="Courier New" panose="02070309020205020404" pitchFamily="49" charset="0"/>
-                <a:cs typeface="Courier New" panose="02070309020205020404" pitchFamily="49" charset="0"/>
-              </a:rPr>
-              <a:t>asyncio</a:t>
-            </a:r>
-            <a:endParaRPr lang="fr-FR" sz="1800" dirty="0">
-              <a:latin typeface="Courier New" panose="02070309020205020404" pitchFamily="49" charset="0"/>
-              <a:cs typeface="Courier New" panose="02070309020205020404" pitchFamily="49" charset="0"/>
-            </a:endParaRPr>
-          </a:p>
-          <a:p>
-            <a:pPr marL="400050" lvl="1" indent="0">
-              <a:buNone/>
-            </a:pPr>
-            <a:r>
-              <a:rPr lang="fr-FR" sz="1800" dirty="0" err="1">
-                <a:latin typeface="Courier New" panose="02070309020205020404" pitchFamily="49" charset="0"/>
-                <a:cs typeface="Courier New" panose="02070309020205020404" pitchFamily="49" charset="0"/>
-              </a:rPr>
-              <a:t>async</a:t>
-            </a:r>
-            <a:r>
-              <a:rPr lang="fr-FR" sz="1800" dirty="0">
-                <a:latin typeface="Courier New" panose="02070309020205020404" pitchFamily="49" charset="0"/>
-                <a:cs typeface="Courier New" panose="02070309020205020404" pitchFamily="49" charset="0"/>
-              </a:rPr>
-              <a:t> </a:t>
-            </a:r>
-            <a:r>
-              <a:rPr lang="fr-FR" sz="1800" dirty="0" err="1">
-                <a:latin typeface="Courier New" panose="02070309020205020404" pitchFamily="49" charset="0"/>
-                <a:cs typeface="Courier New" panose="02070309020205020404" pitchFamily="49" charset="0"/>
-              </a:rPr>
-              <a:t>def</a:t>
-            </a:r>
-            <a:r>
-              <a:rPr lang="fr-FR" sz="1800" dirty="0">
-                <a:latin typeface="Courier New" panose="02070309020205020404" pitchFamily="49" charset="0"/>
-                <a:cs typeface="Courier New" panose="02070309020205020404" pitchFamily="49" charset="0"/>
-              </a:rPr>
-              <a:t> main():</a:t>
-            </a:r>
-          </a:p>
-          <a:p>
-            <a:pPr marL="400050" lvl="1" indent="0">
-              <a:buNone/>
-            </a:pPr>
-            <a:r>
-              <a:rPr lang="fr-FR" sz="1800" dirty="0">
-                <a:latin typeface="Courier New" panose="02070309020205020404" pitchFamily="49" charset="0"/>
-                <a:cs typeface="Courier New" panose="02070309020205020404" pitchFamily="49" charset="0"/>
-              </a:rPr>
-              <a:t>    </a:t>
-            </a:r>
-            <a:r>
-              <a:rPr lang="fr-FR" sz="1800" dirty="0" err="1">
-                <a:latin typeface="Courier New" panose="02070309020205020404" pitchFamily="49" charset="0"/>
-                <a:cs typeface="Courier New" panose="02070309020205020404" pitchFamily="49" charset="0"/>
-              </a:rPr>
-              <a:t>print</a:t>
-            </a:r>
-            <a:r>
-              <a:rPr lang="fr-FR" sz="1800" dirty="0">
-                <a:latin typeface="Courier New" panose="02070309020205020404" pitchFamily="49" charset="0"/>
-                <a:cs typeface="Courier New" panose="02070309020205020404" pitchFamily="49" charset="0"/>
-              </a:rPr>
-              <a:t>('hello')</a:t>
-            </a:r>
-          </a:p>
-          <a:p>
-            <a:pPr marL="400050" lvl="1" indent="0">
-              <a:buNone/>
-            </a:pPr>
-            <a:r>
-              <a:rPr lang="fr-FR" sz="1800" dirty="0">
-                <a:latin typeface="Courier New" panose="02070309020205020404" pitchFamily="49" charset="0"/>
-                <a:cs typeface="Courier New" panose="02070309020205020404" pitchFamily="49" charset="0"/>
-              </a:rPr>
-              <a:t>    </a:t>
-            </a:r>
-            <a:r>
-              <a:rPr lang="fr-FR" sz="1800" dirty="0" err="1">
-                <a:latin typeface="Courier New" panose="02070309020205020404" pitchFamily="49" charset="0"/>
-                <a:cs typeface="Courier New" panose="02070309020205020404" pitchFamily="49" charset="0"/>
-              </a:rPr>
-              <a:t>await</a:t>
-            </a:r>
-            <a:r>
-              <a:rPr lang="fr-FR" sz="1800" dirty="0">
-                <a:latin typeface="Courier New" panose="02070309020205020404" pitchFamily="49" charset="0"/>
-                <a:cs typeface="Courier New" panose="02070309020205020404" pitchFamily="49" charset="0"/>
-              </a:rPr>
-              <a:t> </a:t>
-            </a:r>
-            <a:r>
-              <a:rPr lang="fr-FR" sz="1800" dirty="0" err="1">
-                <a:latin typeface="Courier New" panose="02070309020205020404" pitchFamily="49" charset="0"/>
-                <a:cs typeface="Courier New" panose="02070309020205020404" pitchFamily="49" charset="0"/>
-              </a:rPr>
-              <a:t>asyncio.sleep</a:t>
-            </a:r>
-            <a:r>
-              <a:rPr lang="fr-FR" sz="1800" dirty="0">
-                <a:latin typeface="Courier New" panose="02070309020205020404" pitchFamily="49" charset="0"/>
-                <a:cs typeface="Courier New" panose="02070309020205020404" pitchFamily="49" charset="0"/>
-              </a:rPr>
-              <a:t>(1)</a:t>
-            </a:r>
-          </a:p>
-          <a:p>
-            <a:pPr marL="400050" lvl="1" indent="0">
-              <a:buNone/>
-            </a:pPr>
-            <a:r>
-              <a:rPr lang="fr-FR" sz="1800" dirty="0">
-                <a:latin typeface="Courier New" panose="02070309020205020404" pitchFamily="49" charset="0"/>
-                <a:cs typeface="Courier New" panose="02070309020205020404" pitchFamily="49" charset="0"/>
-              </a:rPr>
-              <a:t>    </a:t>
-            </a:r>
-            <a:r>
-              <a:rPr lang="fr-FR" sz="1800" dirty="0" err="1">
-                <a:latin typeface="Courier New" panose="02070309020205020404" pitchFamily="49" charset="0"/>
-                <a:cs typeface="Courier New" panose="02070309020205020404" pitchFamily="49" charset="0"/>
-              </a:rPr>
-              <a:t>print</a:t>
-            </a:r>
-            <a:r>
-              <a:rPr lang="fr-FR" sz="1800" dirty="0">
-                <a:latin typeface="Courier New" panose="02070309020205020404" pitchFamily="49" charset="0"/>
-                <a:cs typeface="Courier New" panose="02070309020205020404" pitchFamily="49" charset="0"/>
-              </a:rPr>
-              <a:t>('world')</a:t>
-            </a:r>
-          </a:p>
-          <a:p>
-            <a:pPr marL="400050" lvl="1" indent="0">
-              <a:buNone/>
-            </a:pPr>
-            <a:r>
-              <a:rPr lang="fr-FR" sz="1800" dirty="0" err="1">
-                <a:latin typeface="Courier New" panose="02070309020205020404" pitchFamily="49" charset="0"/>
-                <a:cs typeface="Courier New" panose="02070309020205020404" pitchFamily="49" charset="0"/>
-              </a:rPr>
-              <a:t>asyncio.run</a:t>
-            </a:r>
-            <a:r>
-              <a:rPr lang="fr-FR" sz="1800" dirty="0">
-                <a:latin typeface="Courier New" panose="02070309020205020404" pitchFamily="49" charset="0"/>
-                <a:cs typeface="Courier New" panose="02070309020205020404" pitchFamily="49" charset="0"/>
-              </a:rPr>
-              <a:t>(main())</a:t>
-            </a:r>
-          </a:p>
-          <a:p>
-            <a:pPr marL="400050" lvl="1" indent="0">
-              <a:buNone/>
-            </a:pPr>
-            <a:endParaRPr lang="fr-FR" sz="1800" dirty="0">
-              <a:latin typeface="Courier New" panose="02070309020205020404" pitchFamily="49" charset="0"/>
-              <a:cs typeface="Courier New" panose="02070309020205020404" pitchFamily="49" charset="0"/>
-            </a:endParaRPr>
-          </a:p>
-        </p:txBody>
-      </p:sp>
-    </p:spTree>
-    <p:extLst>
-      <p:ext uri="{BB962C8B-B14F-4D97-AF65-F5344CB8AC3E}">
-        <p14:creationId xmlns:p14="http://schemas.microsoft.com/office/powerpoint/2010/main" val="161093280"/>
-      </p:ext>
-    </p:extLst>
-  </p:cSld>
-  <p:clrMapOvr>
-    <a:masterClrMapping/>
-  </p:clrMapOvr>
-</p:sld>
-</file>
-
-<file path=ppt/slides/slide3.xml><?xml version="1.0" encoding="utf-8"?>
-<p:sld xmlns:a="http://schemas.openxmlformats.org/drawingml/2006/main" xmlns:r="http://schemas.openxmlformats.org/officeDocument/2006/relationships" xmlns:p="http://schemas.openxmlformats.org/presentationml/2006/main">
-  <p:cSld>
-    <p:spTree>
-      <p:nvGrpSpPr>
-        <p:cNvPr id="1" name=""/>
-        <p:cNvGrpSpPr/>
-        <p:nvPr/>
-      </p:nvGrpSpPr>
-      <p:grpSpPr>
-        <a:xfrm>
-          <a:off x="0" y="0"/>
-          <a:ext cx="0" cy="0"/>
-          <a:chOff x="0" y="0"/>
-          <a:chExt cx="0" cy="0"/>
-        </a:xfrm>
-      </p:grpSpPr>
-      <p:sp>
-        <p:nvSpPr>
-          <p:cNvPr id="2" name="Titre 1">
-            <a:extLst>
-              <a:ext uri="{FF2B5EF4-FFF2-40B4-BE49-F238E27FC236}">
-                <a16:creationId xmlns:a16="http://schemas.microsoft.com/office/drawing/2014/main" id="{FFD51B03-F740-45BC-A966-6D7A3472A782}"/>
-              </a:ext>
-            </a:extLst>
-          </p:cNvPr>
-          <p:cNvSpPr>
-            <a:spLocks noGrp="1"/>
-          </p:cNvSpPr>
-          <p:nvPr>
-            <p:ph type="title"/>
-          </p:nvPr>
-        </p:nvSpPr>
-        <p:spPr/>
-        <p:txBody>
-          <a:bodyPr/>
-          <a:lstStyle/>
-          <a:p>
-            <a:r>
-              <a:rPr lang="fr-FR" dirty="0"/>
-              <a:t>Coroutines</a:t>
-            </a:r>
-          </a:p>
-        </p:txBody>
-      </p:sp>
-      <p:sp>
-        <p:nvSpPr>
-          <p:cNvPr id="3" name="Espace réservé du contenu 2">
-            <a:extLst>
-              <a:ext uri="{FF2B5EF4-FFF2-40B4-BE49-F238E27FC236}">
-                <a16:creationId xmlns:a16="http://schemas.microsoft.com/office/drawing/2014/main" id="{3AB7B443-D042-4513-AB98-59CB5E351CA1}"/>
-              </a:ext>
-            </a:extLst>
-          </p:cNvPr>
-          <p:cNvSpPr>
-            <a:spLocks noGrp="1"/>
-          </p:cNvSpPr>
-          <p:nvPr>
-            <p:ph idx="1"/>
-          </p:nvPr>
-        </p:nvSpPr>
-        <p:spPr/>
-        <p:txBody>
-          <a:bodyPr/>
-          <a:lstStyle/>
-          <a:p>
-            <a:r>
-              <a:rPr lang="fr-FR" sz="2400" dirty="0"/>
-              <a:t>Appeler une coroutine ne la planifie pas pour exécution</a:t>
-            </a:r>
-          </a:p>
-          <a:p>
-            <a:pPr marL="457200" lvl="1" indent="0">
-              <a:buNone/>
-            </a:pPr>
-            <a:r>
-              <a:rPr lang="en-US" sz="1800" dirty="0">
-                <a:latin typeface="Courier New" panose="02070309020205020404" pitchFamily="49" charset="0"/>
-                <a:cs typeface="Courier New" panose="02070309020205020404" pitchFamily="49" charset="0"/>
-              </a:rPr>
-              <a:t>main()</a:t>
-            </a:r>
-          </a:p>
-          <a:p>
-            <a:pPr marL="457200" lvl="1" indent="0">
-              <a:buNone/>
-            </a:pPr>
-            <a:r>
-              <a:rPr lang="en-US" sz="1800" dirty="0">
-                <a:latin typeface="Courier New" panose="02070309020205020404" pitchFamily="49" charset="0"/>
-                <a:cs typeface="Courier New" panose="02070309020205020404" pitchFamily="49" charset="0"/>
-              </a:rPr>
-              <a:t>&lt;coroutine object main at 0x1053bb7c8&gt;</a:t>
-            </a:r>
-          </a:p>
-          <a:p>
-            <a:pPr marL="457200" lvl="1" indent="0">
-              <a:buNone/>
-            </a:pPr>
-            <a:endParaRPr lang="en-US" sz="1800" dirty="0">
-              <a:latin typeface="Courier New" panose="02070309020205020404" pitchFamily="49" charset="0"/>
-              <a:cs typeface="Courier New" panose="02070309020205020404" pitchFamily="49" charset="0"/>
-            </a:endParaRPr>
-          </a:p>
-          <a:p>
-            <a:r>
-              <a:rPr lang="fr-FR" sz="2200" dirty="0"/>
-              <a:t>S'appel avec </a:t>
-            </a:r>
-            <a:r>
-              <a:rPr lang="fr-FR" sz="2200" dirty="0" err="1"/>
-              <a:t>asyncio.run</a:t>
-            </a:r>
-            <a:r>
-              <a:rPr lang="fr-FR" sz="2200" dirty="0"/>
-              <a:t>()</a:t>
-            </a:r>
-          </a:p>
-          <a:p>
-            <a:pPr marL="457200" lvl="1" indent="0">
-              <a:buNone/>
-            </a:pPr>
-            <a:endParaRPr lang="fr-FR" sz="1800" dirty="0">
-              <a:latin typeface="Courier New" panose="02070309020205020404" pitchFamily="49" charset="0"/>
-              <a:cs typeface="Courier New" panose="02070309020205020404" pitchFamily="49" charset="0"/>
-            </a:endParaRPr>
-          </a:p>
-          <a:p>
-            <a:pPr marL="400050" lvl="1" indent="0">
-              <a:buNone/>
-            </a:pPr>
-            <a:endParaRPr lang="fr-FR" sz="1800" dirty="0">
-              <a:latin typeface="Courier New" panose="02070309020205020404" pitchFamily="49" charset="0"/>
-              <a:cs typeface="Courier New" panose="02070309020205020404" pitchFamily="49" charset="0"/>
-            </a:endParaRPr>
-          </a:p>
-          <a:p>
-            <a:pPr marL="400050" lvl="1" indent="0">
-              <a:buNone/>
-            </a:pPr>
-            <a:r>
-              <a:rPr lang="fr-FR" sz="1800" dirty="0">
-                <a:latin typeface="Courier New" panose="02070309020205020404" pitchFamily="49" charset="0"/>
-                <a:cs typeface="Courier New" panose="02070309020205020404" pitchFamily="49" charset="0"/>
-              </a:rPr>
-              <a:t>	</a:t>
-            </a:r>
-          </a:p>
-          <a:p>
-            <a:endParaRPr lang="fr-FR" dirty="0"/>
-          </a:p>
-        </p:txBody>
-      </p:sp>
-    </p:spTree>
-    <p:extLst>
-      <p:ext uri="{BB962C8B-B14F-4D97-AF65-F5344CB8AC3E}">
-        <p14:creationId xmlns:p14="http://schemas.microsoft.com/office/powerpoint/2010/main" val="3536065137"/>
-      </p:ext>
-    </p:extLst>
-  </p:cSld>
-  <p:clrMapOvr>
-    <a:masterClrMapping/>
-  </p:clrMapOvr>
-</p:sld>
-</file>
-
-<file path=ppt/slides/slide4.xml><?xml version="1.0" encoding="utf-8"?>
-<p:sld xmlns:a="http://schemas.openxmlformats.org/drawingml/2006/main" xmlns:r="http://schemas.openxmlformats.org/officeDocument/2006/relationships" xmlns:p="http://schemas.openxmlformats.org/presentationml/2006/main">
-  <p:cSld>
-    <p:spTree>
-      <p:nvGrpSpPr>
-        <p:cNvPr id="1" name=""/>
-        <p:cNvGrpSpPr/>
-        <p:nvPr/>
-      </p:nvGrpSpPr>
-      <p:grpSpPr>
-        <a:xfrm>
-          <a:off x="0" y="0"/>
-          <a:ext cx="0" cy="0"/>
-          <a:chOff x="0" y="0"/>
-          <a:chExt cx="0" cy="0"/>
-        </a:xfrm>
-      </p:grpSpPr>
-      <p:sp>
-        <p:nvSpPr>
           <p:cNvPr id="2" name="Titre 1">
             <a:extLst>
               <a:ext uri="{FF2B5EF4-FFF2-40B4-BE49-F238E27FC236}">
@@ -5113,7 +4156,7 @@
     </p:spTree>
     <p:extLst>
       <p:ext uri="{BB962C8B-B14F-4D97-AF65-F5344CB8AC3E}">
-        <p14:creationId xmlns:p14="http://schemas.microsoft.com/office/powerpoint/2010/main" val="456631450"/>
+        <p14:creationId xmlns:p14="http://schemas.microsoft.com/office/powerpoint/2010/main" val="3717801526"/>
       </p:ext>
     </p:extLst>
   </p:cSld>
@@ -5123,7 +4166,7 @@
 </p:sld>
 </file>
 
-<file path=ppt/slides/slide5.xml><?xml version="1.0" encoding="utf-8"?>
+<file path=ppt/slides/slide11.xml><?xml version="1.0" encoding="utf-8"?>
 <p:sld xmlns:a="http://schemas.openxmlformats.org/drawingml/2006/main" xmlns:r="http://schemas.openxmlformats.org/officeDocument/2006/relationships" xmlns:p="http://schemas.openxmlformats.org/presentationml/2006/main">
   <p:cSld>
     <p:spTree>
@@ -5229,7 +4272,609 @@
     </p:spTree>
     <p:extLst>
       <p:ext uri="{BB962C8B-B14F-4D97-AF65-F5344CB8AC3E}">
-        <p14:creationId xmlns:p14="http://schemas.microsoft.com/office/powerpoint/2010/main" val="3715965511"/>
+        <p14:creationId xmlns:p14="http://schemas.microsoft.com/office/powerpoint/2010/main" val="1887391789"/>
+      </p:ext>
+    </p:extLst>
+  </p:cSld>
+  <p:clrMapOvr>
+    <a:masterClrMapping/>
+  </p:clrMapOvr>
+</p:sld>
+</file>
+
+<file path=ppt/slides/slide12.xml><?xml version="1.0" encoding="utf-8"?>
+<p:sld xmlns:a="http://schemas.openxmlformats.org/drawingml/2006/main" xmlns:r="http://schemas.openxmlformats.org/officeDocument/2006/relationships" xmlns:p="http://schemas.openxmlformats.org/presentationml/2006/main">
+  <p:cSld>
+    <p:spTree>
+      <p:nvGrpSpPr>
+        <p:cNvPr id="1" name=""/>
+        <p:cNvGrpSpPr/>
+        <p:nvPr/>
+      </p:nvGrpSpPr>
+      <p:grpSpPr>
+        <a:xfrm>
+          <a:off x="0" y="0"/>
+          <a:ext cx="0" cy="0"/>
+          <a:chOff x="0" y="0"/>
+          <a:chExt cx="0" cy="0"/>
+        </a:xfrm>
+      </p:grpSpPr>
+      <p:sp>
+        <p:nvSpPr>
+          <p:cNvPr id="2" name="Titre 1"/>
+          <p:cNvSpPr>
+            <a:spLocks noGrp="1"/>
+          </p:cNvSpPr>
+          <p:nvPr>
+            <p:ph type="title"/>
+          </p:nvPr>
+        </p:nvSpPr>
+        <p:spPr/>
+        <p:txBody>
+          <a:bodyPr/>
+          <a:lstStyle/>
+          <a:p>
+            <a:r>
+              <a:rPr lang="fr-FR" dirty="0" err="1"/>
+              <a:t>Async</a:t>
+            </a:r>
+            <a:r>
+              <a:rPr lang="fr-FR" dirty="0"/>
+              <a:t> </a:t>
+            </a:r>
+            <a:r>
+              <a:rPr lang="fr-FR" dirty="0" err="1"/>
+              <a:t>with</a:t>
+            </a:r>
+            <a:endParaRPr lang="fr-FR" dirty="0"/>
+          </a:p>
+        </p:txBody>
+      </p:sp>
+      <p:sp>
+        <p:nvSpPr>
+          <p:cNvPr id="3" name="Espace réservé du contenu 2"/>
+          <p:cNvSpPr>
+            <a:spLocks noGrp="1"/>
+          </p:cNvSpPr>
+          <p:nvPr>
+            <p:ph idx="1"/>
+          </p:nvPr>
+        </p:nvSpPr>
+        <p:spPr/>
+        <p:txBody>
+          <a:bodyPr/>
+          <a:lstStyle/>
+          <a:p>
+            <a:r>
+              <a:rPr lang="fr-FR" dirty="0"/>
+              <a:t>Utilisation de </a:t>
+            </a:r>
+            <a:r>
+              <a:rPr lang="fr-FR" dirty="0" err="1"/>
+              <a:t>async</a:t>
+            </a:r>
+            <a:r>
+              <a:rPr lang="fr-FR" dirty="0"/>
+              <a:t> avec un </a:t>
+            </a:r>
+            <a:r>
+              <a:rPr lang="fr-FR" dirty="0" err="1"/>
+              <a:t>context</a:t>
+            </a:r>
+            <a:r>
+              <a:rPr lang="fr-FR" dirty="0"/>
+              <a:t> manager</a:t>
+            </a:r>
+          </a:p>
+        </p:txBody>
+      </p:sp>
+      <p:pic>
+        <p:nvPicPr>
+          <p:cNvPr id="4" name="Image 3"/>
+          <p:cNvPicPr>
+            <a:picLocks noChangeAspect="1"/>
+          </p:cNvPicPr>
+          <p:nvPr/>
+        </p:nvPicPr>
+        <p:blipFill>
+          <a:blip r:embed="rId2"/>
+          <a:stretch>
+            <a:fillRect/>
+          </a:stretch>
+        </p:blipFill>
+        <p:spPr>
+          <a:xfrm>
+            <a:off x="1187624" y="2166168"/>
+            <a:ext cx="6858397" cy="4071144"/>
+          </a:xfrm>
+          <a:prstGeom prst="rect">
+            <a:avLst/>
+          </a:prstGeom>
+        </p:spPr>
+      </p:pic>
+    </p:spTree>
+    <p:extLst>
+      <p:ext uri="{BB962C8B-B14F-4D97-AF65-F5344CB8AC3E}">
+        <p14:creationId xmlns:p14="http://schemas.microsoft.com/office/powerpoint/2010/main" val="1463648995"/>
+      </p:ext>
+    </p:extLst>
+  </p:cSld>
+  <p:clrMapOvr>
+    <a:masterClrMapping/>
+  </p:clrMapOvr>
+</p:sld>
+</file>
+
+<file path=ppt/slides/slide2.xml><?xml version="1.0" encoding="utf-8"?>
+<p:sld xmlns:a="http://schemas.openxmlformats.org/drawingml/2006/main" xmlns:r="http://schemas.openxmlformats.org/officeDocument/2006/relationships" xmlns:p="http://schemas.openxmlformats.org/presentationml/2006/main">
+  <p:cSld>
+    <p:spTree>
+      <p:nvGrpSpPr>
+        <p:cNvPr id="1" name=""/>
+        <p:cNvGrpSpPr/>
+        <p:nvPr/>
+      </p:nvGrpSpPr>
+      <p:grpSpPr>
+        <a:xfrm>
+          <a:off x="0" y="0"/>
+          <a:ext cx="0" cy="0"/>
+          <a:chOff x="0" y="0"/>
+          <a:chExt cx="0" cy="0"/>
+        </a:xfrm>
+      </p:grpSpPr>
+      <p:sp>
+        <p:nvSpPr>
+          <p:cNvPr id="2" name="Titre 1"/>
+          <p:cNvSpPr>
+            <a:spLocks noGrp="1"/>
+          </p:cNvSpPr>
+          <p:nvPr>
+            <p:ph type="title"/>
+          </p:nvPr>
+        </p:nvSpPr>
+        <p:spPr/>
+        <p:txBody>
+          <a:bodyPr/>
+          <a:lstStyle/>
+          <a:p>
+            <a:r>
+              <a:rPr lang="fr-FR" dirty="0" err="1"/>
+              <a:t>Multi-thread</a:t>
+            </a:r>
+            <a:endParaRPr lang="fr-FR" dirty="0"/>
+          </a:p>
+        </p:txBody>
+      </p:sp>
+      <p:sp>
+        <p:nvSpPr>
+          <p:cNvPr id="3" name="Espace réservé du contenu 2"/>
+          <p:cNvSpPr>
+            <a:spLocks noGrp="1"/>
+          </p:cNvSpPr>
+          <p:nvPr>
+            <p:ph idx="1"/>
+          </p:nvPr>
+        </p:nvSpPr>
+        <p:spPr/>
+        <p:txBody>
+          <a:bodyPr/>
+          <a:lstStyle/>
+          <a:p>
+            <a:r>
+              <a:rPr lang="fr-FR" dirty="0"/>
+              <a:t>Les threads permettent de programmer en parallèle</a:t>
+            </a:r>
+          </a:p>
+          <a:p>
+            <a:r>
+              <a:rPr lang="fr-FR" dirty="0"/>
+              <a:t>Très utile quand il y a des algorithmes qui utilisent de grosses ressources</a:t>
+            </a:r>
+          </a:p>
+          <a:p>
+            <a:r>
+              <a:rPr lang="fr-FR" dirty="0"/>
+              <a:t>Considérons un programme très lent</a:t>
+            </a:r>
+          </a:p>
+          <a:p>
+            <a:pPr lvl="1"/>
+            <a:r>
+              <a:rPr lang="fr-FR" dirty="0" err="1"/>
+              <a:t>time.sleep</a:t>
+            </a:r>
+            <a:r>
+              <a:rPr lang="fr-FR" dirty="0"/>
+              <a:t>() effectue une pause</a:t>
+            </a:r>
+          </a:p>
+          <a:p>
+            <a:pPr lvl="1"/>
+            <a:endParaRPr lang="fr-FR" dirty="0"/>
+          </a:p>
+        </p:txBody>
+      </p:sp>
+      <p:pic>
+        <p:nvPicPr>
+          <p:cNvPr id="4" name="Image 3"/>
+          <p:cNvPicPr>
+            <a:picLocks noChangeAspect="1"/>
+          </p:cNvPicPr>
+          <p:nvPr/>
+        </p:nvPicPr>
+        <p:blipFill>
+          <a:blip r:embed="rId2"/>
+          <a:stretch>
+            <a:fillRect/>
+          </a:stretch>
+        </p:blipFill>
+        <p:spPr>
+          <a:xfrm>
+            <a:off x="2411760" y="3861049"/>
+            <a:ext cx="3973964" cy="2592288"/>
+          </a:xfrm>
+          <a:prstGeom prst="rect">
+            <a:avLst/>
+          </a:prstGeom>
+        </p:spPr>
+      </p:pic>
+    </p:spTree>
+    <p:extLst>
+      <p:ext uri="{BB962C8B-B14F-4D97-AF65-F5344CB8AC3E}">
+        <p14:creationId xmlns:p14="http://schemas.microsoft.com/office/powerpoint/2010/main" val="1944501722"/>
+      </p:ext>
+    </p:extLst>
+  </p:cSld>
+  <p:clrMapOvr>
+    <a:masterClrMapping/>
+  </p:clrMapOvr>
+</p:sld>
+</file>
+
+<file path=ppt/slides/slide3.xml><?xml version="1.0" encoding="utf-8"?>
+<p:sld xmlns:a="http://schemas.openxmlformats.org/drawingml/2006/main" xmlns:r="http://schemas.openxmlformats.org/officeDocument/2006/relationships" xmlns:p="http://schemas.openxmlformats.org/presentationml/2006/main">
+  <p:cSld>
+    <p:spTree>
+      <p:nvGrpSpPr>
+        <p:cNvPr id="1" name=""/>
+        <p:cNvGrpSpPr/>
+        <p:nvPr/>
+      </p:nvGrpSpPr>
+      <p:grpSpPr>
+        <a:xfrm>
+          <a:off x="0" y="0"/>
+          <a:ext cx="0" cy="0"/>
+          <a:chOff x="0" y="0"/>
+          <a:chExt cx="0" cy="0"/>
+        </a:xfrm>
+      </p:grpSpPr>
+      <p:sp>
+        <p:nvSpPr>
+          <p:cNvPr id="2" name="Titre 1"/>
+          <p:cNvSpPr>
+            <a:spLocks noGrp="1"/>
+          </p:cNvSpPr>
+          <p:nvPr>
+            <p:ph type="title"/>
+          </p:nvPr>
+        </p:nvSpPr>
+        <p:spPr/>
+        <p:txBody>
+          <a:bodyPr/>
+          <a:lstStyle/>
+          <a:p>
+            <a:r>
+              <a:rPr lang="fr-FR" dirty="0"/>
+              <a:t>Thread</a:t>
+            </a:r>
+          </a:p>
+        </p:txBody>
+      </p:sp>
+      <p:sp>
+        <p:nvSpPr>
+          <p:cNvPr id="3" name="Espace réservé du contenu 2"/>
+          <p:cNvSpPr>
+            <a:spLocks noGrp="1"/>
+          </p:cNvSpPr>
+          <p:nvPr>
+            <p:ph idx="1"/>
+          </p:nvPr>
+        </p:nvSpPr>
+        <p:spPr/>
+        <p:txBody>
+          <a:bodyPr/>
+          <a:lstStyle/>
+          <a:p>
+            <a:r>
+              <a:rPr lang="fr-FR" dirty="0"/>
+              <a:t>Le module Thread permet de programmer en parallèle</a:t>
+            </a:r>
+          </a:p>
+          <a:p>
+            <a:pPr lvl="1"/>
+            <a:r>
+              <a:rPr lang="fr-FR" dirty="0"/>
+              <a:t>thread.__</a:t>
+            </a:r>
+            <a:r>
+              <a:rPr lang="fr-FR" dirty="0" err="1"/>
+              <a:t>init</a:t>
+            </a:r>
+            <a:r>
+              <a:rPr lang="fr-FR" dirty="0"/>
+              <a:t>__ initialise la thread</a:t>
+            </a:r>
+          </a:p>
+          <a:p>
+            <a:pPr lvl="1"/>
+            <a:r>
+              <a:rPr lang="fr-FR" dirty="0" err="1"/>
+              <a:t>run</a:t>
+            </a:r>
+            <a:r>
+              <a:rPr lang="fr-FR" dirty="0"/>
+              <a:t> démarre la thread</a:t>
+            </a:r>
+          </a:p>
+          <a:p>
+            <a:endParaRPr lang="fr-FR" dirty="0"/>
+          </a:p>
+        </p:txBody>
+      </p:sp>
+      <p:pic>
+        <p:nvPicPr>
+          <p:cNvPr id="4" name="Image 3"/>
+          <p:cNvPicPr>
+            <a:picLocks noChangeAspect="1"/>
+          </p:cNvPicPr>
+          <p:nvPr/>
+        </p:nvPicPr>
+        <p:blipFill>
+          <a:blip r:embed="rId2"/>
+          <a:stretch>
+            <a:fillRect/>
+          </a:stretch>
+        </p:blipFill>
+        <p:spPr>
+          <a:xfrm>
+            <a:off x="1187624" y="3281486"/>
+            <a:ext cx="6120680" cy="3171850"/>
+          </a:xfrm>
+          <a:prstGeom prst="rect">
+            <a:avLst/>
+          </a:prstGeom>
+        </p:spPr>
+      </p:pic>
+    </p:spTree>
+    <p:extLst>
+      <p:ext uri="{BB962C8B-B14F-4D97-AF65-F5344CB8AC3E}">
+        <p14:creationId xmlns:p14="http://schemas.microsoft.com/office/powerpoint/2010/main" val="19581239"/>
+      </p:ext>
+    </p:extLst>
+  </p:cSld>
+  <p:clrMapOvr>
+    <a:masterClrMapping/>
+  </p:clrMapOvr>
+</p:sld>
+</file>
+
+<file path=ppt/slides/slide4.xml><?xml version="1.0" encoding="utf-8"?>
+<p:sld xmlns:a="http://schemas.openxmlformats.org/drawingml/2006/main" xmlns:r="http://schemas.openxmlformats.org/officeDocument/2006/relationships" xmlns:p="http://schemas.openxmlformats.org/presentationml/2006/main">
+  <p:cSld>
+    <p:spTree>
+      <p:nvGrpSpPr>
+        <p:cNvPr id="1" name=""/>
+        <p:cNvGrpSpPr/>
+        <p:nvPr/>
+      </p:nvGrpSpPr>
+      <p:grpSpPr>
+        <a:xfrm>
+          <a:off x="0" y="0"/>
+          <a:ext cx="0" cy="0"/>
+          <a:chOff x="0" y="0"/>
+          <a:chExt cx="0" cy="0"/>
+        </a:xfrm>
+      </p:grpSpPr>
+      <p:sp>
+        <p:nvSpPr>
+          <p:cNvPr id="2" name="Titre 1"/>
+          <p:cNvSpPr>
+            <a:spLocks noGrp="1"/>
+          </p:cNvSpPr>
+          <p:nvPr>
+            <p:ph type="title"/>
+          </p:nvPr>
+        </p:nvSpPr>
+        <p:spPr/>
+        <p:txBody>
+          <a:bodyPr/>
+          <a:lstStyle/>
+          <a:p>
+            <a:r>
+              <a:rPr lang="fr-FR" dirty="0" err="1"/>
+              <a:t>Multi-thread</a:t>
+            </a:r>
+            <a:endParaRPr lang="fr-FR" dirty="0"/>
+          </a:p>
+        </p:txBody>
+      </p:sp>
+      <p:sp>
+        <p:nvSpPr>
+          <p:cNvPr id="3" name="Espace réservé du contenu 2"/>
+          <p:cNvSpPr>
+            <a:spLocks noGrp="1"/>
+          </p:cNvSpPr>
+          <p:nvPr>
+            <p:ph idx="1"/>
+          </p:nvPr>
+        </p:nvSpPr>
+        <p:spPr/>
+        <p:txBody>
+          <a:bodyPr/>
+          <a:lstStyle/>
+          <a:p>
+            <a:r>
+              <a:rPr lang="fr-FR" dirty="0" err="1"/>
+              <a:t>Thread.start</a:t>
+            </a:r>
+            <a:r>
+              <a:rPr lang="fr-FR" dirty="0"/>
+              <a:t>() démarre une thread</a:t>
+            </a:r>
+          </a:p>
+          <a:p>
+            <a:r>
+              <a:rPr lang="fr-FR" dirty="0" err="1"/>
+              <a:t>Thread.join</a:t>
+            </a:r>
+            <a:r>
+              <a:rPr lang="fr-FR" dirty="0"/>
+              <a:t>() attends la fin d’une thread()</a:t>
+            </a:r>
+          </a:p>
+        </p:txBody>
+      </p:sp>
+      <p:pic>
+        <p:nvPicPr>
+          <p:cNvPr id="4" name="Image 3"/>
+          <p:cNvPicPr>
+            <a:picLocks noChangeAspect="1"/>
+          </p:cNvPicPr>
+          <p:nvPr/>
+        </p:nvPicPr>
+        <p:blipFill>
+          <a:blip r:embed="rId2"/>
+          <a:stretch>
+            <a:fillRect/>
+          </a:stretch>
+        </p:blipFill>
+        <p:spPr>
+          <a:xfrm>
+            <a:off x="1619672" y="2466206"/>
+            <a:ext cx="5087544" cy="2979018"/>
+          </a:xfrm>
+          <a:prstGeom prst="rect">
+            <a:avLst/>
+          </a:prstGeom>
+        </p:spPr>
+      </p:pic>
+    </p:spTree>
+    <p:extLst>
+      <p:ext uri="{BB962C8B-B14F-4D97-AF65-F5344CB8AC3E}">
+        <p14:creationId xmlns:p14="http://schemas.microsoft.com/office/powerpoint/2010/main" val="4254419118"/>
+      </p:ext>
+    </p:extLst>
+  </p:cSld>
+  <p:clrMapOvr>
+    <a:masterClrMapping/>
+  </p:clrMapOvr>
+</p:sld>
+</file>
+
+<file path=ppt/slides/slide5.xml><?xml version="1.0" encoding="utf-8"?>
+<p:sld xmlns:a="http://schemas.openxmlformats.org/drawingml/2006/main" xmlns:r="http://schemas.openxmlformats.org/officeDocument/2006/relationships" xmlns:p="http://schemas.openxmlformats.org/presentationml/2006/main">
+  <p:cSld>
+    <p:spTree>
+      <p:nvGrpSpPr>
+        <p:cNvPr id="1" name=""/>
+        <p:cNvGrpSpPr/>
+        <p:nvPr/>
+      </p:nvGrpSpPr>
+      <p:grpSpPr>
+        <a:xfrm>
+          <a:off x="0" y="0"/>
+          <a:ext cx="0" cy="0"/>
+          <a:chOff x="0" y="0"/>
+          <a:chExt cx="0" cy="0"/>
+        </a:xfrm>
+      </p:grpSpPr>
+      <p:sp>
+        <p:nvSpPr>
+          <p:cNvPr id="2" name="Titre 1"/>
+          <p:cNvSpPr>
+            <a:spLocks noGrp="1"/>
+          </p:cNvSpPr>
+          <p:nvPr>
+            <p:ph type="title"/>
+          </p:nvPr>
+        </p:nvSpPr>
+        <p:spPr/>
+        <p:txBody>
+          <a:bodyPr/>
+          <a:lstStyle/>
+          <a:p>
+            <a:r>
+              <a:rPr lang="fr-FR" dirty="0"/>
+              <a:t>Sémaphore</a:t>
+            </a:r>
+          </a:p>
+        </p:txBody>
+      </p:sp>
+      <p:sp>
+        <p:nvSpPr>
+          <p:cNvPr id="3" name="Espace réservé du contenu 2"/>
+          <p:cNvSpPr>
+            <a:spLocks noGrp="1"/>
+          </p:cNvSpPr>
+          <p:nvPr>
+            <p:ph idx="1"/>
+          </p:nvPr>
+        </p:nvSpPr>
+        <p:spPr>
+          <a:xfrm>
+            <a:off x="179512" y="1412776"/>
+            <a:ext cx="4104457" cy="5040560"/>
+          </a:xfrm>
+        </p:spPr>
+        <p:txBody>
+          <a:bodyPr/>
+          <a:lstStyle/>
+          <a:p>
+            <a:r>
+              <a:rPr lang="fr-FR" dirty="0"/>
+              <a:t>En cas d’accès concurrent à une ressource un verrou peut être posé pour autoriser une seule thread à accéder à la région concurrente</a:t>
+            </a:r>
+          </a:p>
+          <a:p>
+            <a:r>
+              <a:rPr lang="fr-FR"/>
+              <a:t>Classe RLock</a:t>
+            </a:r>
+            <a:endParaRPr lang="fr-FR" dirty="0"/>
+          </a:p>
+          <a:p>
+            <a:endParaRPr lang="fr-FR" dirty="0"/>
+          </a:p>
+        </p:txBody>
+      </p:sp>
+      <p:pic>
+        <p:nvPicPr>
+          <p:cNvPr id="4" name="Image 3"/>
+          <p:cNvPicPr>
+            <a:picLocks noChangeAspect="1"/>
+          </p:cNvPicPr>
+          <p:nvPr/>
+        </p:nvPicPr>
+        <p:blipFill>
+          <a:blip r:embed="rId2"/>
+          <a:stretch>
+            <a:fillRect/>
+          </a:stretch>
+        </p:blipFill>
+        <p:spPr>
+          <a:xfrm>
+            <a:off x="4283968" y="1080782"/>
+            <a:ext cx="5688631" cy="6762190"/>
+          </a:xfrm>
+          <a:prstGeom prst="rect">
+            <a:avLst/>
+          </a:prstGeom>
+        </p:spPr>
+      </p:pic>
+    </p:spTree>
+    <p:extLst>
+      <p:ext uri="{BB962C8B-B14F-4D97-AF65-F5344CB8AC3E}">
+        <p14:creationId xmlns:p14="http://schemas.microsoft.com/office/powerpoint/2010/main" val="3782317268"/>
       </p:ext>
     </p:extLst>
   </p:cSld>
@@ -5273,7 +4918,15 @@
           <a:p>
             <a:r>
               <a:rPr lang="fr-FR" dirty="0" err="1"/>
-              <a:t>Multi-thread</a:t>
+              <a:t>Await</a:t>
+            </a:r>
+            <a:r>
+              <a:rPr lang="fr-FR" dirty="0"/>
+              <a:t> et </a:t>
+            </a:r>
+            <a:r>
+              <a:rPr lang="fr-FR" dirty="0" err="1"/>
+              <a:t>Async</a:t>
             </a:r>
             <a:endParaRPr lang="fr-FR" dirty="0"/>
           </a:p>
@@ -5296,35 +4949,78 @@
           <a:p>
             <a:r>
               <a:rPr lang="fr-FR" dirty="0"/>
-              <a:t>Les threads permettent de programmer en parallèle</a:t>
-            </a:r>
-          </a:p>
-          <a:p>
+              <a:t>Vocabulaire simplifié pour de la programmation asynchrone</a:t>
+            </a:r>
+          </a:p>
+          <a:p>
+            <a:pPr lvl="1"/>
+            <a:r>
+              <a:rPr lang="fr-FR"/>
+              <a:t>Python 3.5</a:t>
+            </a:r>
+            <a:endParaRPr lang="fr-FR" dirty="0"/>
+          </a:p>
+          <a:p>
+            <a:r>
+              <a:rPr lang="fr-FR" dirty="0" err="1"/>
+              <a:t>Async</a:t>
+            </a:r>
+            <a:endParaRPr lang="fr-FR" dirty="0"/>
+          </a:p>
+          <a:p>
+            <a:pPr lvl="1"/>
             <a:r>
               <a:rPr lang="fr-FR" dirty="0"/>
-              <a:t>Très utile quand il y a des algorithmes qui utilisent de grosses ressources</a:t>
-            </a:r>
-          </a:p>
-          <a:p>
-            <a:r>
-              <a:rPr lang="fr-FR" dirty="0"/>
-              <a:t>Considérons un programme très lent</a:t>
-            </a:r>
-          </a:p>
-          <a:p>
-            <a:pPr lvl="1"/>
-            <a:r>
-              <a:rPr lang="fr-FR" dirty="0" err="1"/>
-              <a:t>time.sleep</a:t>
-            </a:r>
-            <a:r>
-              <a:rPr lang="fr-FR" dirty="0"/>
-              <a:t>() effectue une pause</a:t>
+              <a:t>Permet de spécifier une fonction asynchrone</a:t>
             </a:r>
           </a:p>
           <a:p>
             <a:pPr lvl="1"/>
             <a:endParaRPr lang="fr-FR" dirty="0"/>
+          </a:p>
+          <a:p>
+            <a:endParaRPr lang="fr-FR" dirty="0"/>
+          </a:p>
+          <a:p>
+            <a:r>
+              <a:rPr lang="fr-FR" dirty="0" err="1"/>
+              <a:t>Await</a:t>
+            </a:r>
+            <a:endParaRPr lang="fr-FR" dirty="0"/>
+          </a:p>
+          <a:p>
+            <a:pPr lvl="1"/>
+            <a:r>
+              <a:rPr lang="fr-FR" dirty="0"/>
+              <a:t>Permet de suspendre l’exécution tant que l’appel </a:t>
+            </a:r>
+            <a:r>
+              <a:rPr lang="fr-FR" dirty="0" err="1"/>
+              <a:t>async</a:t>
+            </a:r>
+            <a:r>
+              <a:rPr lang="fr-FR" dirty="0"/>
+              <a:t> n’est pas terminé</a:t>
+            </a:r>
+          </a:p>
+          <a:p>
+            <a:pPr lvl="1"/>
+            <a:r>
+              <a:rPr lang="fr-FR" dirty="0" err="1"/>
+              <a:t>await</a:t>
+            </a:r>
+            <a:r>
+              <a:rPr lang="fr-FR" dirty="0"/>
+              <a:t> </a:t>
+            </a:r>
+            <a:r>
+              <a:rPr lang="fr-FR" dirty="0" err="1"/>
+              <a:t>coro</a:t>
+            </a:r>
+            <a:r>
+              <a:rPr lang="fr-FR" dirty="0"/>
+              <a:t>()</a:t>
+            </a:r>
           </a:p>
         </p:txBody>
       </p:sp>
@@ -5344,8 +5040,8 @@
         </p:blipFill>
         <p:spPr>
           <a:xfrm>
-            <a:off x="2411760" y="3861049"/>
-            <a:ext cx="3973964" cy="2592288"/>
+            <a:off x="2555776" y="3933056"/>
+            <a:ext cx="2972245" cy="720080"/>
           </a:xfrm>
           <a:prstGeom prst="rect">
             <a:avLst/>
@@ -5355,7 +5051,7 @@
     </p:spTree>
     <p:extLst>
       <p:ext uri="{BB962C8B-B14F-4D97-AF65-F5344CB8AC3E}">
-        <p14:creationId xmlns:p14="http://schemas.microsoft.com/office/powerpoint/2010/main" val="1944501722"/>
+        <p14:creationId xmlns:p14="http://schemas.microsoft.com/office/powerpoint/2010/main" val="2480226118"/>
       </p:ext>
     </p:extLst>
   </p:cSld>
@@ -5398,9 +5094,18 @@
           <a:lstStyle/>
           <a:p>
             <a:r>
+              <a:rPr lang="fr-FR" dirty="0" err="1"/>
+              <a:t>Async</a:t>
+            </a:r>
+            <a:r>
               <a:rPr lang="fr-FR" dirty="0"/>
-              <a:t>Thread</a:t>
-            </a:r>
+              <a:t> et </a:t>
+            </a:r>
+            <a:r>
+              <a:rPr lang="fr-FR" dirty="0" err="1"/>
+              <a:t>await</a:t>
+            </a:r>
+            <a:endParaRPr lang="fr-FR" dirty="0"/>
           </a:p>
         </p:txBody>
       </p:sp>
@@ -5419,39 +5124,7 @@
           <a:bodyPr/>
           <a:lstStyle/>
           <a:p>
-            <a:r>
-              <a:rPr lang="fr-FR" dirty="0"/>
-              <a:t>Le module Thread permet de programmer en parallèle</a:t>
-            </a:r>
-          </a:p>
-          <a:p>
-            <a:pPr lvl="1"/>
-            <a:r>
-              <a:rPr lang="fr-FR" dirty="0"/>
-              <a:t>thread.__</a:t>
-            </a:r>
-            <a:r>
-              <a:rPr lang="fr-FR" dirty="0" err="1"/>
-              <a:t>init</a:t>
-            </a:r>
-            <a:r>
-              <a:rPr lang="fr-FR" dirty="0"/>
-              <a:t>__ initialise la thread</a:t>
-            </a:r>
-          </a:p>
-          <a:p>
-            <a:pPr lvl="1"/>
-            <a:r>
-              <a:rPr lang="fr-FR" dirty="0" err="1"/>
-              <a:t>run</a:t>
-            </a:r>
-            <a:r>
-              <a:rPr lang="fr-FR" dirty="0"/>
-              <a:t> démarre la thread</a:t>
-            </a:r>
-          </a:p>
-          <a:p>
-            <a:endParaRPr lang="fr-FR" dirty="0"/>
+            <a:endParaRPr lang="fr-FR"/>
           </a:p>
         </p:txBody>
       </p:sp>
@@ -5471,8 +5144,8 @@
         </p:blipFill>
         <p:spPr>
           <a:xfrm>
-            <a:off x="1187624" y="3281486"/>
-            <a:ext cx="6120680" cy="3171850"/>
+            <a:off x="1195680" y="1156209"/>
+            <a:ext cx="7133744" cy="5436257"/>
           </a:xfrm>
           <a:prstGeom prst="rect">
             <a:avLst/>
@@ -5482,7 +5155,7 @@
     </p:spTree>
     <p:extLst>
       <p:ext uri="{BB962C8B-B14F-4D97-AF65-F5344CB8AC3E}">
-        <p14:creationId xmlns:p14="http://schemas.microsoft.com/office/powerpoint/2010/main" val="19581239"/>
+        <p14:creationId xmlns:p14="http://schemas.microsoft.com/office/powerpoint/2010/main" val="841109094"/>
       </p:ext>
     </p:extLst>
   </p:cSld>
@@ -5511,7 +5184,13 @@
       </p:grpSpPr>
       <p:sp>
         <p:nvSpPr>
-          <p:cNvPr id="2" name="Titre 1"/>
+          <p:cNvPr id="2" name="Titre 1">
+            <a:extLst>
+              <a:ext uri="{FF2B5EF4-FFF2-40B4-BE49-F238E27FC236}">
+                <a16:creationId xmlns:a16="http://schemas.microsoft.com/office/drawing/2014/main" id="{8C009F35-1AA2-4206-8F19-7C2A13E5A9EB}"/>
+              </a:ext>
+            </a:extLst>
+          </p:cNvPr>
           <p:cNvSpPr>
             <a:spLocks noGrp="1"/>
           </p:cNvSpPr>
@@ -5526,7 +5205,15 @@
           <a:p>
             <a:r>
               <a:rPr lang="fr-FR" dirty="0" err="1"/>
-              <a:t>Multi-thread</a:t>
+              <a:t>async</a:t>
+            </a:r>
+            <a:r>
+              <a:rPr lang="fr-FR" dirty="0"/>
+              <a:t> / </a:t>
+            </a:r>
+            <a:r>
+              <a:rPr lang="fr-FR" dirty="0" err="1"/>
+              <a:t>await</a:t>
             </a:r>
             <a:endParaRPr lang="fr-FR" dirty="0"/>
           </a:p>
@@ -5534,7 +5221,13 @@
       </p:sp>
       <p:sp>
         <p:nvSpPr>
-          <p:cNvPr id="3" name="Espace réservé du contenu 2"/>
+          <p:cNvPr id="3" name="Espace réservé du contenu 2">
+            <a:extLst>
+              <a:ext uri="{FF2B5EF4-FFF2-40B4-BE49-F238E27FC236}">
+                <a16:creationId xmlns:a16="http://schemas.microsoft.com/office/drawing/2014/main" id="{9AB45FC8-FB39-4EFD-9E2A-15EF83610D58}"/>
+              </a:ext>
+            </a:extLst>
+          </p:cNvPr>
           <p:cNvSpPr>
             <a:spLocks noGrp="1"/>
           </p:cNvSpPr>
@@ -5549,53 +5242,225 @@
           <a:p>
             <a:r>
               <a:rPr lang="fr-FR" dirty="0" err="1"/>
-              <a:t>Thread.start</a:t>
+              <a:t>asyncio</a:t>
             </a:r>
             <a:r>
               <a:rPr lang="fr-FR" dirty="0"/>
-              <a:t>() démarre une thread</a:t>
-            </a:r>
-          </a:p>
-          <a:p>
+              <a:t> est une bibliothèque permettant de faire de la programmation asynchrone en utilisant la syntaxe </a:t>
+            </a:r>
             <a:r>
               <a:rPr lang="fr-FR" dirty="0" err="1"/>
-              <a:t>Thread.join</a:t>
+              <a:t>async</a:t>
             </a:r>
             <a:r>
               <a:rPr lang="fr-FR" dirty="0"/>
-              <a:t>() attends la fin d’une thread()</a:t>
-            </a:r>
+              <a:t>/</a:t>
+            </a:r>
+            <a:r>
+              <a:rPr lang="fr-FR" dirty="0" err="1"/>
+              <a:t>await</a:t>
+            </a:r>
+            <a:endParaRPr lang="fr-FR" dirty="0"/>
+          </a:p>
+          <a:p>
+            <a:pPr lvl="1"/>
+            <a:r>
+              <a:rPr lang="fr-FR" dirty="0"/>
+              <a:t>Coroutines</a:t>
+            </a:r>
+          </a:p>
+          <a:p>
+            <a:pPr lvl="1"/>
+            <a:r>
+              <a:rPr lang="fr-FR" dirty="0"/>
+              <a:t>Code asynchrone</a:t>
+            </a:r>
+          </a:p>
+          <a:p>
+            <a:endParaRPr lang="fr-FR" dirty="0"/>
+          </a:p>
+          <a:p>
+            <a:pPr marL="400050" lvl="1" indent="0">
+              <a:buNone/>
+            </a:pPr>
+            <a:r>
+              <a:rPr lang="fr-FR" sz="1800" dirty="0">
+                <a:latin typeface="Courier New" panose="02070309020205020404" pitchFamily="49" charset="0"/>
+                <a:cs typeface="Courier New" panose="02070309020205020404" pitchFamily="49" charset="0"/>
+              </a:rPr>
+              <a:t>import </a:t>
+            </a:r>
+            <a:r>
+              <a:rPr lang="fr-FR" sz="1800" dirty="0" err="1">
+                <a:latin typeface="Courier New" panose="02070309020205020404" pitchFamily="49" charset="0"/>
+                <a:cs typeface="Courier New" panose="02070309020205020404" pitchFamily="49" charset="0"/>
+              </a:rPr>
+              <a:t>asyncio</a:t>
+            </a:r>
+            <a:endParaRPr lang="fr-FR" sz="1800" dirty="0">
+              <a:latin typeface="Courier New" panose="02070309020205020404" pitchFamily="49" charset="0"/>
+              <a:cs typeface="Courier New" panose="02070309020205020404" pitchFamily="49" charset="0"/>
+            </a:endParaRPr>
+          </a:p>
+          <a:p>
+            <a:pPr marL="400050" lvl="1" indent="0">
+              <a:buNone/>
+            </a:pPr>
+            <a:r>
+              <a:rPr lang="fr-FR" sz="1800" dirty="0" err="1">
+                <a:latin typeface="Courier New" panose="02070309020205020404" pitchFamily="49" charset="0"/>
+                <a:cs typeface="Courier New" panose="02070309020205020404" pitchFamily="49" charset="0"/>
+              </a:rPr>
+              <a:t>async</a:t>
+            </a:r>
+            <a:r>
+              <a:rPr lang="fr-FR" sz="1800" dirty="0">
+                <a:latin typeface="Courier New" panose="02070309020205020404" pitchFamily="49" charset="0"/>
+                <a:cs typeface="Courier New" panose="02070309020205020404" pitchFamily="49" charset="0"/>
+              </a:rPr>
+              <a:t> </a:t>
+            </a:r>
+            <a:r>
+              <a:rPr lang="fr-FR" sz="1800" dirty="0" err="1">
+                <a:latin typeface="Courier New" panose="02070309020205020404" pitchFamily="49" charset="0"/>
+                <a:cs typeface="Courier New" panose="02070309020205020404" pitchFamily="49" charset="0"/>
+              </a:rPr>
+              <a:t>def</a:t>
+            </a:r>
+            <a:r>
+              <a:rPr lang="fr-FR" sz="1800" dirty="0">
+                <a:latin typeface="Courier New" panose="02070309020205020404" pitchFamily="49" charset="0"/>
+                <a:cs typeface="Courier New" panose="02070309020205020404" pitchFamily="49" charset="0"/>
+              </a:rPr>
+              <a:t> main():</a:t>
+            </a:r>
+          </a:p>
+          <a:p>
+            <a:pPr marL="400050" lvl="1" indent="0">
+              <a:buNone/>
+            </a:pPr>
+            <a:r>
+              <a:rPr lang="fr-FR" sz="1800" dirty="0">
+                <a:latin typeface="Courier New" panose="02070309020205020404" pitchFamily="49" charset="0"/>
+                <a:cs typeface="Courier New" panose="02070309020205020404" pitchFamily="49" charset="0"/>
+              </a:rPr>
+              <a:t>    </a:t>
+            </a:r>
+            <a:r>
+              <a:rPr lang="fr-FR" sz="1800" dirty="0" err="1">
+                <a:latin typeface="Courier New" panose="02070309020205020404" pitchFamily="49" charset="0"/>
+                <a:cs typeface="Courier New" panose="02070309020205020404" pitchFamily="49" charset="0"/>
+              </a:rPr>
+              <a:t>print</a:t>
+            </a:r>
+            <a:r>
+              <a:rPr lang="fr-FR" sz="1800" dirty="0">
+                <a:latin typeface="Courier New" panose="02070309020205020404" pitchFamily="49" charset="0"/>
+                <a:cs typeface="Courier New" panose="02070309020205020404" pitchFamily="49" charset="0"/>
+              </a:rPr>
+              <a:t>('hello')</a:t>
+            </a:r>
+          </a:p>
+          <a:p>
+            <a:pPr marL="400050" lvl="1" indent="0">
+              <a:buNone/>
+            </a:pPr>
+            <a:r>
+              <a:rPr lang="fr-FR" sz="1800" dirty="0">
+                <a:latin typeface="Courier New" panose="02070309020205020404" pitchFamily="49" charset="0"/>
+                <a:cs typeface="Courier New" panose="02070309020205020404" pitchFamily="49" charset="0"/>
+              </a:rPr>
+              <a:t>    </a:t>
+            </a:r>
+            <a:r>
+              <a:rPr lang="fr-FR" sz="1800" dirty="0" err="1">
+                <a:latin typeface="Courier New" panose="02070309020205020404" pitchFamily="49" charset="0"/>
+                <a:cs typeface="Courier New" panose="02070309020205020404" pitchFamily="49" charset="0"/>
+              </a:rPr>
+              <a:t>await</a:t>
+            </a:r>
+            <a:r>
+              <a:rPr lang="fr-FR" sz="1800" dirty="0">
+                <a:latin typeface="Courier New" panose="02070309020205020404" pitchFamily="49" charset="0"/>
+                <a:cs typeface="Courier New" panose="02070309020205020404" pitchFamily="49" charset="0"/>
+              </a:rPr>
+              <a:t> </a:t>
+            </a:r>
+            <a:r>
+              <a:rPr lang="fr-FR" sz="1800" dirty="0" err="1">
+                <a:latin typeface="Courier New" panose="02070309020205020404" pitchFamily="49" charset="0"/>
+                <a:cs typeface="Courier New" panose="02070309020205020404" pitchFamily="49" charset="0"/>
+              </a:rPr>
+              <a:t>asyncio.sleep</a:t>
+            </a:r>
+            <a:r>
+              <a:rPr lang="fr-FR" sz="1800" dirty="0">
+                <a:latin typeface="Courier New" panose="02070309020205020404" pitchFamily="49" charset="0"/>
+                <a:cs typeface="Courier New" panose="02070309020205020404" pitchFamily="49" charset="0"/>
+              </a:rPr>
+              <a:t>(1)</a:t>
+            </a:r>
+          </a:p>
+          <a:p>
+            <a:pPr marL="400050" lvl="1" indent="0">
+              <a:buNone/>
+            </a:pPr>
+            <a:r>
+              <a:rPr lang="fr-FR" sz="1800" dirty="0">
+                <a:latin typeface="Courier New" panose="02070309020205020404" pitchFamily="49" charset="0"/>
+                <a:cs typeface="Courier New" panose="02070309020205020404" pitchFamily="49" charset="0"/>
+              </a:rPr>
+              <a:t>    </a:t>
+            </a:r>
+            <a:r>
+              <a:rPr lang="fr-FR" sz="1800" dirty="0" err="1">
+                <a:latin typeface="Courier New" panose="02070309020205020404" pitchFamily="49" charset="0"/>
+                <a:cs typeface="Courier New" panose="02070309020205020404" pitchFamily="49" charset="0"/>
+              </a:rPr>
+              <a:t>print</a:t>
+            </a:r>
+            <a:r>
+              <a:rPr lang="fr-FR" sz="1800" dirty="0">
+                <a:latin typeface="Courier New" panose="02070309020205020404" pitchFamily="49" charset="0"/>
+                <a:cs typeface="Courier New" panose="02070309020205020404" pitchFamily="49" charset="0"/>
+              </a:rPr>
+              <a:t>('world')</a:t>
+            </a:r>
+          </a:p>
+          <a:p>
+            <a:pPr marL="400050" lvl="1" indent="0">
+              <a:buNone/>
+            </a:pPr>
+            <a:r>
+              <a:rPr lang="fr-FR" sz="1800" dirty="0" err="1">
+                <a:latin typeface="Courier New" panose="02070309020205020404" pitchFamily="49" charset="0"/>
+                <a:cs typeface="Courier New" panose="02070309020205020404" pitchFamily="49" charset="0"/>
+              </a:rPr>
+              <a:t>asyncio.run</a:t>
+            </a:r>
+            <a:r>
+              <a:rPr lang="fr-FR" sz="1800" dirty="0">
+                <a:latin typeface="Courier New" panose="02070309020205020404" pitchFamily="49" charset="0"/>
+                <a:cs typeface="Courier New" panose="02070309020205020404" pitchFamily="49" charset="0"/>
+              </a:rPr>
+              <a:t>(main())</a:t>
+            </a:r>
+          </a:p>
+          <a:p>
+            <a:pPr marL="400050" lvl="1" indent="0">
+              <a:buNone/>
+            </a:pPr>
+            <a:endParaRPr lang="fr-FR" sz="1800" dirty="0">
+              <a:latin typeface="Courier New" panose="02070309020205020404" pitchFamily="49" charset="0"/>
+              <a:cs typeface="Courier New" panose="02070309020205020404" pitchFamily="49" charset="0"/>
+            </a:endParaRPr>
           </a:p>
         </p:txBody>
       </p:sp>
-      <p:pic>
-        <p:nvPicPr>
-          <p:cNvPr id="4" name="Image 3"/>
-          <p:cNvPicPr>
-            <a:picLocks noChangeAspect="1"/>
-          </p:cNvPicPr>
-          <p:nvPr/>
-        </p:nvPicPr>
-        <p:blipFill>
-          <a:blip r:embed="rId2"/>
-          <a:stretch>
-            <a:fillRect/>
-          </a:stretch>
-        </p:blipFill>
-        <p:spPr>
-          <a:xfrm>
-            <a:off x="1619672" y="2466206"/>
-            <a:ext cx="5087544" cy="2979018"/>
-          </a:xfrm>
-          <a:prstGeom prst="rect">
-            <a:avLst/>
-          </a:prstGeom>
-        </p:spPr>
-      </p:pic>
     </p:spTree>
     <p:extLst>
       <p:ext uri="{BB962C8B-B14F-4D97-AF65-F5344CB8AC3E}">
-        <p14:creationId xmlns:p14="http://schemas.microsoft.com/office/powerpoint/2010/main" val="4254419118"/>
+        <p14:creationId xmlns:p14="http://schemas.microsoft.com/office/powerpoint/2010/main" val="4271714038"/>
       </p:ext>
     </p:extLst>
   </p:cSld>
@@ -5624,7 +5489,13 @@
       </p:grpSpPr>
       <p:sp>
         <p:nvSpPr>
-          <p:cNvPr id="2" name="Titre 1"/>
+          <p:cNvPr id="2" name="Titre 1">
+            <a:extLst>
+              <a:ext uri="{FF2B5EF4-FFF2-40B4-BE49-F238E27FC236}">
+                <a16:creationId xmlns:a16="http://schemas.microsoft.com/office/drawing/2014/main" id="{FFD51B03-F740-45BC-A966-6D7A3472A782}"/>
+              </a:ext>
+            </a:extLst>
+          </p:cNvPr>
           <p:cNvSpPr>
             <a:spLocks noGrp="1"/>
           </p:cNvSpPr>
@@ -5639,14 +5510,20 @@
           <a:p>
             <a:r>
               <a:rPr lang="fr-FR" dirty="0"/>
-              <a:t>Sémaphore</a:t>
+              <a:t>Coroutines</a:t>
             </a:r>
           </a:p>
         </p:txBody>
       </p:sp>
       <p:sp>
         <p:nvSpPr>
-          <p:cNvPr id="3" name="Espace réservé du contenu 2"/>
+          <p:cNvPr id="3" name="Espace réservé du contenu 2">
+            <a:extLst>
+              <a:ext uri="{FF2B5EF4-FFF2-40B4-BE49-F238E27FC236}">
+                <a16:creationId xmlns:a16="http://schemas.microsoft.com/office/drawing/2014/main" id="{3AB7B443-D042-4513-AB98-59CB5E351CA1}"/>
+              </a:ext>
+            </a:extLst>
+          </p:cNvPr>
           <p:cNvSpPr>
             <a:spLocks noGrp="1"/>
           </p:cNvSpPr>
@@ -5654,61 +5531,102 @@
             <p:ph idx="1"/>
           </p:nvPr>
         </p:nvSpPr>
-        <p:spPr>
-          <a:xfrm>
-            <a:off x="179512" y="1412776"/>
-            <a:ext cx="4104457" cy="5040560"/>
-          </a:xfrm>
-        </p:spPr>
+        <p:spPr/>
         <p:txBody>
           <a:bodyPr/>
           <a:lstStyle/>
           <a:p>
             <a:r>
-              <a:rPr lang="fr-FR" dirty="0"/>
-              <a:t>En cas d’accès concurrent à une ressource un verrou peut être posé pour autoriser une seule thread à accéder à la région concurrente</a:t>
-            </a:r>
-          </a:p>
-          <a:p>
-            <a:r>
-              <a:rPr lang="fr-FR"/>
-              <a:t>Classe RLock</a:t>
-            </a:r>
-            <a:endParaRPr lang="fr-FR" dirty="0"/>
+              <a:rPr lang="fr-FR" sz="2400" dirty="0"/>
+              <a:t>Appeler une coroutine ne la planifie pas pour exécution</a:t>
+            </a:r>
+          </a:p>
+          <a:p>
+            <a:pPr marL="457200" lvl="1" indent="0">
+              <a:buNone/>
+            </a:pPr>
+            <a:r>
+              <a:rPr lang="en-US" sz="1800" dirty="0">
+                <a:latin typeface="Courier New" panose="02070309020205020404" pitchFamily="49" charset="0"/>
+                <a:cs typeface="Courier New" panose="02070309020205020404" pitchFamily="49" charset="0"/>
+              </a:rPr>
+              <a:t>main()</a:t>
+            </a:r>
+          </a:p>
+          <a:p>
+            <a:pPr marL="457200" lvl="1" indent="0">
+              <a:buNone/>
+            </a:pPr>
+            <a:r>
+              <a:rPr lang="en-US" sz="1800" dirty="0">
+                <a:latin typeface="Courier New" panose="02070309020205020404" pitchFamily="49" charset="0"/>
+                <a:cs typeface="Courier New" panose="02070309020205020404" pitchFamily="49" charset="0"/>
+              </a:rPr>
+              <a:t>&lt;coroutine object main at 0x1053bb7c8&gt;</a:t>
+            </a:r>
+          </a:p>
+          <a:p>
+            <a:pPr marL="457200" lvl="1" indent="0">
+              <a:buNone/>
+            </a:pPr>
+            <a:endParaRPr lang="en-US" sz="1800" dirty="0">
+              <a:latin typeface="Courier New" panose="02070309020205020404" pitchFamily="49" charset="0"/>
+              <a:cs typeface="Courier New" panose="02070309020205020404" pitchFamily="49" charset="0"/>
+            </a:endParaRPr>
+          </a:p>
+          <a:p>
+            <a:r>
+              <a:rPr lang="fr-FR" sz="2200" dirty="0"/>
+              <a:t>S'appel avec </a:t>
+            </a:r>
+            <a:r>
+              <a:rPr lang="fr-FR" sz="2200" dirty="0" err="1"/>
+              <a:t>asyncio.run</a:t>
+            </a:r>
+            <a:r>
+              <a:rPr lang="fr-FR" sz="2200" dirty="0"/>
+              <a:t>()</a:t>
+            </a:r>
+          </a:p>
+          <a:p>
+            <a:pPr marL="457200" lvl="1" indent="0">
+              <a:buNone/>
+            </a:pPr>
+            <a:endParaRPr lang="fr-FR" sz="1800" dirty="0">
+              <a:latin typeface="Courier New" panose="02070309020205020404" pitchFamily="49" charset="0"/>
+              <a:cs typeface="Courier New" panose="02070309020205020404" pitchFamily="49" charset="0"/>
+            </a:endParaRPr>
+          </a:p>
+          <a:p>
+            <a:pPr marL="400050" lvl="1" indent="0">
+              <a:buNone/>
+            </a:pPr>
+            <a:endParaRPr lang="fr-FR" sz="1800" dirty="0">
+              <a:latin typeface="Courier New" panose="02070309020205020404" pitchFamily="49" charset="0"/>
+              <a:cs typeface="Courier New" panose="02070309020205020404" pitchFamily="49" charset="0"/>
+            </a:endParaRPr>
+          </a:p>
+          <a:p>
+            <a:pPr marL="400050" lvl="1" indent="0">
+              <a:buNone/>
+            </a:pPr>
+            <a:r>
+              <a:rPr lang="fr-FR" sz="1800" dirty="0">
+                <a:latin typeface="Courier New" panose="02070309020205020404" pitchFamily="49" charset="0"/>
+                <a:cs typeface="Courier New" panose="02070309020205020404" pitchFamily="49" charset="0"/>
+              </a:rPr>
+              <a:t>	</a:t>
+            </a:r>
           </a:p>
           <a:p>
             <a:endParaRPr lang="fr-FR" dirty="0"/>
           </a:p>
         </p:txBody>
       </p:sp>
-      <p:pic>
-        <p:nvPicPr>
-          <p:cNvPr id="4" name="Image 3"/>
-          <p:cNvPicPr>
-            <a:picLocks noChangeAspect="1"/>
-          </p:cNvPicPr>
-          <p:nvPr/>
-        </p:nvPicPr>
-        <p:blipFill>
-          <a:blip r:embed="rId2"/>
-          <a:stretch>
-            <a:fillRect/>
-          </a:stretch>
-        </p:blipFill>
-        <p:spPr>
-          <a:xfrm>
-            <a:off x="4283968" y="1080782"/>
-            <a:ext cx="5688631" cy="6762190"/>
-          </a:xfrm>
-          <a:prstGeom prst="rect">
-            <a:avLst/>
-          </a:prstGeom>
-        </p:spPr>
-      </p:pic>
     </p:spTree>
     <p:extLst>
       <p:ext uri="{BB962C8B-B14F-4D97-AF65-F5344CB8AC3E}">
-        <p14:creationId xmlns:p14="http://schemas.microsoft.com/office/powerpoint/2010/main" val="3782317268"/>
+        <p14:creationId xmlns:p14="http://schemas.microsoft.com/office/powerpoint/2010/main" val="3709929720"/>
       </p:ext>
     </p:extLst>
   </p:cSld>

--- a/PPT/Python21-Threading.pptx
+++ b/PPT/Python21-Threading.pptx
@@ -5,10 +5,10 @@
     <p:sldMasterId id="2147483653" r:id="rId1"/>
   </p:sldMasterIdLst>
   <p:notesMasterIdLst>
-    <p:notesMasterId r:id="rId14"/>
+    <p:notesMasterId r:id="rId8"/>
   </p:notesMasterIdLst>
   <p:handoutMasterIdLst>
-    <p:handoutMasterId r:id="rId15"/>
+    <p:handoutMasterId r:id="rId9"/>
   </p:handoutMasterIdLst>
   <p:sldIdLst>
     <p:sldId id="264" r:id="rId2"/>
@@ -16,13 +16,7 @@
     <p:sldId id="266" r:id="rId4"/>
     <p:sldId id="267" r:id="rId5"/>
     <p:sldId id="268" r:id="rId6"/>
-    <p:sldId id="270" r:id="rId7"/>
-    <p:sldId id="271" r:id="rId8"/>
-    <p:sldId id="273" r:id="rId9"/>
-    <p:sldId id="275" r:id="rId10"/>
-    <p:sldId id="274" r:id="rId11"/>
-    <p:sldId id="276" r:id="rId12"/>
-    <p:sldId id="272" r:id="rId13"/>
+    <p:sldId id="269" r:id="rId7"/>
   </p:sldIdLst>
   <p:sldSz cx="9144000" cy="6858000" type="screen4x3"/>
   <p:notesSz cx="6648450" cy="9782175"/>
@@ -3744,667 +3738,6 @@
 </p:sld>
 </file>
 
-<file path=ppt/slides/slide10.xml><?xml version="1.0" encoding="utf-8"?>
-<p:sld xmlns:a="http://schemas.openxmlformats.org/drawingml/2006/main" xmlns:r="http://schemas.openxmlformats.org/officeDocument/2006/relationships" xmlns:p="http://schemas.openxmlformats.org/presentationml/2006/main">
-  <p:cSld>
-    <p:spTree>
-      <p:nvGrpSpPr>
-        <p:cNvPr id="1" name=""/>
-        <p:cNvGrpSpPr/>
-        <p:nvPr/>
-      </p:nvGrpSpPr>
-      <p:grpSpPr>
-        <a:xfrm>
-          <a:off x="0" y="0"/>
-          <a:ext cx="0" cy="0"/>
-          <a:chOff x="0" y="0"/>
-          <a:chExt cx="0" cy="0"/>
-        </a:xfrm>
-      </p:grpSpPr>
-      <p:sp>
-        <p:nvSpPr>
-          <p:cNvPr id="2" name="Titre 1">
-            <a:extLst>
-              <a:ext uri="{FF2B5EF4-FFF2-40B4-BE49-F238E27FC236}">
-                <a16:creationId xmlns:a16="http://schemas.microsoft.com/office/drawing/2014/main" id="{1C2A9A5C-A404-4408-A390-3615E55F0F70}"/>
-              </a:ext>
-            </a:extLst>
-          </p:cNvPr>
-          <p:cNvSpPr>
-            <a:spLocks noGrp="1"/>
-          </p:cNvSpPr>
-          <p:nvPr>
-            <p:ph type="title"/>
-          </p:nvPr>
-        </p:nvSpPr>
-        <p:spPr/>
-        <p:txBody>
-          <a:bodyPr/>
-          <a:lstStyle/>
-          <a:p>
-            <a:r>
-              <a:rPr lang="fr-FR" dirty="0"/>
-              <a:t>Appels en cascade</a:t>
-            </a:r>
-          </a:p>
-        </p:txBody>
-      </p:sp>
-      <p:sp>
-        <p:nvSpPr>
-          <p:cNvPr id="3" name="Espace réservé du contenu 2">
-            <a:extLst>
-              <a:ext uri="{FF2B5EF4-FFF2-40B4-BE49-F238E27FC236}">
-                <a16:creationId xmlns:a16="http://schemas.microsoft.com/office/drawing/2014/main" id="{ACFFD4A2-81FC-4AC3-8973-8C6706520733}"/>
-              </a:ext>
-            </a:extLst>
-          </p:cNvPr>
-          <p:cNvSpPr>
-            <a:spLocks noGrp="1"/>
-          </p:cNvSpPr>
-          <p:nvPr>
-            <p:ph idx="1"/>
-          </p:nvPr>
-        </p:nvSpPr>
-        <p:spPr>
-          <a:xfrm>
-            <a:off x="179513" y="1412776"/>
-            <a:ext cx="4824536" cy="5040560"/>
-          </a:xfrm>
-        </p:spPr>
-        <p:txBody>
-          <a:bodyPr/>
-          <a:lstStyle/>
-          <a:p>
-            <a:r>
-              <a:rPr lang="fr-FR" dirty="0" err="1"/>
-              <a:t>Async</a:t>
-            </a:r>
-            <a:r>
-              <a:rPr lang="fr-FR" dirty="0"/>
-              <a:t> / </a:t>
-            </a:r>
-            <a:r>
-              <a:rPr lang="fr-FR" dirty="0" err="1"/>
-              <a:t>await</a:t>
-            </a:r>
-            <a:r>
-              <a:rPr lang="fr-FR" dirty="0"/>
-              <a:t> en cascade synchrone</a:t>
-            </a:r>
-          </a:p>
-          <a:p>
-            <a:r>
-              <a:rPr lang="fr-FR" dirty="0"/>
-              <a:t>Compatible liste en intention et générateur</a:t>
-            </a:r>
-          </a:p>
-          <a:p>
-            <a:pPr lvl="1"/>
-            <a:r>
-              <a:rPr lang="fr-FR" dirty="0"/>
-              <a:t>[i </a:t>
-            </a:r>
-            <a:r>
-              <a:rPr lang="fr-FR" dirty="0" err="1"/>
-              <a:t>async</a:t>
-            </a:r>
-            <a:r>
-              <a:rPr lang="fr-FR" dirty="0"/>
-              <a:t> for i in </a:t>
-            </a:r>
-            <a:r>
-              <a:rPr lang="fr-FR" dirty="0" err="1"/>
-              <a:t>iterator</a:t>
-            </a:r>
-            <a:r>
-              <a:rPr lang="fr-FR" dirty="0"/>
-              <a:t>];</a:t>
-            </a:r>
-          </a:p>
-          <a:p>
-            <a:endParaRPr lang="fr-FR" dirty="0"/>
-          </a:p>
-          <a:p>
-            <a:endParaRPr lang="fr-FR" dirty="0"/>
-          </a:p>
-        </p:txBody>
-      </p:sp>
-      <p:sp>
-        <p:nvSpPr>
-          <p:cNvPr id="5" name="Rectangle 1">
-            <a:extLst>
-              <a:ext uri="{FF2B5EF4-FFF2-40B4-BE49-F238E27FC236}">
-                <a16:creationId xmlns:a16="http://schemas.microsoft.com/office/drawing/2014/main" id="{339BEF08-ACD8-4290-B149-E35A45F47707}"/>
-              </a:ext>
-            </a:extLst>
-          </p:cNvPr>
-          <p:cNvSpPr>
-            <a:spLocks noChangeArrowheads="1"/>
-          </p:cNvSpPr>
-          <p:nvPr/>
-        </p:nvSpPr>
-        <p:spPr bwMode="auto">
-          <a:xfrm>
-            <a:off x="0" y="0"/>
-            <a:ext cx="9144000" cy="457200"/>
-          </a:xfrm>
-          <a:prstGeom prst="rect">
-            <a:avLst/>
-          </a:prstGeom>
-          <a:solidFill>
-            <a:srgbClr val="F9F9F9"/>
-          </a:solidFill>
-          <a:ln>
-            <a:noFill/>
-          </a:ln>
-          <a:effectLst/>
-          <a:extLst>
-            <a:ext uri="{91240B29-F687-4F45-9708-019B960494DF}">
-              <a14:hiddenLine xmlns:a14="http://schemas.microsoft.com/office/drawing/2010/main" w="9525">
-                <a:solidFill>
-                  <a:schemeClr val="tx1"/>
-                </a:solidFill>
-                <a:miter lim="800000"/>
-                <a:headEnd/>
-                <a:tailEnd/>
-              </a14:hiddenLine>
-            </a:ext>
-            <a:ext uri="{AF507438-7753-43E0-B8FC-AC1667EBCBE1}">
-              <a14:hiddenEffects xmlns:a14="http://schemas.microsoft.com/office/drawing/2010/main">
-                <a:effectLst>
-                  <a:outerShdw dist="35921" dir="2700000" algn="ctr" rotWithShape="0">
-                    <a:schemeClr val="bg2"/>
-                  </a:outerShdw>
-                </a:effectLst>
-              </a14:hiddenEffects>
-            </a:ext>
-          </a:extLst>
-        </p:spPr>
-        <p:txBody>
-          <a:bodyPr vert="horz" wrap="none" lIns="91440" tIns="45720" rIns="91440" bIns="45720" numCol="1" anchor="ctr" anchorCtr="0" compatLnSpc="1">
-            <a:prstTxWarp prst="textNoShape">
-              <a:avLst/>
-            </a:prstTxWarp>
-            <a:spAutoFit/>
-          </a:bodyPr>
-          <a:lstStyle>
-            <a:lvl1pPr eaLnBrk="0" hangingPunct="0">
-              <a:defRPr>
-                <a:solidFill>
-                  <a:schemeClr val="tx1"/>
-                </a:solidFill>
-                <a:latin typeface="Arial" panose="020B0604020202020204" pitchFamily="34" charset="0"/>
-              </a:defRPr>
-            </a:lvl1pPr>
-            <a:lvl2pPr eaLnBrk="0" hangingPunct="0">
-              <a:defRPr>
-                <a:solidFill>
-                  <a:schemeClr val="tx1"/>
-                </a:solidFill>
-                <a:latin typeface="Arial" panose="020B0604020202020204" pitchFamily="34" charset="0"/>
-              </a:defRPr>
-            </a:lvl2pPr>
-            <a:lvl3pPr eaLnBrk="0" hangingPunct="0">
-              <a:defRPr>
-                <a:solidFill>
-                  <a:schemeClr val="tx1"/>
-                </a:solidFill>
-                <a:latin typeface="Arial" panose="020B0604020202020204" pitchFamily="34" charset="0"/>
-              </a:defRPr>
-            </a:lvl3pPr>
-            <a:lvl4pPr eaLnBrk="0" hangingPunct="0">
-              <a:defRPr>
-                <a:solidFill>
-                  <a:schemeClr val="tx1"/>
-                </a:solidFill>
-                <a:latin typeface="Arial" panose="020B0604020202020204" pitchFamily="34" charset="0"/>
-              </a:defRPr>
-            </a:lvl4pPr>
-            <a:lvl5pPr eaLnBrk="0" hangingPunct="0">
-              <a:defRPr>
-                <a:solidFill>
-                  <a:schemeClr val="tx1"/>
-                </a:solidFill>
-                <a:latin typeface="Arial" panose="020B0604020202020204" pitchFamily="34" charset="0"/>
-              </a:defRPr>
-            </a:lvl5pPr>
-            <a:lvl6pPr eaLnBrk="0" fontAlgn="base" hangingPunct="0">
-              <a:spcBef>
-                <a:spcPct val="0"/>
-              </a:spcBef>
-              <a:spcAft>
-                <a:spcPct val="0"/>
-              </a:spcAft>
-              <a:defRPr>
-                <a:solidFill>
-                  <a:schemeClr val="tx1"/>
-                </a:solidFill>
-                <a:latin typeface="Arial" panose="020B0604020202020204" pitchFamily="34" charset="0"/>
-              </a:defRPr>
-            </a:lvl6pPr>
-            <a:lvl7pPr eaLnBrk="0" fontAlgn="base" hangingPunct="0">
-              <a:spcBef>
-                <a:spcPct val="0"/>
-              </a:spcBef>
-              <a:spcAft>
-                <a:spcPct val="0"/>
-              </a:spcAft>
-              <a:defRPr>
-                <a:solidFill>
-                  <a:schemeClr val="tx1"/>
-                </a:solidFill>
-                <a:latin typeface="Arial" panose="020B0604020202020204" pitchFamily="34" charset="0"/>
-              </a:defRPr>
-            </a:lvl7pPr>
-            <a:lvl8pPr eaLnBrk="0" fontAlgn="base" hangingPunct="0">
-              <a:spcBef>
-                <a:spcPct val="0"/>
-              </a:spcBef>
-              <a:spcAft>
-                <a:spcPct val="0"/>
-              </a:spcAft>
-              <a:defRPr>
-                <a:solidFill>
-                  <a:schemeClr val="tx1"/>
-                </a:solidFill>
-                <a:latin typeface="Arial" panose="020B0604020202020204" pitchFamily="34" charset="0"/>
-              </a:defRPr>
-            </a:lvl8pPr>
-            <a:lvl9pPr eaLnBrk="0" fontAlgn="base" hangingPunct="0">
-              <a:spcBef>
-                <a:spcPct val="0"/>
-              </a:spcBef>
-              <a:spcAft>
-                <a:spcPct val="0"/>
-              </a:spcAft>
-              <a:defRPr>
-                <a:solidFill>
-                  <a:schemeClr val="tx1"/>
-                </a:solidFill>
-                <a:latin typeface="Arial" panose="020B0604020202020204" pitchFamily="34" charset="0"/>
-              </a:defRPr>
-            </a:lvl9pPr>
-          </a:lstStyle>
-          <a:p>
-            <a:pPr marL="0" marR="0" lvl="0" indent="0" algn="l" defTabSz="914400" rtl="0" eaLnBrk="0" fontAlgn="base" latinLnBrk="0" hangingPunct="0">
-              <a:lnSpc>
-                <a:spcPct val="100000"/>
-              </a:lnSpc>
-              <a:spcBef>
-                <a:spcPct val="0"/>
-              </a:spcBef>
-              <a:spcAft>
-                <a:spcPct val="0"/>
-              </a:spcAft>
-              <a:buClrTx/>
-              <a:buSzTx/>
-              <a:buFontTx/>
-              <a:buNone/>
-              <a:tabLst/>
-            </a:pPr>
-            <a:r>
-              <a:rPr kumimoji="0" lang="fr-FR" altLang="fr-FR" sz="1000" b="0" i="0" u="none" strike="noStrike" cap="none" normalizeH="0" baseline="0">
-                <a:ln>
-                  <a:noFill/>
-                </a:ln>
-                <a:solidFill>
-                  <a:srgbClr val="444444"/>
-                </a:solidFill>
-                <a:effectLst/>
-                <a:latin typeface="Arial Unicode MS"/>
-              </a:rPr>
-              <a:t>[i async for i in agen()]</a:t>
-            </a:r>
-            <a:r>
-              <a:rPr kumimoji="0" lang="fr-FR" altLang="fr-FR" sz="1100" b="0" i="0" u="none" strike="noStrike" cap="none" normalizeH="0" baseline="0">
-                <a:ln>
-                  <a:noFill/>
-                </a:ln>
-                <a:solidFill>
-                  <a:srgbClr val="444444"/>
-                </a:solidFill>
-                <a:effectLst/>
-                <a:latin typeface="SourceSansProRegular"/>
-              </a:rPr>
-              <a:t>;</a:t>
-            </a:r>
-            <a:r>
-              <a:rPr kumimoji="0" lang="fr-FR" altLang="fr-FR" sz="600" b="0" i="0" u="none" strike="noStrike" cap="none" normalizeH="0" baseline="0">
-                <a:ln>
-                  <a:noFill/>
-                </a:ln>
-                <a:solidFill>
-                  <a:schemeClr val="tx1"/>
-                </a:solidFill>
-                <a:effectLst/>
-              </a:rPr>
-              <a:t> </a:t>
-            </a:r>
-            <a:endParaRPr kumimoji="0" lang="fr-FR" altLang="fr-FR" sz="1800" b="0" i="0" u="none" strike="noStrike" cap="none" normalizeH="0" baseline="0">
-              <a:ln>
-                <a:noFill/>
-              </a:ln>
-              <a:solidFill>
-                <a:schemeClr val="tx1"/>
-              </a:solidFill>
-              <a:effectLst/>
-              <a:latin typeface="Arial" panose="020B0604020202020204" pitchFamily="34" charset="0"/>
-            </a:endParaRPr>
-          </a:p>
-        </p:txBody>
-      </p:sp>
-      <p:pic>
-        <p:nvPicPr>
-          <p:cNvPr id="6" name="Image 5">
-            <a:extLst>
-              <a:ext uri="{FF2B5EF4-FFF2-40B4-BE49-F238E27FC236}">
-                <a16:creationId xmlns:a16="http://schemas.microsoft.com/office/drawing/2014/main" id="{F140D4F3-E575-479F-A7E5-AC6D23E3FE72}"/>
-              </a:ext>
-            </a:extLst>
-          </p:cNvPr>
-          <p:cNvPicPr>
-            <a:picLocks noChangeAspect="1"/>
-          </p:cNvPicPr>
-          <p:nvPr/>
-        </p:nvPicPr>
-        <p:blipFill>
-          <a:blip r:embed="rId2"/>
-          <a:stretch>
-            <a:fillRect/>
-          </a:stretch>
-        </p:blipFill>
-        <p:spPr>
-          <a:xfrm>
-            <a:off x="5220072" y="1628800"/>
-            <a:ext cx="2895600" cy="3524250"/>
-          </a:xfrm>
-          <a:prstGeom prst="rect">
-            <a:avLst/>
-          </a:prstGeom>
-        </p:spPr>
-      </p:pic>
-      <p:pic>
-        <p:nvPicPr>
-          <p:cNvPr id="7" name="Image 6">
-            <a:extLst>
-              <a:ext uri="{FF2B5EF4-FFF2-40B4-BE49-F238E27FC236}">
-                <a16:creationId xmlns:a16="http://schemas.microsoft.com/office/drawing/2014/main" id="{94C5C25A-55F8-495B-9C4F-3D0719B5A26F}"/>
-              </a:ext>
-            </a:extLst>
-          </p:cNvPr>
-          <p:cNvPicPr>
-            <a:picLocks noChangeAspect="1"/>
-          </p:cNvPicPr>
-          <p:nvPr/>
-        </p:nvPicPr>
-        <p:blipFill>
-          <a:blip r:embed="rId3"/>
-          <a:stretch>
-            <a:fillRect/>
-          </a:stretch>
-        </p:blipFill>
-        <p:spPr>
-          <a:xfrm>
-            <a:off x="5220072" y="5430378"/>
-            <a:ext cx="2733675" cy="390525"/>
-          </a:xfrm>
-          <a:prstGeom prst="rect">
-            <a:avLst/>
-          </a:prstGeom>
-        </p:spPr>
-      </p:pic>
-    </p:spTree>
-    <p:extLst>
-      <p:ext uri="{BB962C8B-B14F-4D97-AF65-F5344CB8AC3E}">
-        <p14:creationId xmlns:p14="http://schemas.microsoft.com/office/powerpoint/2010/main" val="3717801526"/>
-      </p:ext>
-    </p:extLst>
-  </p:cSld>
-  <p:clrMapOvr>
-    <a:masterClrMapping/>
-  </p:clrMapOvr>
-</p:sld>
-</file>
-
-<file path=ppt/slides/slide11.xml><?xml version="1.0" encoding="utf-8"?>
-<p:sld xmlns:a="http://schemas.openxmlformats.org/drawingml/2006/main" xmlns:r="http://schemas.openxmlformats.org/officeDocument/2006/relationships" xmlns:p="http://schemas.openxmlformats.org/presentationml/2006/main">
-  <p:cSld>
-    <p:spTree>
-      <p:nvGrpSpPr>
-        <p:cNvPr id="1" name=""/>
-        <p:cNvGrpSpPr/>
-        <p:nvPr/>
-      </p:nvGrpSpPr>
-      <p:grpSpPr>
-        <a:xfrm>
-          <a:off x="0" y="0"/>
-          <a:ext cx="0" cy="0"/>
-          <a:chOff x="0" y="0"/>
-          <a:chExt cx="0" cy="0"/>
-        </a:xfrm>
-      </p:grpSpPr>
-      <p:sp>
-        <p:nvSpPr>
-          <p:cNvPr id="2" name="Titre 1">
-            <a:extLst>
-              <a:ext uri="{FF2B5EF4-FFF2-40B4-BE49-F238E27FC236}">
-                <a16:creationId xmlns:a16="http://schemas.microsoft.com/office/drawing/2014/main" id="{1AC85383-55F9-4A13-A97D-33AA8B5F954B}"/>
-              </a:ext>
-            </a:extLst>
-          </p:cNvPr>
-          <p:cNvSpPr>
-            <a:spLocks noGrp="1"/>
-          </p:cNvSpPr>
-          <p:nvPr>
-            <p:ph type="title"/>
-          </p:nvPr>
-        </p:nvSpPr>
-        <p:spPr/>
-        <p:txBody>
-          <a:bodyPr/>
-          <a:lstStyle/>
-          <a:p>
-            <a:r>
-              <a:rPr lang="fr-FR" dirty="0"/>
-              <a:t>Appels en cascade asynchrone</a:t>
-            </a:r>
-          </a:p>
-        </p:txBody>
-      </p:sp>
-      <p:sp>
-        <p:nvSpPr>
-          <p:cNvPr id="3" name="Espace réservé du contenu 2">
-            <a:extLst>
-              <a:ext uri="{FF2B5EF4-FFF2-40B4-BE49-F238E27FC236}">
-                <a16:creationId xmlns:a16="http://schemas.microsoft.com/office/drawing/2014/main" id="{A56A44F0-77E4-4883-9EEE-1A8100EDCF9B}"/>
-              </a:ext>
-            </a:extLst>
-          </p:cNvPr>
-          <p:cNvSpPr>
-            <a:spLocks noGrp="1"/>
-          </p:cNvSpPr>
-          <p:nvPr>
-            <p:ph idx="1"/>
-          </p:nvPr>
-        </p:nvSpPr>
-        <p:spPr/>
-        <p:txBody>
-          <a:bodyPr/>
-          <a:lstStyle/>
-          <a:p>
-            <a:r>
-              <a:rPr lang="fr-FR" dirty="0"/>
-              <a:t>Création de tâche</a:t>
-            </a:r>
-          </a:p>
-        </p:txBody>
-      </p:sp>
-      <p:pic>
-        <p:nvPicPr>
-          <p:cNvPr id="4" name="Image 3">
-            <a:extLst>
-              <a:ext uri="{FF2B5EF4-FFF2-40B4-BE49-F238E27FC236}">
-                <a16:creationId xmlns:a16="http://schemas.microsoft.com/office/drawing/2014/main" id="{75C46125-52ED-49AC-A666-BBE0B0855A23}"/>
-              </a:ext>
-            </a:extLst>
-          </p:cNvPr>
-          <p:cNvPicPr>
-            <a:picLocks noChangeAspect="1"/>
-          </p:cNvPicPr>
-          <p:nvPr/>
-        </p:nvPicPr>
-        <p:blipFill>
-          <a:blip r:embed="rId2"/>
-          <a:stretch>
-            <a:fillRect/>
-          </a:stretch>
-        </p:blipFill>
-        <p:spPr>
-          <a:xfrm>
-            <a:off x="3707904" y="1156209"/>
-            <a:ext cx="4562475" cy="5095875"/>
-          </a:xfrm>
-          <a:prstGeom prst="rect">
-            <a:avLst/>
-          </a:prstGeom>
-        </p:spPr>
-      </p:pic>
-    </p:spTree>
-    <p:extLst>
-      <p:ext uri="{BB962C8B-B14F-4D97-AF65-F5344CB8AC3E}">
-        <p14:creationId xmlns:p14="http://schemas.microsoft.com/office/powerpoint/2010/main" val="1887391789"/>
-      </p:ext>
-    </p:extLst>
-  </p:cSld>
-  <p:clrMapOvr>
-    <a:masterClrMapping/>
-  </p:clrMapOvr>
-</p:sld>
-</file>
-
-<file path=ppt/slides/slide12.xml><?xml version="1.0" encoding="utf-8"?>
-<p:sld xmlns:a="http://schemas.openxmlformats.org/drawingml/2006/main" xmlns:r="http://schemas.openxmlformats.org/officeDocument/2006/relationships" xmlns:p="http://schemas.openxmlformats.org/presentationml/2006/main">
-  <p:cSld>
-    <p:spTree>
-      <p:nvGrpSpPr>
-        <p:cNvPr id="1" name=""/>
-        <p:cNvGrpSpPr/>
-        <p:nvPr/>
-      </p:nvGrpSpPr>
-      <p:grpSpPr>
-        <a:xfrm>
-          <a:off x="0" y="0"/>
-          <a:ext cx="0" cy="0"/>
-          <a:chOff x="0" y="0"/>
-          <a:chExt cx="0" cy="0"/>
-        </a:xfrm>
-      </p:grpSpPr>
-      <p:sp>
-        <p:nvSpPr>
-          <p:cNvPr id="2" name="Titre 1"/>
-          <p:cNvSpPr>
-            <a:spLocks noGrp="1"/>
-          </p:cNvSpPr>
-          <p:nvPr>
-            <p:ph type="title"/>
-          </p:nvPr>
-        </p:nvSpPr>
-        <p:spPr/>
-        <p:txBody>
-          <a:bodyPr/>
-          <a:lstStyle/>
-          <a:p>
-            <a:r>
-              <a:rPr lang="fr-FR" dirty="0" err="1"/>
-              <a:t>Async</a:t>
-            </a:r>
-            <a:r>
-              <a:rPr lang="fr-FR" dirty="0"/>
-              <a:t> </a:t>
-            </a:r>
-            <a:r>
-              <a:rPr lang="fr-FR" dirty="0" err="1"/>
-              <a:t>with</a:t>
-            </a:r>
-            <a:endParaRPr lang="fr-FR" dirty="0"/>
-          </a:p>
-        </p:txBody>
-      </p:sp>
-      <p:sp>
-        <p:nvSpPr>
-          <p:cNvPr id="3" name="Espace réservé du contenu 2"/>
-          <p:cNvSpPr>
-            <a:spLocks noGrp="1"/>
-          </p:cNvSpPr>
-          <p:nvPr>
-            <p:ph idx="1"/>
-          </p:nvPr>
-        </p:nvSpPr>
-        <p:spPr/>
-        <p:txBody>
-          <a:bodyPr/>
-          <a:lstStyle/>
-          <a:p>
-            <a:r>
-              <a:rPr lang="fr-FR" dirty="0"/>
-              <a:t>Utilisation de </a:t>
-            </a:r>
-            <a:r>
-              <a:rPr lang="fr-FR" dirty="0" err="1"/>
-              <a:t>async</a:t>
-            </a:r>
-            <a:r>
-              <a:rPr lang="fr-FR" dirty="0"/>
-              <a:t> avec un </a:t>
-            </a:r>
-            <a:r>
-              <a:rPr lang="fr-FR" dirty="0" err="1"/>
-              <a:t>context</a:t>
-            </a:r>
-            <a:r>
-              <a:rPr lang="fr-FR" dirty="0"/>
-              <a:t> manager</a:t>
-            </a:r>
-          </a:p>
-        </p:txBody>
-      </p:sp>
-      <p:pic>
-        <p:nvPicPr>
-          <p:cNvPr id="4" name="Image 3"/>
-          <p:cNvPicPr>
-            <a:picLocks noChangeAspect="1"/>
-          </p:cNvPicPr>
-          <p:nvPr/>
-        </p:nvPicPr>
-        <p:blipFill>
-          <a:blip r:embed="rId2"/>
-          <a:stretch>
-            <a:fillRect/>
-          </a:stretch>
-        </p:blipFill>
-        <p:spPr>
-          <a:xfrm>
-            <a:off x="1187624" y="2166168"/>
-            <a:ext cx="6858397" cy="4071144"/>
-          </a:xfrm>
-          <a:prstGeom prst="rect">
-            <a:avLst/>
-          </a:prstGeom>
-        </p:spPr>
-      </p:pic>
-    </p:spTree>
-    <p:extLst>
-      <p:ext uri="{BB962C8B-B14F-4D97-AF65-F5344CB8AC3E}">
-        <p14:creationId xmlns:p14="http://schemas.microsoft.com/office/powerpoint/2010/main" val="1463648995"/>
-      </p:ext>
-    </p:extLst>
-  </p:cSld>
-  <p:clrMapOvr>
-    <a:masterClrMapping/>
-  </p:clrMapOvr>
-</p:sld>
-</file>
-
 <file path=ppt/slides/slide2.xml><?xml version="1.0" encoding="utf-8"?>
 <p:sld xmlns:a="http://schemas.openxmlformats.org/drawingml/2006/main" xmlns:r="http://schemas.openxmlformats.org/officeDocument/2006/relationships" xmlns:p="http://schemas.openxmlformats.org/presentationml/2006/main">
   <p:cSld>
@@ -4903,291 +4236,10 @@
       </p:grpSpPr>
       <p:sp>
         <p:nvSpPr>
-          <p:cNvPr id="2" name="Titre 1"/>
-          <p:cNvSpPr>
-            <a:spLocks noGrp="1"/>
-          </p:cNvSpPr>
-          <p:nvPr>
-            <p:ph type="title"/>
-          </p:nvPr>
-        </p:nvSpPr>
-        <p:spPr/>
-        <p:txBody>
-          <a:bodyPr/>
-          <a:lstStyle/>
-          <a:p>
-            <a:r>
-              <a:rPr lang="fr-FR" dirty="0" err="1"/>
-              <a:t>Await</a:t>
-            </a:r>
-            <a:r>
-              <a:rPr lang="fr-FR" dirty="0"/>
-              <a:t> et </a:t>
-            </a:r>
-            <a:r>
-              <a:rPr lang="fr-FR" dirty="0" err="1"/>
-              <a:t>Async</a:t>
-            </a:r>
-            <a:endParaRPr lang="fr-FR" dirty="0"/>
-          </a:p>
-        </p:txBody>
-      </p:sp>
-      <p:sp>
-        <p:nvSpPr>
-          <p:cNvPr id="3" name="Espace réservé du contenu 2"/>
-          <p:cNvSpPr>
-            <a:spLocks noGrp="1"/>
-          </p:cNvSpPr>
-          <p:nvPr>
-            <p:ph idx="1"/>
-          </p:nvPr>
-        </p:nvSpPr>
-        <p:spPr/>
-        <p:txBody>
-          <a:bodyPr/>
-          <a:lstStyle/>
-          <a:p>
-            <a:r>
-              <a:rPr lang="fr-FR" dirty="0"/>
-              <a:t>Vocabulaire simplifié pour de la programmation asynchrone</a:t>
-            </a:r>
-          </a:p>
-          <a:p>
-            <a:pPr lvl="1"/>
-            <a:r>
-              <a:rPr lang="fr-FR"/>
-              <a:t>Python 3.5</a:t>
-            </a:r>
-            <a:endParaRPr lang="fr-FR" dirty="0"/>
-          </a:p>
-          <a:p>
-            <a:r>
-              <a:rPr lang="fr-FR" dirty="0" err="1"/>
-              <a:t>Async</a:t>
-            </a:r>
-            <a:endParaRPr lang="fr-FR" dirty="0"/>
-          </a:p>
-          <a:p>
-            <a:pPr lvl="1"/>
-            <a:r>
-              <a:rPr lang="fr-FR" dirty="0"/>
-              <a:t>Permet de spécifier une fonction asynchrone</a:t>
-            </a:r>
-          </a:p>
-          <a:p>
-            <a:pPr lvl="1"/>
-            <a:endParaRPr lang="fr-FR" dirty="0"/>
-          </a:p>
-          <a:p>
-            <a:endParaRPr lang="fr-FR" dirty="0"/>
-          </a:p>
-          <a:p>
-            <a:r>
-              <a:rPr lang="fr-FR" dirty="0" err="1"/>
-              <a:t>Await</a:t>
-            </a:r>
-            <a:endParaRPr lang="fr-FR" dirty="0"/>
-          </a:p>
-          <a:p>
-            <a:pPr lvl="1"/>
-            <a:r>
-              <a:rPr lang="fr-FR" dirty="0"/>
-              <a:t>Permet de suspendre l’exécution tant que l’appel </a:t>
-            </a:r>
-            <a:r>
-              <a:rPr lang="fr-FR" dirty="0" err="1"/>
-              <a:t>async</a:t>
-            </a:r>
-            <a:r>
-              <a:rPr lang="fr-FR" dirty="0"/>
-              <a:t> n’est pas terminé</a:t>
-            </a:r>
-          </a:p>
-          <a:p>
-            <a:pPr lvl="1"/>
-            <a:r>
-              <a:rPr lang="fr-FR" dirty="0" err="1"/>
-              <a:t>await</a:t>
-            </a:r>
-            <a:r>
-              <a:rPr lang="fr-FR" dirty="0"/>
-              <a:t> </a:t>
-            </a:r>
-            <a:r>
-              <a:rPr lang="fr-FR" dirty="0" err="1"/>
-              <a:t>coro</a:t>
-            </a:r>
-            <a:r>
-              <a:rPr lang="fr-FR" dirty="0"/>
-              <a:t>()</a:t>
-            </a:r>
-          </a:p>
-        </p:txBody>
-      </p:sp>
-      <p:pic>
-        <p:nvPicPr>
-          <p:cNvPr id="4" name="Image 3"/>
-          <p:cNvPicPr>
-            <a:picLocks noChangeAspect="1"/>
-          </p:cNvPicPr>
-          <p:nvPr/>
-        </p:nvPicPr>
-        <p:blipFill>
-          <a:blip r:embed="rId2"/>
-          <a:stretch>
-            <a:fillRect/>
-          </a:stretch>
-        </p:blipFill>
-        <p:spPr>
-          <a:xfrm>
-            <a:off x="2555776" y="3933056"/>
-            <a:ext cx="2972245" cy="720080"/>
-          </a:xfrm>
-          <a:prstGeom prst="rect">
-            <a:avLst/>
-          </a:prstGeom>
-        </p:spPr>
-      </p:pic>
-    </p:spTree>
-    <p:extLst>
-      <p:ext uri="{BB962C8B-B14F-4D97-AF65-F5344CB8AC3E}">
-        <p14:creationId xmlns:p14="http://schemas.microsoft.com/office/powerpoint/2010/main" val="2480226118"/>
-      </p:ext>
-    </p:extLst>
-  </p:cSld>
-  <p:clrMapOvr>
-    <a:masterClrMapping/>
-  </p:clrMapOvr>
-</p:sld>
-</file>
-
-<file path=ppt/slides/slide7.xml><?xml version="1.0" encoding="utf-8"?>
-<p:sld xmlns:a="http://schemas.openxmlformats.org/drawingml/2006/main" xmlns:r="http://schemas.openxmlformats.org/officeDocument/2006/relationships" xmlns:p="http://schemas.openxmlformats.org/presentationml/2006/main">
-  <p:cSld>
-    <p:spTree>
-      <p:nvGrpSpPr>
-        <p:cNvPr id="1" name=""/>
-        <p:cNvGrpSpPr/>
-        <p:nvPr/>
-      </p:nvGrpSpPr>
-      <p:grpSpPr>
-        <a:xfrm>
-          <a:off x="0" y="0"/>
-          <a:ext cx="0" cy="0"/>
-          <a:chOff x="0" y="0"/>
-          <a:chExt cx="0" cy="0"/>
-        </a:xfrm>
-      </p:grpSpPr>
-      <p:sp>
-        <p:nvSpPr>
-          <p:cNvPr id="2" name="Titre 1"/>
-          <p:cNvSpPr>
-            <a:spLocks noGrp="1"/>
-          </p:cNvSpPr>
-          <p:nvPr>
-            <p:ph type="title"/>
-          </p:nvPr>
-        </p:nvSpPr>
-        <p:spPr/>
-        <p:txBody>
-          <a:bodyPr/>
-          <a:lstStyle/>
-          <a:p>
-            <a:r>
-              <a:rPr lang="fr-FR" dirty="0" err="1"/>
-              <a:t>Async</a:t>
-            </a:r>
-            <a:r>
-              <a:rPr lang="fr-FR" dirty="0"/>
-              <a:t> et </a:t>
-            </a:r>
-            <a:r>
-              <a:rPr lang="fr-FR" dirty="0" err="1"/>
-              <a:t>await</a:t>
-            </a:r>
-            <a:endParaRPr lang="fr-FR" dirty="0"/>
-          </a:p>
-        </p:txBody>
-      </p:sp>
-      <p:sp>
-        <p:nvSpPr>
-          <p:cNvPr id="3" name="Espace réservé du contenu 2"/>
-          <p:cNvSpPr>
-            <a:spLocks noGrp="1"/>
-          </p:cNvSpPr>
-          <p:nvPr>
-            <p:ph idx="1"/>
-          </p:nvPr>
-        </p:nvSpPr>
-        <p:spPr/>
-        <p:txBody>
-          <a:bodyPr/>
-          <a:lstStyle/>
-          <a:p>
-            <a:endParaRPr lang="fr-FR"/>
-          </a:p>
-        </p:txBody>
-      </p:sp>
-      <p:pic>
-        <p:nvPicPr>
-          <p:cNvPr id="4" name="Image 3"/>
-          <p:cNvPicPr>
-            <a:picLocks noChangeAspect="1"/>
-          </p:cNvPicPr>
-          <p:nvPr/>
-        </p:nvPicPr>
-        <p:blipFill>
-          <a:blip r:embed="rId2"/>
-          <a:stretch>
-            <a:fillRect/>
-          </a:stretch>
-        </p:blipFill>
-        <p:spPr>
-          <a:xfrm>
-            <a:off x="1195680" y="1156209"/>
-            <a:ext cx="7133744" cy="5436257"/>
-          </a:xfrm>
-          <a:prstGeom prst="rect">
-            <a:avLst/>
-          </a:prstGeom>
-        </p:spPr>
-      </p:pic>
-    </p:spTree>
-    <p:extLst>
-      <p:ext uri="{BB962C8B-B14F-4D97-AF65-F5344CB8AC3E}">
-        <p14:creationId xmlns:p14="http://schemas.microsoft.com/office/powerpoint/2010/main" val="841109094"/>
-      </p:ext>
-    </p:extLst>
-  </p:cSld>
-  <p:clrMapOvr>
-    <a:masterClrMapping/>
-  </p:clrMapOvr>
-</p:sld>
-</file>
-
-<file path=ppt/slides/slide8.xml><?xml version="1.0" encoding="utf-8"?>
-<p:sld xmlns:a="http://schemas.openxmlformats.org/drawingml/2006/main" xmlns:r="http://schemas.openxmlformats.org/officeDocument/2006/relationships" xmlns:p="http://schemas.openxmlformats.org/presentationml/2006/main">
-  <p:cSld>
-    <p:spTree>
-      <p:nvGrpSpPr>
-        <p:cNvPr id="1" name=""/>
-        <p:cNvGrpSpPr/>
-        <p:nvPr/>
-      </p:nvGrpSpPr>
-      <p:grpSpPr>
-        <a:xfrm>
-          <a:off x="0" y="0"/>
-          <a:ext cx="0" cy="0"/>
-          <a:chOff x="0" y="0"/>
-          <a:chExt cx="0" cy="0"/>
-        </a:xfrm>
-      </p:grpSpPr>
-      <p:sp>
-        <p:nvSpPr>
           <p:cNvPr id="2" name="Titre 1">
             <a:extLst>
               <a:ext uri="{FF2B5EF4-FFF2-40B4-BE49-F238E27FC236}">
-                <a16:creationId xmlns:a16="http://schemas.microsoft.com/office/drawing/2014/main" id="{8C009F35-1AA2-4206-8F19-7C2A13E5A9EB}"/>
+                <a16:creationId xmlns:a16="http://schemas.microsoft.com/office/drawing/2014/main" id="{A6F6A1DD-CFE7-B8BB-6AB0-CE96BAE57DBA}"/>
               </a:ext>
             </a:extLst>
           </p:cNvPr>
@@ -5205,15 +4257,7 @@
           <a:p>
             <a:r>
               <a:rPr lang="fr-FR" dirty="0" err="1"/>
-              <a:t>async</a:t>
-            </a:r>
-            <a:r>
-              <a:rPr lang="fr-FR" dirty="0"/>
-              <a:t> / </a:t>
-            </a:r>
-            <a:r>
-              <a:rPr lang="fr-FR" dirty="0" err="1"/>
-              <a:t>await</a:t>
+              <a:t>Concurent</a:t>
             </a:r>
             <a:endParaRPr lang="fr-FR" dirty="0"/>
           </a:p>
@@ -5224,7 +4268,7 @@
           <p:cNvPr id="3" name="Espace réservé du contenu 2">
             <a:extLst>
               <a:ext uri="{FF2B5EF4-FFF2-40B4-BE49-F238E27FC236}">
-                <a16:creationId xmlns:a16="http://schemas.microsoft.com/office/drawing/2014/main" id="{9AB45FC8-FB39-4EFD-9E2A-15EF83610D58}"/>
+                <a16:creationId xmlns:a16="http://schemas.microsoft.com/office/drawing/2014/main" id="{4CA548FC-EDA6-E87B-6755-00C2D9F1EF0C}"/>
               </a:ext>
             </a:extLst>
           </p:cNvPr>
@@ -5241,392 +4285,37 @@
           <a:lstStyle/>
           <a:p>
             <a:r>
+              <a:rPr lang="fr-FR" dirty="0"/>
+              <a:t>Import </a:t>
+            </a:r>
+            <a:r>
               <a:rPr lang="fr-FR" dirty="0" err="1"/>
-              <a:t>asyncio</a:t>
-            </a:r>
-            <a:r>
-              <a:rPr lang="fr-FR" dirty="0"/>
-              <a:t> est une bibliothèque permettant de faire de la programmation asynchrone en utilisant la syntaxe </a:t>
-            </a:r>
+              <a:t>concurent</a:t>
+            </a:r>
+            <a:endParaRPr lang="fr-FR" dirty="0"/>
+          </a:p>
+          <a:p>
+            <a:pPr lvl="1"/>
             <a:r>
               <a:rPr lang="fr-FR" dirty="0" err="1"/>
-              <a:t>async</a:t>
-            </a:r>
-            <a:r>
-              <a:rPr lang="fr-FR" dirty="0"/>
-              <a:t>/</a:t>
-            </a:r>
-            <a:r>
-              <a:rPr lang="fr-FR" dirty="0" err="1"/>
-              <a:t>await</a:t>
+              <a:t>ThreadPoolExecutor</a:t>
             </a:r>
             <a:endParaRPr lang="fr-FR" dirty="0"/>
           </a:p>
           <a:p>
             <a:pPr lvl="1"/>
             <a:r>
-              <a:rPr lang="fr-FR" dirty="0"/>
-              <a:t>Coroutines</a:t>
-            </a:r>
-          </a:p>
-          <a:p>
-            <a:pPr lvl="1"/>
-            <a:r>
-              <a:rPr lang="fr-FR" dirty="0"/>
-              <a:t>Code asynchrone</a:t>
-            </a:r>
-          </a:p>
-          <a:p>
+              <a:rPr lang="fr-FR"/>
+              <a:t>ProcessPoolExecutor</a:t>
+            </a:r>
             <a:endParaRPr lang="fr-FR" dirty="0"/>
-          </a:p>
-          <a:p>
-            <a:pPr marL="400050" lvl="1" indent="0">
-              <a:buNone/>
-            </a:pPr>
-            <a:r>
-              <a:rPr lang="fr-FR" sz="1800" dirty="0">
-                <a:latin typeface="Courier New" panose="02070309020205020404" pitchFamily="49" charset="0"/>
-                <a:cs typeface="Courier New" panose="02070309020205020404" pitchFamily="49" charset="0"/>
-              </a:rPr>
-              <a:t>import </a:t>
-            </a:r>
-            <a:r>
-              <a:rPr lang="fr-FR" sz="1800" dirty="0" err="1">
-                <a:latin typeface="Courier New" panose="02070309020205020404" pitchFamily="49" charset="0"/>
-                <a:cs typeface="Courier New" panose="02070309020205020404" pitchFamily="49" charset="0"/>
-              </a:rPr>
-              <a:t>asyncio</a:t>
-            </a:r>
-            <a:endParaRPr lang="fr-FR" sz="1800" dirty="0">
-              <a:latin typeface="Courier New" panose="02070309020205020404" pitchFamily="49" charset="0"/>
-              <a:cs typeface="Courier New" panose="02070309020205020404" pitchFamily="49" charset="0"/>
-            </a:endParaRPr>
-          </a:p>
-          <a:p>
-            <a:pPr marL="400050" lvl="1" indent="0">
-              <a:buNone/>
-            </a:pPr>
-            <a:r>
-              <a:rPr lang="fr-FR" sz="1800" dirty="0" err="1">
-                <a:latin typeface="Courier New" panose="02070309020205020404" pitchFamily="49" charset="0"/>
-                <a:cs typeface="Courier New" panose="02070309020205020404" pitchFamily="49" charset="0"/>
-              </a:rPr>
-              <a:t>async</a:t>
-            </a:r>
-            <a:r>
-              <a:rPr lang="fr-FR" sz="1800" dirty="0">
-                <a:latin typeface="Courier New" panose="02070309020205020404" pitchFamily="49" charset="0"/>
-                <a:cs typeface="Courier New" panose="02070309020205020404" pitchFamily="49" charset="0"/>
-              </a:rPr>
-              <a:t> </a:t>
-            </a:r>
-            <a:r>
-              <a:rPr lang="fr-FR" sz="1800" dirty="0" err="1">
-                <a:latin typeface="Courier New" panose="02070309020205020404" pitchFamily="49" charset="0"/>
-                <a:cs typeface="Courier New" panose="02070309020205020404" pitchFamily="49" charset="0"/>
-              </a:rPr>
-              <a:t>def</a:t>
-            </a:r>
-            <a:r>
-              <a:rPr lang="fr-FR" sz="1800" dirty="0">
-                <a:latin typeface="Courier New" panose="02070309020205020404" pitchFamily="49" charset="0"/>
-                <a:cs typeface="Courier New" panose="02070309020205020404" pitchFamily="49" charset="0"/>
-              </a:rPr>
-              <a:t> main():</a:t>
-            </a:r>
-          </a:p>
-          <a:p>
-            <a:pPr marL="400050" lvl="1" indent="0">
-              <a:buNone/>
-            </a:pPr>
-            <a:r>
-              <a:rPr lang="fr-FR" sz="1800" dirty="0">
-                <a:latin typeface="Courier New" panose="02070309020205020404" pitchFamily="49" charset="0"/>
-                <a:cs typeface="Courier New" panose="02070309020205020404" pitchFamily="49" charset="0"/>
-              </a:rPr>
-              <a:t>    </a:t>
-            </a:r>
-            <a:r>
-              <a:rPr lang="fr-FR" sz="1800" dirty="0" err="1">
-                <a:latin typeface="Courier New" panose="02070309020205020404" pitchFamily="49" charset="0"/>
-                <a:cs typeface="Courier New" panose="02070309020205020404" pitchFamily="49" charset="0"/>
-              </a:rPr>
-              <a:t>print</a:t>
-            </a:r>
-            <a:r>
-              <a:rPr lang="fr-FR" sz="1800" dirty="0">
-                <a:latin typeface="Courier New" panose="02070309020205020404" pitchFamily="49" charset="0"/>
-                <a:cs typeface="Courier New" panose="02070309020205020404" pitchFamily="49" charset="0"/>
-              </a:rPr>
-              <a:t>('hello')</a:t>
-            </a:r>
-          </a:p>
-          <a:p>
-            <a:pPr marL="400050" lvl="1" indent="0">
-              <a:buNone/>
-            </a:pPr>
-            <a:r>
-              <a:rPr lang="fr-FR" sz="1800" dirty="0">
-                <a:latin typeface="Courier New" panose="02070309020205020404" pitchFamily="49" charset="0"/>
-                <a:cs typeface="Courier New" panose="02070309020205020404" pitchFamily="49" charset="0"/>
-              </a:rPr>
-              <a:t>    </a:t>
-            </a:r>
-            <a:r>
-              <a:rPr lang="fr-FR" sz="1800" dirty="0" err="1">
-                <a:latin typeface="Courier New" panose="02070309020205020404" pitchFamily="49" charset="0"/>
-                <a:cs typeface="Courier New" panose="02070309020205020404" pitchFamily="49" charset="0"/>
-              </a:rPr>
-              <a:t>await</a:t>
-            </a:r>
-            <a:r>
-              <a:rPr lang="fr-FR" sz="1800" dirty="0">
-                <a:latin typeface="Courier New" panose="02070309020205020404" pitchFamily="49" charset="0"/>
-                <a:cs typeface="Courier New" panose="02070309020205020404" pitchFamily="49" charset="0"/>
-              </a:rPr>
-              <a:t> </a:t>
-            </a:r>
-            <a:r>
-              <a:rPr lang="fr-FR" sz="1800" dirty="0" err="1">
-                <a:latin typeface="Courier New" panose="02070309020205020404" pitchFamily="49" charset="0"/>
-                <a:cs typeface="Courier New" panose="02070309020205020404" pitchFamily="49" charset="0"/>
-              </a:rPr>
-              <a:t>asyncio.sleep</a:t>
-            </a:r>
-            <a:r>
-              <a:rPr lang="fr-FR" sz="1800" dirty="0">
-                <a:latin typeface="Courier New" panose="02070309020205020404" pitchFamily="49" charset="0"/>
-                <a:cs typeface="Courier New" panose="02070309020205020404" pitchFamily="49" charset="0"/>
-              </a:rPr>
-              <a:t>(1)</a:t>
-            </a:r>
-          </a:p>
-          <a:p>
-            <a:pPr marL="400050" lvl="1" indent="0">
-              <a:buNone/>
-            </a:pPr>
-            <a:r>
-              <a:rPr lang="fr-FR" sz="1800" dirty="0">
-                <a:latin typeface="Courier New" panose="02070309020205020404" pitchFamily="49" charset="0"/>
-                <a:cs typeface="Courier New" panose="02070309020205020404" pitchFamily="49" charset="0"/>
-              </a:rPr>
-              <a:t>    </a:t>
-            </a:r>
-            <a:r>
-              <a:rPr lang="fr-FR" sz="1800" dirty="0" err="1">
-                <a:latin typeface="Courier New" panose="02070309020205020404" pitchFamily="49" charset="0"/>
-                <a:cs typeface="Courier New" panose="02070309020205020404" pitchFamily="49" charset="0"/>
-              </a:rPr>
-              <a:t>print</a:t>
-            </a:r>
-            <a:r>
-              <a:rPr lang="fr-FR" sz="1800" dirty="0">
-                <a:latin typeface="Courier New" panose="02070309020205020404" pitchFamily="49" charset="0"/>
-                <a:cs typeface="Courier New" panose="02070309020205020404" pitchFamily="49" charset="0"/>
-              </a:rPr>
-              <a:t>('world')</a:t>
-            </a:r>
-          </a:p>
-          <a:p>
-            <a:pPr marL="400050" lvl="1" indent="0">
-              <a:buNone/>
-            </a:pPr>
-            <a:r>
-              <a:rPr lang="fr-FR" sz="1800" dirty="0" err="1">
-                <a:latin typeface="Courier New" panose="02070309020205020404" pitchFamily="49" charset="0"/>
-                <a:cs typeface="Courier New" panose="02070309020205020404" pitchFamily="49" charset="0"/>
-              </a:rPr>
-              <a:t>asyncio.run</a:t>
-            </a:r>
-            <a:r>
-              <a:rPr lang="fr-FR" sz="1800" dirty="0">
-                <a:latin typeface="Courier New" panose="02070309020205020404" pitchFamily="49" charset="0"/>
-                <a:cs typeface="Courier New" panose="02070309020205020404" pitchFamily="49" charset="0"/>
-              </a:rPr>
-              <a:t>(main())</a:t>
-            </a:r>
-          </a:p>
-          <a:p>
-            <a:pPr marL="400050" lvl="1" indent="0">
-              <a:buNone/>
-            </a:pPr>
-            <a:endParaRPr lang="fr-FR" sz="1800" dirty="0">
-              <a:latin typeface="Courier New" panose="02070309020205020404" pitchFamily="49" charset="0"/>
-              <a:cs typeface="Courier New" panose="02070309020205020404" pitchFamily="49" charset="0"/>
-            </a:endParaRPr>
           </a:p>
         </p:txBody>
       </p:sp>
     </p:spTree>
     <p:extLst>
       <p:ext uri="{BB962C8B-B14F-4D97-AF65-F5344CB8AC3E}">
-        <p14:creationId xmlns:p14="http://schemas.microsoft.com/office/powerpoint/2010/main" val="4271714038"/>
-      </p:ext>
-    </p:extLst>
-  </p:cSld>
-  <p:clrMapOvr>
-    <a:masterClrMapping/>
-  </p:clrMapOvr>
-</p:sld>
-</file>
-
-<file path=ppt/slides/slide9.xml><?xml version="1.0" encoding="utf-8"?>
-<p:sld xmlns:a="http://schemas.openxmlformats.org/drawingml/2006/main" xmlns:r="http://schemas.openxmlformats.org/officeDocument/2006/relationships" xmlns:p="http://schemas.openxmlformats.org/presentationml/2006/main">
-  <p:cSld>
-    <p:spTree>
-      <p:nvGrpSpPr>
-        <p:cNvPr id="1" name=""/>
-        <p:cNvGrpSpPr/>
-        <p:nvPr/>
-      </p:nvGrpSpPr>
-      <p:grpSpPr>
-        <a:xfrm>
-          <a:off x="0" y="0"/>
-          <a:ext cx="0" cy="0"/>
-          <a:chOff x="0" y="0"/>
-          <a:chExt cx="0" cy="0"/>
-        </a:xfrm>
-      </p:grpSpPr>
-      <p:sp>
-        <p:nvSpPr>
-          <p:cNvPr id="2" name="Titre 1">
-            <a:extLst>
-              <a:ext uri="{FF2B5EF4-FFF2-40B4-BE49-F238E27FC236}">
-                <a16:creationId xmlns:a16="http://schemas.microsoft.com/office/drawing/2014/main" id="{FFD51B03-F740-45BC-A966-6D7A3472A782}"/>
-              </a:ext>
-            </a:extLst>
-          </p:cNvPr>
-          <p:cNvSpPr>
-            <a:spLocks noGrp="1"/>
-          </p:cNvSpPr>
-          <p:nvPr>
-            <p:ph type="title"/>
-          </p:nvPr>
-        </p:nvSpPr>
-        <p:spPr/>
-        <p:txBody>
-          <a:bodyPr/>
-          <a:lstStyle/>
-          <a:p>
-            <a:r>
-              <a:rPr lang="fr-FR" dirty="0"/>
-              <a:t>Coroutines</a:t>
-            </a:r>
-          </a:p>
-        </p:txBody>
-      </p:sp>
-      <p:sp>
-        <p:nvSpPr>
-          <p:cNvPr id="3" name="Espace réservé du contenu 2">
-            <a:extLst>
-              <a:ext uri="{FF2B5EF4-FFF2-40B4-BE49-F238E27FC236}">
-                <a16:creationId xmlns:a16="http://schemas.microsoft.com/office/drawing/2014/main" id="{3AB7B443-D042-4513-AB98-59CB5E351CA1}"/>
-              </a:ext>
-            </a:extLst>
-          </p:cNvPr>
-          <p:cNvSpPr>
-            <a:spLocks noGrp="1"/>
-          </p:cNvSpPr>
-          <p:nvPr>
-            <p:ph idx="1"/>
-          </p:nvPr>
-        </p:nvSpPr>
-        <p:spPr/>
-        <p:txBody>
-          <a:bodyPr/>
-          <a:lstStyle/>
-          <a:p>
-            <a:r>
-              <a:rPr lang="fr-FR" sz="2400" dirty="0"/>
-              <a:t>Appeler une coroutine ne la planifie pas pour exécution</a:t>
-            </a:r>
-          </a:p>
-          <a:p>
-            <a:pPr marL="457200" lvl="1" indent="0">
-              <a:buNone/>
-            </a:pPr>
-            <a:r>
-              <a:rPr lang="en-US" sz="1800" dirty="0">
-                <a:latin typeface="Courier New" panose="02070309020205020404" pitchFamily="49" charset="0"/>
-                <a:cs typeface="Courier New" panose="02070309020205020404" pitchFamily="49" charset="0"/>
-              </a:rPr>
-              <a:t>main()</a:t>
-            </a:r>
-          </a:p>
-          <a:p>
-            <a:pPr marL="457200" lvl="1" indent="0">
-              <a:buNone/>
-            </a:pPr>
-            <a:r>
-              <a:rPr lang="en-US" sz="1800" dirty="0">
-                <a:latin typeface="Courier New" panose="02070309020205020404" pitchFamily="49" charset="0"/>
-                <a:cs typeface="Courier New" panose="02070309020205020404" pitchFamily="49" charset="0"/>
-              </a:rPr>
-              <a:t>&lt;coroutine object main at 0x1053bb7c8&gt;</a:t>
-            </a:r>
-          </a:p>
-          <a:p>
-            <a:pPr marL="457200" lvl="1" indent="0">
-              <a:buNone/>
-            </a:pPr>
-            <a:endParaRPr lang="en-US" sz="1800" dirty="0">
-              <a:latin typeface="Courier New" panose="02070309020205020404" pitchFamily="49" charset="0"/>
-              <a:cs typeface="Courier New" panose="02070309020205020404" pitchFamily="49" charset="0"/>
-            </a:endParaRPr>
-          </a:p>
-          <a:p>
-            <a:r>
-              <a:rPr lang="fr-FR" sz="2200" dirty="0"/>
-              <a:t>S'appel avec </a:t>
-            </a:r>
-            <a:r>
-              <a:rPr lang="fr-FR" sz="2200" dirty="0" err="1"/>
-              <a:t>asyncio.run</a:t>
-            </a:r>
-            <a:r>
-              <a:rPr lang="fr-FR" sz="2200" dirty="0"/>
-              <a:t>()</a:t>
-            </a:r>
-          </a:p>
-          <a:p>
-            <a:pPr marL="457200" lvl="1" indent="0">
-              <a:buNone/>
-            </a:pPr>
-            <a:endParaRPr lang="fr-FR" sz="1800" dirty="0">
-              <a:latin typeface="Courier New" panose="02070309020205020404" pitchFamily="49" charset="0"/>
-              <a:cs typeface="Courier New" panose="02070309020205020404" pitchFamily="49" charset="0"/>
-            </a:endParaRPr>
-          </a:p>
-          <a:p>
-            <a:pPr marL="400050" lvl="1" indent="0">
-              <a:buNone/>
-            </a:pPr>
-            <a:endParaRPr lang="fr-FR" sz="1800" dirty="0">
-              <a:latin typeface="Courier New" panose="02070309020205020404" pitchFamily="49" charset="0"/>
-              <a:cs typeface="Courier New" panose="02070309020205020404" pitchFamily="49" charset="0"/>
-            </a:endParaRPr>
-          </a:p>
-          <a:p>
-            <a:pPr marL="400050" lvl="1" indent="0">
-              <a:buNone/>
-            </a:pPr>
-            <a:r>
-              <a:rPr lang="fr-FR" sz="1800" dirty="0">
-                <a:latin typeface="Courier New" panose="02070309020205020404" pitchFamily="49" charset="0"/>
-                <a:cs typeface="Courier New" panose="02070309020205020404" pitchFamily="49" charset="0"/>
-              </a:rPr>
-              <a:t>	</a:t>
-            </a:r>
-          </a:p>
-          <a:p>
-            <a:endParaRPr lang="fr-FR" dirty="0"/>
-          </a:p>
-        </p:txBody>
-      </p:sp>
-    </p:spTree>
-    <p:extLst>
-      <p:ext uri="{BB962C8B-B14F-4D97-AF65-F5344CB8AC3E}">
-        <p14:creationId xmlns:p14="http://schemas.microsoft.com/office/powerpoint/2010/main" val="3709929720"/>
+        <p14:creationId xmlns:p14="http://schemas.microsoft.com/office/powerpoint/2010/main" val="1645508162"/>
       </p:ext>
     </p:extLst>
   </p:cSld>
